--- a/specifications/maquettes_IHM/maquette-html.pptx
+++ b/specifications/maquettes_IHM/maquette-html.pptx
@@ -9,13 +9,14 @@
     <p:sldId id="260" r:id="rId3"/>
     <p:sldId id="267" r:id="rId4"/>
     <p:sldId id="266" r:id="rId5"/>
-    <p:sldId id="268" r:id="rId6"/>
-    <p:sldId id="269" r:id="rId7"/>
+    <p:sldId id="269" r:id="rId6"/>
+    <p:sldId id="268" r:id="rId7"/>
     <p:sldId id="262" r:id="rId8"/>
     <p:sldId id="263" r:id="rId9"/>
     <p:sldId id="265" r:id="rId10"/>
     <p:sldId id="264" r:id="rId11"/>
-    <p:sldId id="257" r:id="rId12"/>
+    <p:sldId id="270" r:id="rId12"/>
+    <p:sldId id="257" r:id="rId13"/>
   </p:sldIdLst>
   <p:sldSz cx="12192000" cy="6858000"/>
   <p:notesSz cx="6858000" cy="9144000"/>
@@ -134,6 +135,1405 @@
 </p:cmAuthorLst>
 </file>
 
+<file path=ppt/revisionInfo.xml><?xml version="1.0" encoding="utf-8"?>
+<p1510:revInfo xmlns:a="http://schemas.openxmlformats.org/drawingml/2006/main" xmlns:r="http://schemas.openxmlformats.org/officeDocument/2006/relationships" xmlns:p1510="http://schemas.microsoft.com/office/powerpoint/2015/10/main">
+  <p1510:revLst>
+    <p1510:client id="{090BB725-6E31-4CF1-ABB6-CEA7585B5561}" v="109" dt="2021-05-01T09:26:53.418"/>
+  </p1510:revLst>
+</p1510:revInfo>
+</file>
+
+<file path=ppt/changesInfos/changesInfo1.xml><?xml version="1.0" encoding="utf-8"?>
+<pc:chgInfo xmlns:a="http://schemas.openxmlformats.org/drawingml/2006/main" xmlns:r="http://schemas.openxmlformats.org/officeDocument/2006/relationships" xmlns:ac="http://schemas.microsoft.com/office/drawing/2013/main/command" xmlns:pc="http://schemas.microsoft.com/office/powerpoint/2013/main/command">
+  <pc:docChgLst>
+    <pc:chgData name="Jade" userId="0a84c197c12905b0" providerId="LiveId" clId="{090BB725-6E31-4CF1-ABB6-CEA7585B5561}"/>
+    <pc:docChg chg="undo custSel addSld modSld sldOrd">
+      <pc:chgData name="Jade" userId="0a84c197c12905b0" providerId="LiveId" clId="{090BB725-6E31-4CF1-ABB6-CEA7585B5561}" dt="2021-05-01T09:27:17.114" v="2511" actId="1037"/>
+      <pc:docMkLst>
+        <pc:docMk/>
+      </pc:docMkLst>
+      <pc:sldChg chg="modSp mod">
+        <pc:chgData name="Jade" userId="0a84c197c12905b0" providerId="LiveId" clId="{090BB725-6E31-4CF1-ABB6-CEA7585B5561}" dt="2021-05-01T09:01:21.685" v="1054" actId="404"/>
+        <pc:sldMkLst>
+          <pc:docMk/>
+          <pc:sldMk cId="3592533898" sldId="257"/>
+        </pc:sldMkLst>
+        <pc:spChg chg="mod">
+          <ac:chgData name="Jade" userId="0a84c197c12905b0" providerId="LiveId" clId="{090BB725-6E31-4CF1-ABB6-CEA7585B5561}" dt="2021-05-01T09:01:21.685" v="1054" actId="404"/>
+          <ac:spMkLst>
+            <pc:docMk/>
+            <pc:sldMk cId="3592533898" sldId="257"/>
+            <ac:spMk id="10" creationId="{7C1A2CC5-AF5B-4B38-B89F-FF0236A2C362}"/>
+          </ac:spMkLst>
+        </pc:spChg>
+        <pc:spChg chg="mod">
+          <ac:chgData name="Jade" userId="0a84c197c12905b0" providerId="LiveId" clId="{090BB725-6E31-4CF1-ABB6-CEA7585B5561}" dt="2021-05-01T08:57:59.887" v="952" actId="1038"/>
+          <ac:spMkLst>
+            <pc:docMk/>
+            <pc:sldMk cId="3592533898" sldId="257"/>
+            <ac:spMk id="41" creationId="{9020435A-C973-4FD3-839C-D88054295299}"/>
+          </ac:spMkLst>
+        </pc:spChg>
+        <pc:graphicFrameChg chg="mod modGraphic">
+          <ac:chgData name="Jade" userId="0a84c197c12905b0" providerId="LiveId" clId="{090BB725-6E31-4CF1-ABB6-CEA7585B5561}" dt="2021-05-01T09:01:13.333" v="1046" actId="1036"/>
+          <ac:graphicFrameMkLst>
+            <pc:docMk/>
+            <pc:sldMk cId="3592533898" sldId="257"/>
+            <ac:graphicFrameMk id="11" creationId="{B26326E2-F58D-479A-90DF-D5BBC8B5317B}"/>
+          </ac:graphicFrameMkLst>
+        </pc:graphicFrameChg>
+      </pc:sldChg>
+      <pc:sldChg chg="modSp mod">
+        <pc:chgData name="Jade" userId="0a84c197c12905b0" providerId="LiveId" clId="{090BB725-6E31-4CF1-ABB6-CEA7585B5561}" dt="2021-05-01T08:30:42.354" v="106" actId="1035"/>
+        <pc:sldMkLst>
+          <pc:docMk/>
+          <pc:sldMk cId="778038429" sldId="258"/>
+        </pc:sldMkLst>
+        <pc:spChg chg="mod">
+          <ac:chgData name="Jade" userId="0a84c197c12905b0" providerId="LiveId" clId="{090BB725-6E31-4CF1-ABB6-CEA7585B5561}" dt="2021-05-01T08:30:11.984" v="98" actId="1037"/>
+          <ac:spMkLst>
+            <pc:docMk/>
+            <pc:sldMk cId="778038429" sldId="258"/>
+            <ac:spMk id="5" creationId="{AD03192A-973B-40BD-8A3C-D492BAA5DC32}"/>
+          </ac:spMkLst>
+        </pc:spChg>
+        <pc:spChg chg="mod">
+          <ac:chgData name="Jade" userId="0a84c197c12905b0" providerId="LiveId" clId="{090BB725-6E31-4CF1-ABB6-CEA7585B5561}" dt="2021-05-01T08:30:42.354" v="106" actId="1035"/>
+          <ac:spMkLst>
+            <pc:docMk/>
+            <pc:sldMk cId="778038429" sldId="258"/>
+            <ac:spMk id="37" creationId="{8ADB84CA-2EB7-428A-8A08-60B5E665B861}"/>
+          </ac:spMkLst>
+        </pc:spChg>
+        <pc:spChg chg="mod">
+          <ac:chgData name="Jade" userId="0a84c197c12905b0" providerId="LiveId" clId="{090BB725-6E31-4CF1-ABB6-CEA7585B5561}" dt="2021-05-01T08:25:07.967" v="50" actId="1037"/>
+          <ac:spMkLst>
+            <pc:docMk/>
+            <pc:sldMk cId="778038429" sldId="258"/>
+            <ac:spMk id="85" creationId="{0E5961E2-80BA-4D6B-A905-C11960F7F6BF}"/>
+          </ac:spMkLst>
+        </pc:spChg>
+        <pc:grpChg chg="mod">
+          <ac:chgData name="Jade" userId="0a84c197c12905b0" providerId="LiveId" clId="{090BB725-6E31-4CF1-ABB6-CEA7585B5561}" dt="2021-05-01T08:30:42.354" v="106" actId="1035"/>
+          <ac:grpSpMkLst>
+            <pc:docMk/>
+            <pc:sldMk cId="778038429" sldId="258"/>
+            <ac:grpSpMk id="38" creationId="{A139DC24-1245-455A-924E-982380B8B3DB}"/>
+          </ac:grpSpMkLst>
+        </pc:grpChg>
+        <pc:picChg chg="mod">
+          <ac:chgData name="Jade" userId="0a84c197c12905b0" providerId="LiveId" clId="{090BB725-6E31-4CF1-ABB6-CEA7585B5561}" dt="2021-05-01T08:30:29.544" v="100" actId="1035"/>
+          <ac:picMkLst>
+            <pc:docMk/>
+            <pc:sldMk cId="778038429" sldId="258"/>
+            <ac:picMk id="84" creationId="{97840CE7-E143-431E-85BA-05FEE500EE67}"/>
+          </ac:picMkLst>
+        </pc:picChg>
+        <pc:picChg chg="mod">
+          <ac:chgData name="Jade" userId="0a84c197c12905b0" providerId="LiveId" clId="{090BB725-6E31-4CF1-ABB6-CEA7585B5561}" dt="2021-05-01T08:30:42.354" v="106" actId="1035"/>
+          <ac:picMkLst>
+            <pc:docMk/>
+            <pc:sldMk cId="778038429" sldId="258"/>
+            <ac:picMk id="3084" creationId="{CD720796-A462-48B2-8502-9EEB0E17633B}"/>
+          </ac:picMkLst>
+        </pc:picChg>
+        <pc:picChg chg="mod">
+          <ac:chgData name="Jade" userId="0a84c197c12905b0" providerId="LiveId" clId="{090BB725-6E31-4CF1-ABB6-CEA7585B5561}" dt="2021-05-01T08:30:42.354" v="106" actId="1035"/>
+          <ac:picMkLst>
+            <pc:docMk/>
+            <pc:sldMk cId="778038429" sldId="258"/>
+            <ac:picMk id="3086" creationId="{4A70AB04-C1DA-4B90-A35A-16D8A87C0707}"/>
+          </ac:picMkLst>
+        </pc:picChg>
+      </pc:sldChg>
+      <pc:sldChg chg="modSp mod">
+        <pc:chgData name="Jade" userId="0a84c197c12905b0" providerId="LiveId" clId="{090BB725-6E31-4CF1-ABB6-CEA7585B5561}" dt="2021-05-01T08:28:47.744" v="65" actId="20577"/>
+        <pc:sldMkLst>
+          <pc:docMk/>
+          <pc:sldMk cId="355852670" sldId="260"/>
+        </pc:sldMkLst>
+        <pc:spChg chg="mod">
+          <ac:chgData name="Jade" userId="0a84c197c12905b0" providerId="LiveId" clId="{090BB725-6E31-4CF1-ABB6-CEA7585B5561}" dt="2021-05-01T08:28:47.744" v="65" actId="20577"/>
+          <ac:spMkLst>
+            <pc:docMk/>
+            <pc:sldMk cId="355852670" sldId="260"/>
+            <ac:spMk id="30" creationId="{849A0AEE-2AE0-4083-AB5E-DDA64CDE11D2}"/>
+          </ac:spMkLst>
+        </pc:spChg>
+        <pc:spChg chg="mod">
+          <ac:chgData name="Jade" userId="0a84c197c12905b0" providerId="LiveId" clId="{090BB725-6E31-4CF1-ABB6-CEA7585B5561}" dt="2021-05-01T08:28:30.478" v="62" actId="1038"/>
+          <ac:spMkLst>
+            <pc:docMk/>
+            <pc:sldMk cId="355852670" sldId="260"/>
+            <ac:spMk id="66" creationId="{DE696948-EFDD-4AAA-ACBE-9ED970011B63}"/>
+          </ac:spMkLst>
+        </pc:spChg>
+      </pc:sldChg>
+      <pc:sldChg chg="addSp delSp modSp mod">
+        <pc:chgData name="Jade" userId="0a84c197c12905b0" providerId="LiveId" clId="{090BB725-6E31-4CF1-ABB6-CEA7585B5561}" dt="2021-05-01T09:14:29.910" v="1371" actId="1037"/>
+        <pc:sldMkLst>
+          <pc:docMk/>
+          <pc:sldMk cId="2485919201" sldId="264"/>
+        </pc:sldMkLst>
+        <pc:spChg chg="add mod">
+          <ac:chgData name="Jade" userId="0a84c197c12905b0" providerId="LiveId" clId="{090BB725-6E31-4CF1-ABB6-CEA7585B5561}" dt="2021-05-01T09:14:29.910" v="1371" actId="1037"/>
+          <ac:spMkLst>
+            <pc:docMk/>
+            <pc:sldMk cId="2485919201" sldId="264"/>
+            <ac:spMk id="7" creationId="{710AB8B4-2771-4297-805F-BFE12BF10CB0}"/>
+          </ac:spMkLst>
+        </pc:spChg>
+        <pc:spChg chg="mod">
+          <ac:chgData name="Jade" userId="0a84c197c12905b0" providerId="LiveId" clId="{090BB725-6E31-4CF1-ABB6-CEA7585B5561}" dt="2021-05-01T09:10:29.260" v="1188" actId="20577"/>
+          <ac:spMkLst>
+            <pc:docMk/>
+            <pc:sldMk cId="2485919201" sldId="264"/>
+            <ac:spMk id="12" creationId="{97324290-4E1C-4121-A14A-C154DA8B75A0}"/>
+          </ac:spMkLst>
+        </pc:spChg>
+        <pc:spChg chg="mod">
+          <ac:chgData name="Jade" userId="0a84c197c12905b0" providerId="LiveId" clId="{090BB725-6E31-4CF1-ABB6-CEA7585B5561}" dt="2021-05-01T09:01:29.210" v="1064" actId="1035"/>
+          <ac:spMkLst>
+            <pc:docMk/>
+            <pc:sldMk cId="2485919201" sldId="264"/>
+            <ac:spMk id="14" creationId="{AB383BCF-7656-485D-8E1E-7BA81F35F68B}"/>
+          </ac:spMkLst>
+        </pc:spChg>
+        <pc:spChg chg="mod">
+          <ac:chgData name="Jade" userId="0a84c197c12905b0" providerId="LiveId" clId="{090BB725-6E31-4CF1-ABB6-CEA7585B5561}" dt="2021-05-01T09:11:17.489" v="1202" actId="20577"/>
+          <ac:spMkLst>
+            <pc:docMk/>
+            <pc:sldMk cId="2485919201" sldId="264"/>
+            <ac:spMk id="31" creationId="{4DFC54D1-AE09-48EB-80D2-C6AF2672F2E1}"/>
+          </ac:spMkLst>
+        </pc:spChg>
+        <pc:spChg chg="mod">
+          <ac:chgData name="Jade" userId="0a84c197c12905b0" providerId="LiveId" clId="{090BB725-6E31-4CF1-ABB6-CEA7585B5561}" dt="2021-05-01T09:11:29.573" v="1218" actId="20577"/>
+          <ac:spMkLst>
+            <pc:docMk/>
+            <pc:sldMk cId="2485919201" sldId="264"/>
+            <ac:spMk id="32" creationId="{CBDE63AF-4317-4A60-84EC-2D9E9867B876}"/>
+          </ac:spMkLst>
+        </pc:spChg>
+        <pc:spChg chg="mod">
+          <ac:chgData name="Jade" userId="0a84c197c12905b0" providerId="LiveId" clId="{090BB725-6E31-4CF1-ABB6-CEA7585B5561}" dt="2021-05-01T09:11:37.361" v="1229" actId="20577"/>
+          <ac:spMkLst>
+            <pc:docMk/>
+            <pc:sldMk cId="2485919201" sldId="264"/>
+            <ac:spMk id="33" creationId="{6B5E869C-029B-4E87-B253-320074AB86C3}"/>
+          </ac:spMkLst>
+        </pc:spChg>
+        <pc:spChg chg="mod">
+          <ac:chgData name="Jade" userId="0a84c197c12905b0" providerId="LiveId" clId="{090BB725-6E31-4CF1-ABB6-CEA7585B5561}" dt="2021-05-01T09:11:52.348" v="1241" actId="20577"/>
+          <ac:spMkLst>
+            <pc:docMk/>
+            <pc:sldMk cId="2485919201" sldId="264"/>
+            <ac:spMk id="34" creationId="{029FBE17-669D-4B77-9A02-AA0A98892D89}"/>
+          </ac:spMkLst>
+        </pc:spChg>
+        <pc:spChg chg="mod">
+          <ac:chgData name="Jade" userId="0a84c197c12905b0" providerId="LiveId" clId="{090BB725-6E31-4CF1-ABB6-CEA7585B5561}" dt="2021-05-01T09:13:09.526" v="1264" actId="20577"/>
+          <ac:spMkLst>
+            <pc:docMk/>
+            <pc:sldMk cId="2485919201" sldId="264"/>
+            <ac:spMk id="35" creationId="{F799374D-D1B0-4A5F-90C8-B3B24A5B2068}"/>
+          </ac:spMkLst>
+        </pc:spChg>
+        <pc:spChg chg="mod">
+          <ac:chgData name="Jade" userId="0a84c197c12905b0" providerId="LiveId" clId="{090BB725-6E31-4CF1-ABB6-CEA7585B5561}" dt="2021-05-01T08:58:16.644" v="956" actId="1038"/>
+          <ac:spMkLst>
+            <pc:docMk/>
+            <pc:sldMk cId="2485919201" sldId="264"/>
+            <ac:spMk id="57" creationId="{C8C4DBD1-1322-42D9-B703-4F891D2D4524}"/>
+          </ac:spMkLst>
+        </pc:spChg>
+        <pc:grpChg chg="mod">
+          <ac:chgData name="Jade" userId="0a84c197c12905b0" providerId="LiveId" clId="{090BB725-6E31-4CF1-ABB6-CEA7585B5561}" dt="2021-05-01T08:59:55.116" v="1010" actId="1037"/>
+          <ac:grpSpMkLst>
+            <pc:docMk/>
+            <pc:sldMk cId="2485919201" sldId="264"/>
+            <ac:grpSpMk id="15" creationId="{C676637C-1CE0-4B67-9857-93EF51C9022F}"/>
+          </ac:grpSpMkLst>
+        </pc:grpChg>
+        <pc:graphicFrameChg chg="add mod">
+          <ac:chgData name="Jade" userId="0a84c197c12905b0" providerId="LiveId" clId="{090BB725-6E31-4CF1-ABB6-CEA7585B5561}" dt="2021-05-01T09:12:57.062" v="1254" actId="20577"/>
+          <ac:graphicFrameMkLst>
+            <pc:docMk/>
+            <pc:sldMk cId="2485919201" sldId="264"/>
+            <ac:graphicFrameMk id="6" creationId="{D5F277EF-6277-446D-8CAA-CB1F8B56CCE4}"/>
+          </ac:graphicFrameMkLst>
+        </pc:graphicFrameChg>
+        <pc:graphicFrameChg chg="add del mod">
+          <ac:chgData name="Jade" userId="0a84c197c12905b0" providerId="LiveId" clId="{090BB725-6E31-4CF1-ABB6-CEA7585B5561}" dt="2021-05-01T09:13:38.475" v="1266"/>
+          <ac:graphicFrameMkLst>
+            <pc:docMk/>
+            <pc:sldMk cId="2485919201" sldId="264"/>
+            <ac:graphicFrameMk id="30" creationId="{D02BE08A-6905-459D-AFDE-D966E9A5BD45}"/>
+          </ac:graphicFrameMkLst>
+        </pc:graphicFrameChg>
+      </pc:sldChg>
+      <pc:sldChg chg="addSp modSp mod modAnim">
+        <pc:chgData name="Jade" userId="0a84c197c12905b0" providerId="LiveId" clId="{090BB725-6E31-4CF1-ABB6-CEA7585B5561}" dt="2021-05-01T08:54:50.501" v="927" actId="1037"/>
+        <pc:sldMkLst>
+          <pc:docMk/>
+          <pc:sldMk cId="1758198340" sldId="266"/>
+        </pc:sldMkLst>
+        <pc:spChg chg="mod">
+          <ac:chgData name="Jade" userId="0a84c197c12905b0" providerId="LiveId" clId="{090BB725-6E31-4CF1-ABB6-CEA7585B5561}" dt="2021-05-01T08:49:25.028" v="584" actId="1038"/>
+          <ac:spMkLst>
+            <pc:docMk/>
+            <pc:sldMk cId="1758198340" sldId="266"/>
+            <ac:spMk id="14" creationId="{9F992CC2-07E3-41AF-8322-48978873B7AB}"/>
+          </ac:spMkLst>
+        </pc:spChg>
+        <pc:spChg chg="add mod">
+          <ac:chgData name="Jade" userId="0a84c197c12905b0" providerId="LiveId" clId="{090BB725-6E31-4CF1-ABB6-CEA7585B5561}" dt="2021-05-01T08:49:17.005" v="574" actId="1038"/>
+          <ac:spMkLst>
+            <pc:docMk/>
+            <pc:sldMk cId="1758198340" sldId="266"/>
+            <ac:spMk id="48" creationId="{8B024299-492F-4B4D-A669-97BE5B47625A}"/>
+          </ac:spMkLst>
+        </pc:spChg>
+        <pc:spChg chg="add mod">
+          <ac:chgData name="Jade" userId="0a84c197c12905b0" providerId="LiveId" clId="{090BB725-6E31-4CF1-ABB6-CEA7585B5561}" dt="2021-05-01T08:50:51.804" v="738" actId="1037"/>
+          <ac:spMkLst>
+            <pc:docMk/>
+            <pc:sldMk cId="1758198340" sldId="266"/>
+            <ac:spMk id="49" creationId="{9924D3EE-3FF3-4525-B46C-AC9BDDC57834}"/>
+          </ac:spMkLst>
+        </pc:spChg>
+        <pc:spChg chg="add mod">
+          <ac:chgData name="Jade" userId="0a84c197c12905b0" providerId="LiveId" clId="{090BB725-6E31-4CF1-ABB6-CEA7585B5561}" dt="2021-05-01T08:54:50.501" v="927" actId="1037"/>
+          <ac:spMkLst>
+            <pc:docMk/>
+            <pc:sldMk cId="1758198340" sldId="266"/>
+            <ac:spMk id="50" creationId="{A13AC7A2-795D-47BE-B1EE-CDEEF7C76BEA}"/>
+          </ac:spMkLst>
+        </pc:spChg>
+        <pc:spChg chg="mod">
+          <ac:chgData name="Jade" userId="0a84c197c12905b0" providerId="LiveId" clId="{090BB725-6E31-4CF1-ABB6-CEA7585B5561}" dt="2021-05-01T08:49:59.665" v="588"/>
+          <ac:spMkLst>
+            <pc:docMk/>
+            <pc:sldMk cId="1758198340" sldId="266"/>
+            <ac:spMk id="55" creationId="{1BCDC49F-67D5-4C89-ADEF-9C7B2E261B35}"/>
+          </ac:spMkLst>
+        </pc:spChg>
+        <pc:picChg chg="add mod">
+          <ac:chgData name="Jade" userId="0a84c197c12905b0" providerId="LiveId" clId="{090BB725-6E31-4CF1-ABB6-CEA7585B5561}" dt="2021-05-01T08:49:12.548" v="567" actId="1038"/>
+          <ac:picMkLst>
+            <pc:docMk/>
+            <pc:sldMk cId="1758198340" sldId="266"/>
+            <ac:picMk id="2" creationId="{28D3440A-7037-4987-8F96-83A4B6BCA1E5}"/>
+          </ac:picMkLst>
+        </pc:picChg>
+        <pc:picChg chg="add mod">
+          <ac:chgData name="Jade" userId="0a84c197c12905b0" providerId="LiveId" clId="{090BB725-6E31-4CF1-ABB6-CEA7585B5561}" dt="2021-05-01T08:49:47.392" v="586" actId="1076"/>
+          <ac:picMkLst>
+            <pc:docMk/>
+            <pc:sldMk cId="1758198340" sldId="266"/>
+            <ac:picMk id="3" creationId="{98954431-6C89-47B1-8782-A2BFEB5D3432}"/>
+          </ac:picMkLst>
+        </pc:picChg>
+        <pc:picChg chg="add mod">
+          <ac:chgData name="Jade" userId="0a84c197c12905b0" providerId="LiveId" clId="{090BB725-6E31-4CF1-ABB6-CEA7585B5561}" dt="2021-05-01T08:53:59.604" v="781" actId="1037"/>
+          <ac:picMkLst>
+            <pc:docMk/>
+            <pc:sldMk cId="1758198340" sldId="266"/>
+            <ac:picMk id="4" creationId="{20DB93DF-5FE0-4FD9-8DB5-83D004649256}"/>
+          </ac:picMkLst>
+        </pc:picChg>
+        <pc:picChg chg="mod">
+          <ac:chgData name="Jade" userId="0a84c197c12905b0" providerId="LiveId" clId="{090BB725-6E31-4CF1-ABB6-CEA7585B5561}" dt="2021-05-01T08:49:01.791" v="548" actId="1038"/>
+          <ac:picMkLst>
+            <pc:docMk/>
+            <pc:sldMk cId="1758198340" sldId="266"/>
+            <ac:picMk id="6" creationId="{F6205D66-9A12-4BD0-971C-068C653D77B2}"/>
+          </ac:picMkLst>
+        </pc:picChg>
+      </pc:sldChg>
+      <pc:sldChg chg="modSp mod">
+        <pc:chgData name="Jade" userId="0a84c197c12905b0" providerId="LiveId" clId="{090BB725-6E31-4CF1-ABB6-CEA7585B5561}" dt="2021-05-01T08:31:09.924" v="107" actId="1038"/>
+        <pc:sldMkLst>
+          <pc:docMk/>
+          <pc:sldMk cId="715993638" sldId="267"/>
+        </pc:sldMkLst>
+        <pc:picChg chg="mod">
+          <ac:chgData name="Jade" userId="0a84c197c12905b0" providerId="LiveId" clId="{090BB725-6E31-4CF1-ABB6-CEA7585B5561}" dt="2021-05-01T08:31:09.924" v="107" actId="1038"/>
+          <ac:picMkLst>
+            <pc:docMk/>
+            <pc:sldMk cId="715993638" sldId="267"/>
+            <ac:picMk id="44" creationId="{22EA41BC-8B5F-49FB-8FBC-5CE065EBC823}"/>
+          </ac:picMkLst>
+        </pc:picChg>
+      </pc:sldChg>
+      <pc:sldChg chg="modSp mod">
+        <pc:chgData name="Jade" userId="0a84c197c12905b0" providerId="LiveId" clId="{090BB725-6E31-4CF1-ABB6-CEA7585B5561}" dt="2021-05-01T08:26:15.693" v="53" actId="207"/>
+        <pc:sldMkLst>
+          <pc:docMk/>
+          <pc:sldMk cId="271433224" sldId="268"/>
+        </pc:sldMkLst>
+        <pc:spChg chg="mod">
+          <ac:chgData name="Jade" userId="0a84c197c12905b0" providerId="LiveId" clId="{090BB725-6E31-4CF1-ABB6-CEA7585B5561}" dt="2021-05-01T08:24:09.884" v="20" actId="1038"/>
+          <ac:spMkLst>
+            <pc:docMk/>
+            <pc:sldMk cId="271433224" sldId="268"/>
+            <ac:spMk id="3" creationId="{0479BF80-A314-4144-9E5F-3799582CDD6A}"/>
+          </ac:spMkLst>
+        </pc:spChg>
+        <pc:spChg chg="mod">
+          <ac:chgData name="Jade" userId="0a84c197c12905b0" providerId="LiveId" clId="{090BB725-6E31-4CF1-ABB6-CEA7585B5561}" dt="2021-05-01T08:26:15.693" v="53" actId="207"/>
+          <ac:spMkLst>
+            <pc:docMk/>
+            <pc:sldMk cId="271433224" sldId="268"/>
+            <ac:spMk id="33" creationId="{7FEAC54A-0831-4A5B-A305-22ED658C6469}"/>
+          </ac:spMkLst>
+        </pc:spChg>
+      </pc:sldChg>
+      <pc:sldChg chg="modSp mod ord">
+        <pc:chgData name="Jade" userId="0a84c197c12905b0" providerId="LiveId" clId="{090BB725-6E31-4CF1-ABB6-CEA7585B5561}" dt="2021-05-01T08:26:31.768" v="54" actId="207"/>
+        <pc:sldMkLst>
+          <pc:docMk/>
+          <pc:sldMk cId="657876395" sldId="269"/>
+        </pc:sldMkLst>
+        <pc:spChg chg="mod">
+          <ac:chgData name="Jade" userId="0a84c197c12905b0" providerId="LiveId" clId="{090BB725-6E31-4CF1-ABB6-CEA7585B5561}" dt="2021-05-01T08:26:31.768" v="54" actId="207"/>
+          <ac:spMkLst>
+            <pc:docMk/>
+            <pc:sldMk cId="657876395" sldId="269"/>
+            <ac:spMk id="33" creationId="{7FEAC54A-0831-4A5B-A305-22ED658C6469}"/>
+          </ac:spMkLst>
+        </pc:spChg>
+      </pc:sldChg>
+      <pc:sldChg chg="addSp delSp modSp add mod">
+        <pc:chgData name="Jade" userId="0a84c197c12905b0" providerId="LiveId" clId="{090BB725-6E31-4CF1-ABB6-CEA7585B5561}" dt="2021-05-01T09:27:17.114" v="2511" actId="1037"/>
+        <pc:sldMkLst>
+          <pc:docMk/>
+          <pc:sldMk cId="1739958079" sldId="270"/>
+        </pc:sldMkLst>
+        <pc:spChg chg="del">
+          <ac:chgData name="Jade" userId="0a84c197c12905b0" providerId="LiveId" clId="{090BB725-6E31-4CF1-ABB6-CEA7585B5561}" dt="2021-05-01T09:15:06.589" v="1374" actId="478"/>
+          <ac:spMkLst>
+            <pc:docMk/>
+            <pc:sldMk cId="1739958079" sldId="270"/>
+            <ac:spMk id="7" creationId="{710AB8B4-2771-4297-805F-BFE12BF10CB0}"/>
+          </ac:spMkLst>
+        </pc:spChg>
+        <pc:spChg chg="add mod">
+          <ac:chgData name="Jade" userId="0a84c197c12905b0" providerId="LiveId" clId="{090BB725-6E31-4CF1-ABB6-CEA7585B5561}" dt="2021-05-01T09:18:38.442" v="1394" actId="1076"/>
+          <ac:spMkLst>
+            <pc:docMk/>
+            <pc:sldMk cId="1739958079" sldId="270"/>
+            <ac:spMk id="11" creationId="{303DAC81-A4C2-4D88-BE9F-6F97576D89F9}"/>
+          </ac:spMkLst>
+        </pc:spChg>
+        <pc:spChg chg="add mod">
+          <ac:chgData name="Jade" userId="0a84c197c12905b0" providerId="LiveId" clId="{090BB725-6E31-4CF1-ABB6-CEA7585B5561}" dt="2021-05-01T09:26:50.017" v="2403" actId="1076"/>
+          <ac:spMkLst>
+            <pc:docMk/>
+            <pc:sldMk cId="1739958079" sldId="270"/>
+            <ac:spMk id="16" creationId="{FCE741F9-E0E8-49F7-A6AD-2DDB7F548DCF}"/>
+          </ac:spMkLst>
+        </pc:spChg>
+        <pc:spChg chg="add mod">
+          <ac:chgData name="Jade" userId="0a84c197c12905b0" providerId="LiveId" clId="{090BB725-6E31-4CF1-ABB6-CEA7585B5561}" dt="2021-05-01T09:21:29.861" v="1686" actId="1038"/>
+          <ac:spMkLst>
+            <pc:docMk/>
+            <pc:sldMk cId="1739958079" sldId="270"/>
+            <ac:spMk id="37" creationId="{FCC36FCD-C182-4771-8DA0-6CBCC1CEF269}"/>
+          </ac:spMkLst>
+        </pc:spChg>
+        <pc:spChg chg="add mod">
+          <ac:chgData name="Jade" userId="0a84c197c12905b0" providerId="LiveId" clId="{090BB725-6E31-4CF1-ABB6-CEA7585B5561}" dt="2021-05-01T09:24:33.720" v="2135" actId="1035"/>
+          <ac:spMkLst>
+            <pc:docMk/>
+            <pc:sldMk cId="1739958079" sldId="270"/>
+            <ac:spMk id="38" creationId="{85FEFDA4-B6BC-44A4-A0F6-F5225843A7C4}"/>
+          </ac:spMkLst>
+        </pc:spChg>
+        <pc:spChg chg="add mod">
+          <ac:chgData name="Jade" userId="0a84c197c12905b0" providerId="LiveId" clId="{090BB725-6E31-4CF1-ABB6-CEA7585B5561}" dt="2021-05-01T09:24:57.766" v="2149" actId="1037"/>
+          <ac:spMkLst>
+            <pc:docMk/>
+            <pc:sldMk cId="1739958079" sldId="270"/>
+            <ac:spMk id="39" creationId="{61B5F325-AE15-49AE-AD54-9802910C13DD}"/>
+          </ac:spMkLst>
+        </pc:spChg>
+        <pc:spChg chg="add mod">
+          <ac:chgData name="Jade" userId="0a84c197c12905b0" providerId="LiveId" clId="{090BB725-6E31-4CF1-ABB6-CEA7585B5561}" dt="2021-05-01T09:24:40.432" v="2138" actId="1036"/>
+          <ac:spMkLst>
+            <pc:docMk/>
+            <pc:sldMk cId="1739958079" sldId="270"/>
+            <ac:spMk id="40" creationId="{F30DC8BC-AD43-46B9-8EAE-39E53B33B5B3}"/>
+          </ac:spMkLst>
+        </pc:spChg>
+        <pc:spChg chg="add mod">
+          <ac:chgData name="Jade" userId="0a84c197c12905b0" providerId="LiveId" clId="{090BB725-6E31-4CF1-ABB6-CEA7585B5561}" dt="2021-05-01T09:22:46.149" v="1843" actId="1038"/>
+          <ac:spMkLst>
+            <pc:docMk/>
+            <pc:sldMk cId="1739958079" sldId="270"/>
+            <ac:spMk id="41" creationId="{6AA81F98-51E5-4FDD-9DBA-859D4C3A90C6}"/>
+          </ac:spMkLst>
+        </pc:spChg>
+        <pc:spChg chg="add mod">
+          <ac:chgData name="Jade" userId="0a84c197c12905b0" providerId="LiveId" clId="{090BB725-6E31-4CF1-ABB6-CEA7585B5561}" dt="2021-05-01T09:23:17.949" v="1958" actId="1038"/>
+          <ac:spMkLst>
+            <pc:docMk/>
+            <pc:sldMk cId="1739958079" sldId="270"/>
+            <ac:spMk id="42" creationId="{FDBE17D2-F449-41BF-9765-FD88CA4D6886}"/>
+          </ac:spMkLst>
+        </pc:spChg>
+        <pc:spChg chg="add mod">
+          <ac:chgData name="Jade" userId="0a84c197c12905b0" providerId="LiveId" clId="{090BB725-6E31-4CF1-ABB6-CEA7585B5561}" dt="2021-05-01T09:24:22.220" v="2122" actId="1036"/>
+          <ac:spMkLst>
+            <pc:docMk/>
+            <pc:sldMk cId="1739958079" sldId="270"/>
+            <ac:spMk id="43" creationId="{E7670177-E8AE-4DB3-A63E-1FF008874085}"/>
+          </ac:spMkLst>
+        </pc:spChg>
+        <pc:spChg chg="add mod">
+          <ac:chgData name="Jade" userId="0a84c197c12905b0" providerId="LiveId" clId="{090BB725-6E31-4CF1-ABB6-CEA7585B5561}" dt="2021-05-01T09:25:20.934" v="2271" actId="1038"/>
+          <ac:spMkLst>
+            <pc:docMk/>
+            <pc:sldMk cId="1739958079" sldId="270"/>
+            <ac:spMk id="45" creationId="{91597333-4CB7-4255-856A-326A64799930}"/>
+          </ac:spMkLst>
+        </pc:spChg>
+        <pc:spChg chg="add mod">
+          <ac:chgData name="Jade" userId="0a84c197c12905b0" providerId="LiveId" clId="{090BB725-6E31-4CF1-ABB6-CEA7585B5561}" dt="2021-05-01T09:25:46.535" v="2385" actId="1038"/>
+          <ac:spMkLst>
+            <pc:docMk/>
+            <pc:sldMk cId="1739958079" sldId="270"/>
+            <ac:spMk id="46" creationId="{F15B8A4A-E593-4FB8-B1A5-B411E5F2FAB2}"/>
+          </ac:spMkLst>
+        </pc:spChg>
+        <pc:spChg chg="add mod">
+          <ac:chgData name="Jade" userId="0a84c197c12905b0" providerId="LiveId" clId="{090BB725-6E31-4CF1-ABB6-CEA7585B5561}" dt="2021-05-01T09:27:17.114" v="2511" actId="1037"/>
+          <ac:spMkLst>
+            <pc:docMk/>
+            <pc:sldMk cId="1739958079" sldId="270"/>
+            <ac:spMk id="47" creationId="{ACCEC68C-9799-4AB9-9AF1-D76C1962BB35}"/>
+          </ac:spMkLst>
+        </pc:spChg>
+        <pc:grpChg chg="del">
+          <ac:chgData name="Jade" userId="0a84c197c12905b0" providerId="LiveId" clId="{090BB725-6E31-4CF1-ABB6-CEA7585B5561}" dt="2021-05-01T09:15:04.592" v="1373" actId="478"/>
+          <ac:grpSpMkLst>
+            <pc:docMk/>
+            <pc:sldMk cId="1739958079" sldId="270"/>
+            <ac:grpSpMk id="15" creationId="{C676637C-1CE0-4B67-9857-93EF51C9022F}"/>
+          </ac:grpSpMkLst>
+        </pc:grpChg>
+        <pc:graphicFrameChg chg="del">
+          <ac:chgData name="Jade" userId="0a84c197c12905b0" providerId="LiveId" clId="{090BB725-6E31-4CF1-ABB6-CEA7585B5561}" dt="2021-05-01T09:15:09.977" v="1375" actId="478"/>
+          <ac:graphicFrameMkLst>
+            <pc:docMk/>
+            <pc:sldMk cId="1739958079" sldId="270"/>
+            <ac:graphicFrameMk id="6" creationId="{D5F277EF-6277-446D-8CAA-CB1F8B56CCE4}"/>
+          </ac:graphicFrameMkLst>
+        </pc:graphicFrameChg>
+        <pc:picChg chg="add mod">
+          <ac:chgData name="Jade" userId="0a84c197c12905b0" providerId="LiveId" clId="{090BB725-6E31-4CF1-ABB6-CEA7585B5561}" dt="2021-05-01T09:18:07.212" v="1382" actId="1076"/>
+          <ac:picMkLst>
+            <pc:docMk/>
+            <pc:sldMk cId="1739958079" sldId="270"/>
+            <ac:picMk id="36" creationId="{80E83625-26CA-42EB-A781-2205AADC5FF3}"/>
+          </ac:picMkLst>
+        </pc:picChg>
+        <pc:picChg chg="add mod">
+          <ac:chgData name="Jade" userId="0a84c197c12905b0" providerId="LiveId" clId="{090BB725-6E31-4CF1-ABB6-CEA7585B5561}" dt="2021-05-01T09:17:54.533" v="1380" actId="1076"/>
+          <ac:picMkLst>
+            <pc:docMk/>
+            <pc:sldMk cId="1739958079" sldId="270"/>
+            <ac:picMk id="1026" creationId="{00EA65C5-1B64-4916-877F-FE2CB84C588D}"/>
+          </ac:picMkLst>
+        </pc:picChg>
+      </pc:sldChg>
+    </pc:docChg>
+  </pc:docChgLst>
+</pc:chgInfo>
+</file>
+
+<file path=ppt/charts/chart1.xml><?xml version="1.0" encoding="utf-8"?>
+<c:chartSpace xmlns:c="http://schemas.openxmlformats.org/drawingml/2006/chart" xmlns:a="http://schemas.openxmlformats.org/drawingml/2006/main" xmlns:r="http://schemas.openxmlformats.org/officeDocument/2006/relationships" xmlns:c16r2="http://schemas.microsoft.com/office/drawing/2015/06/chart">
+  <c:date1904 val="0"/>
+  <c:lang val="fr-FR"/>
+  <c:roundedCorners val="0"/>
+  <mc:AlternateContent xmlns:mc="http://schemas.openxmlformats.org/markup-compatibility/2006">
+    <mc:Choice xmlns:c14="http://schemas.microsoft.com/office/drawing/2007/8/2/chart" Requires="c14">
+      <c14:style val="102"/>
+    </mc:Choice>
+    <mc:Fallback>
+      <c:style val="2"/>
+    </mc:Fallback>
+  </mc:AlternateContent>
+  <c:chart>
+    <c:title>
+      <c:tx>
+        <c:rich>
+          <a:bodyPr rot="0" spcFirstLastPara="1" vertOverflow="ellipsis" vert="horz" wrap="square" anchor="ctr" anchorCtr="1"/>
+          <a:lstStyle/>
+          <a:p>
+            <a:pPr>
+              <a:defRPr sz="1862" b="0" i="0" u="none" strike="noStrike" kern="1200" spc="0" baseline="0">
+                <a:solidFill>
+                  <a:schemeClr val="tx1">
+                    <a:lumMod val="65000"/>
+                    <a:lumOff val="35000"/>
+                  </a:schemeClr>
+                </a:solidFill>
+                <a:latin typeface="+mn-lt"/>
+                <a:ea typeface="+mn-ea"/>
+                <a:cs typeface="+mn-cs"/>
+              </a:defRPr>
+            </a:pPr>
+            <a:r>
+              <a:rPr lang="en-US" sz="1600" dirty="0" err="1">
+                <a:solidFill>
+                  <a:schemeClr val="bg2">
+                    <a:lumMod val="25000"/>
+                  </a:schemeClr>
+                </a:solidFill>
+              </a:rPr>
+              <a:t>Nombre</a:t>
+            </a:r>
+            <a:r>
+              <a:rPr lang="en-US" sz="1600" baseline="0" dirty="0">
+                <a:solidFill>
+                  <a:schemeClr val="bg2">
+                    <a:lumMod val="25000"/>
+                  </a:schemeClr>
+                </a:solidFill>
+              </a:rPr>
+              <a:t> de consultations par medium</a:t>
+            </a:r>
+            <a:endParaRPr lang="en-US" sz="1600" dirty="0">
+              <a:solidFill>
+                <a:schemeClr val="bg2">
+                  <a:lumMod val="25000"/>
+                </a:schemeClr>
+              </a:solidFill>
+            </a:endParaRPr>
+          </a:p>
+        </c:rich>
+      </c:tx>
+      <c:overlay val="0"/>
+      <c:spPr>
+        <a:noFill/>
+        <a:ln>
+          <a:noFill/>
+        </a:ln>
+        <a:effectLst/>
+      </c:spPr>
+      <c:txPr>
+        <a:bodyPr rot="0" spcFirstLastPara="1" vertOverflow="ellipsis" vert="horz" wrap="square" anchor="ctr" anchorCtr="1"/>
+        <a:lstStyle/>
+        <a:p>
+          <a:pPr>
+            <a:defRPr sz="1862" b="0" i="0" u="none" strike="noStrike" kern="1200" spc="0" baseline="0">
+              <a:solidFill>
+                <a:schemeClr val="tx1">
+                  <a:lumMod val="65000"/>
+                  <a:lumOff val="35000"/>
+                </a:schemeClr>
+              </a:solidFill>
+              <a:latin typeface="+mn-lt"/>
+              <a:ea typeface="+mn-ea"/>
+              <a:cs typeface="+mn-cs"/>
+            </a:defRPr>
+          </a:pPr>
+          <a:endParaRPr lang="fr-FR"/>
+        </a:p>
+      </c:txPr>
+    </c:title>
+    <c:autoTitleDeleted val="0"/>
+    <c:plotArea>
+      <c:layout/>
+      <c:pieChart>
+        <c:varyColors val="1"/>
+        <c:ser>
+          <c:idx val="0"/>
+          <c:order val="0"/>
+          <c:tx>
+            <c:strRef>
+              <c:f>Feuil1!$B$1</c:f>
+              <c:strCache>
+                <c:ptCount val="1"/>
+                <c:pt idx="0">
+                  <c:v>Ventes</c:v>
+                </c:pt>
+              </c:strCache>
+            </c:strRef>
+          </c:tx>
+          <c:dPt>
+            <c:idx val="0"/>
+            <c:bubble3D val="0"/>
+            <c:spPr>
+              <a:solidFill>
+                <a:schemeClr val="accent1"/>
+              </a:solidFill>
+              <a:ln w="19050">
+                <a:solidFill>
+                  <a:schemeClr val="lt1"/>
+                </a:solidFill>
+              </a:ln>
+              <a:effectLst/>
+            </c:spPr>
+          </c:dPt>
+          <c:dPt>
+            <c:idx val="1"/>
+            <c:bubble3D val="0"/>
+            <c:spPr>
+              <a:solidFill>
+                <a:schemeClr val="accent2"/>
+              </a:solidFill>
+              <a:ln w="19050">
+                <a:solidFill>
+                  <a:schemeClr val="lt1"/>
+                </a:solidFill>
+              </a:ln>
+              <a:effectLst/>
+            </c:spPr>
+          </c:dPt>
+          <c:dPt>
+            <c:idx val="2"/>
+            <c:bubble3D val="0"/>
+            <c:spPr>
+              <a:solidFill>
+                <a:schemeClr val="accent3"/>
+              </a:solidFill>
+              <a:ln w="19050">
+                <a:solidFill>
+                  <a:schemeClr val="lt1"/>
+                </a:solidFill>
+              </a:ln>
+              <a:effectLst/>
+            </c:spPr>
+          </c:dPt>
+          <c:dPt>
+            <c:idx val="3"/>
+            <c:bubble3D val="0"/>
+            <c:spPr>
+              <a:solidFill>
+                <a:schemeClr val="accent4"/>
+              </a:solidFill>
+              <a:ln w="19050">
+                <a:solidFill>
+                  <a:schemeClr val="lt1"/>
+                </a:solidFill>
+              </a:ln>
+              <a:effectLst/>
+            </c:spPr>
+          </c:dPt>
+          <c:dPt>
+            <c:idx val="4"/>
+            <c:bubble3D val="0"/>
+            <c:spPr>
+              <a:solidFill>
+                <a:schemeClr val="accent5"/>
+              </a:solidFill>
+              <a:ln w="19050">
+                <a:solidFill>
+                  <a:schemeClr val="lt1"/>
+                </a:solidFill>
+              </a:ln>
+              <a:effectLst/>
+            </c:spPr>
+          </c:dPt>
+          <c:cat>
+            <c:strRef>
+              <c:f>Feuil1!$A$2:$A$6</c:f>
+              <c:strCache>
+                <c:ptCount val="5"/>
+                <c:pt idx="0">
+                  <c:v>Mme Irma</c:v>
+                </c:pt>
+                <c:pt idx="1">
+                  <c:v>Magicarpe</c:v>
+                </c:pt>
+                <c:pt idx="2">
+                  <c:v>DivinAtor</c:v>
+                </c:pt>
+                <c:pt idx="3">
+                  <c:v>Trotaro</c:v>
+                </c:pt>
+                <c:pt idx="4">
+                  <c:v>Cartoman</c:v>
+                </c:pt>
+              </c:strCache>
+            </c:strRef>
+          </c:cat>
+          <c:val>
+            <c:numRef>
+              <c:f>Feuil1!$B$2:$B$6</c:f>
+              <c:numCache>
+                <c:formatCode>General</c:formatCode>
+                <c:ptCount val="5"/>
+                <c:pt idx="0">
+                  <c:v>8.1999999999999993</c:v>
+                </c:pt>
+                <c:pt idx="1">
+                  <c:v>3.2</c:v>
+                </c:pt>
+                <c:pt idx="2">
+                  <c:v>1.4</c:v>
+                </c:pt>
+                <c:pt idx="3">
+                  <c:v>2.2999999999999998</c:v>
+                </c:pt>
+                <c:pt idx="4">
+                  <c:v>1.9</c:v>
+                </c:pt>
+              </c:numCache>
+            </c:numRef>
+          </c:val>
+          <c:extLst>
+            <c:ext xmlns:c16="http://schemas.microsoft.com/office/drawing/2014/chart" uri="{C3380CC4-5D6E-409C-BE32-E72D297353CC}">
+              <c16:uniqueId val="{00000000-2816-4D85-BB1E-5D0AAF2F84C1}"/>
+            </c:ext>
+          </c:extLst>
+        </c:ser>
+        <c:dLbls>
+          <c:showLegendKey val="0"/>
+          <c:showVal val="0"/>
+          <c:showCatName val="0"/>
+          <c:showSerName val="0"/>
+          <c:showPercent val="0"/>
+          <c:showBubbleSize val="0"/>
+          <c:showLeaderLines val="1"/>
+        </c:dLbls>
+        <c:firstSliceAng val="0"/>
+      </c:pieChart>
+      <c:spPr>
+        <a:noFill/>
+        <a:ln>
+          <a:noFill/>
+        </a:ln>
+        <a:effectLst/>
+      </c:spPr>
+    </c:plotArea>
+    <c:legend>
+      <c:legendPos val="b"/>
+      <c:overlay val="0"/>
+      <c:spPr>
+        <a:noFill/>
+        <a:ln>
+          <a:noFill/>
+        </a:ln>
+        <a:effectLst/>
+      </c:spPr>
+      <c:txPr>
+        <a:bodyPr rot="0" spcFirstLastPara="1" vertOverflow="ellipsis" vert="horz" wrap="square" anchor="ctr" anchorCtr="1"/>
+        <a:lstStyle/>
+        <a:p>
+          <a:pPr>
+            <a:defRPr sz="1197" b="0" i="0" u="none" strike="noStrike" kern="1200" baseline="0">
+              <a:solidFill>
+                <a:schemeClr val="tx1">
+                  <a:lumMod val="65000"/>
+                  <a:lumOff val="35000"/>
+                </a:schemeClr>
+              </a:solidFill>
+              <a:latin typeface="+mn-lt"/>
+              <a:ea typeface="+mn-ea"/>
+              <a:cs typeface="+mn-cs"/>
+            </a:defRPr>
+          </a:pPr>
+          <a:endParaRPr lang="fr-FR"/>
+        </a:p>
+      </c:txPr>
+    </c:legend>
+    <c:plotVisOnly val="1"/>
+    <c:dispBlanksAs val="gap"/>
+    <c:extLst>
+      <c:ext xmlns:c16r3="http://schemas.microsoft.com/office/drawing/2017/03/chart" uri="{56B9EC1D-385E-4148-901F-78D8002777C0}">
+        <c16r3:dataDisplayOptions16>
+          <c16r3:dispNaAsBlank val="1"/>
+        </c16r3:dataDisplayOptions16>
+      </c:ext>
+    </c:extLst>
+    <c:showDLblsOverMax val="0"/>
+  </c:chart>
+  <c:spPr>
+    <a:noFill/>
+    <a:ln>
+      <a:noFill/>
+    </a:ln>
+    <a:effectLst/>
+  </c:spPr>
+  <c:txPr>
+    <a:bodyPr/>
+    <a:lstStyle/>
+    <a:p>
+      <a:pPr>
+        <a:defRPr/>
+      </a:pPr>
+      <a:endParaRPr lang="fr-FR"/>
+    </a:p>
+  </c:txPr>
+  <c:externalData r:id="rId3">
+    <c:autoUpdate val="0"/>
+  </c:externalData>
+</c:chartSpace>
+</file>
+
+<file path=ppt/charts/colors1.xml><?xml version="1.0" encoding="utf-8"?>
+<cs:colorStyle xmlns:cs="http://schemas.microsoft.com/office/drawing/2012/chartStyle" xmlns:a="http://schemas.openxmlformats.org/drawingml/2006/main" meth="cycle" id="10">
+  <a:schemeClr val="accent1"/>
+  <a:schemeClr val="accent2"/>
+  <a:schemeClr val="accent3"/>
+  <a:schemeClr val="accent4"/>
+  <a:schemeClr val="accent5"/>
+  <a:schemeClr val="accent6"/>
+  <cs:variation/>
+  <cs:variation>
+    <a:lumMod val="60000"/>
+  </cs:variation>
+  <cs:variation>
+    <a:lumMod val="80000"/>
+    <a:lumOff val="20000"/>
+  </cs:variation>
+  <cs:variation>
+    <a:lumMod val="80000"/>
+  </cs:variation>
+  <cs:variation>
+    <a:lumMod val="60000"/>
+    <a:lumOff val="40000"/>
+  </cs:variation>
+  <cs:variation>
+    <a:lumMod val="50000"/>
+  </cs:variation>
+  <cs:variation>
+    <a:lumMod val="70000"/>
+    <a:lumOff val="30000"/>
+  </cs:variation>
+  <cs:variation>
+    <a:lumMod val="70000"/>
+  </cs:variation>
+  <cs:variation>
+    <a:lumMod val="50000"/>
+    <a:lumOff val="50000"/>
+  </cs:variation>
+</cs:colorStyle>
+</file>
+
+<file path=ppt/charts/style1.xml><?xml version="1.0" encoding="utf-8"?>
+<cs:chartStyle xmlns:cs="http://schemas.microsoft.com/office/drawing/2012/chartStyle" xmlns:a="http://schemas.openxmlformats.org/drawingml/2006/main" id="251">
+  <cs:axisTitle>
+    <cs:lnRef idx="0"/>
+    <cs:fillRef idx="0"/>
+    <cs:effectRef idx="0"/>
+    <cs:fontRef idx="minor">
+      <a:schemeClr val="tx1">
+        <a:lumMod val="65000"/>
+        <a:lumOff val="35000"/>
+      </a:schemeClr>
+    </cs:fontRef>
+    <cs:defRPr sz="1330" kern="1200"/>
+  </cs:axisTitle>
+  <cs:categoryAxis>
+    <cs:lnRef idx="0"/>
+    <cs:fillRef idx="0"/>
+    <cs:effectRef idx="0"/>
+    <cs:fontRef idx="minor">
+      <a:schemeClr val="tx1">
+        <a:lumMod val="65000"/>
+        <a:lumOff val="35000"/>
+      </a:schemeClr>
+    </cs:fontRef>
+    <cs:spPr>
+      <a:ln w="9525" cap="flat" cmpd="sng" algn="ctr">
+        <a:solidFill>
+          <a:schemeClr val="tx1">
+            <a:lumMod val="15000"/>
+            <a:lumOff val="85000"/>
+          </a:schemeClr>
+        </a:solidFill>
+        <a:round/>
+      </a:ln>
+    </cs:spPr>
+    <cs:defRPr sz="1197" kern="1200"/>
+  </cs:categoryAxis>
+  <cs:chartArea mods="allowNoFillOverride allowNoLineOverride">
+    <cs:lnRef idx="0"/>
+    <cs:fillRef idx="0"/>
+    <cs:effectRef idx="0"/>
+    <cs:fontRef idx="minor">
+      <a:schemeClr val="tx1"/>
+    </cs:fontRef>
+    <cs:spPr>
+      <a:solidFill>
+        <a:schemeClr val="bg1"/>
+      </a:solidFill>
+      <a:ln w="9525" cap="flat" cmpd="sng" algn="ctr">
+        <a:solidFill>
+          <a:schemeClr val="tx1">
+            <a:lumMod val="15000"/>
+            <a:lumOff val="85000"/>
+          </a:schemeClr>
+        </a:solidFill>
+        <a:round/>
+      </a:ln>
+    </cs:spPr>
+    <cs:defRPr sz="1197" kern="1200"/>
+  </cs:chartArea>
+  <cs:dataLabel>
+    <cs:lnRef idx="0"/>
+    <cs:fillRef idx="0"/>
+    <cs:effectRef idx="0"/>
+    <cs:fontRef idx="minor">
+      <a:schemeClr val="tx1">
+        <a:lumMod val="75000"/>
+        <a:lumOff val="25000"/>
+      </a:schemeClr>
+    </cs:fontRef>
+    <cs:defRPr sz="1197" kern="1200"/>
+  </cs:dataLabel>
+  <cs:dataLabelCallout>
+    <cs:lnRef idx="0"/>
+    <cs:fillRef idx="0"/>
+    <cs:effectRef idx="0"/>
+    <cs:fontRef idx="minor">
+      <a:schemeClr val="dk1">
+        <a:lumMod val="65000"/>
+        <a:lumOff val="35000"/>
+      </a:schemeClr>
+    </cs:fontRef>
+    <cs:spPr>
+      <a:solidFill>
+        <a:schemeClr val="lt1"/>
+      </a:solidFill>
+      <a:ln>
+        <a:solidFill>
+          <a:schemeClr val="dk1">
+            <a:lumMod val="25000"/>
+            <a:lumOff val="75000"/>
+          </a:schemeClr>
+        </a:solidFill>
+      </a:ln>
+    </cs:spPr>
+    <cs:defRPr sz="1197" kern="1200"/>
+    <cs:bodyPr rot="0" spcFirstLastPara="1" vertOverflow="clip" horzOverflow="clip" vert="horz" wrap="square" lIns="36576" tIns="18288" rIns="36576" bIns="18288" anchor="ctr" anchorCtr="1">
+      <a:spAutoFit/>
+    </cs:bodyPr>
+  </cs:dataLabelCallout>
+  <cs:dataPoint>
+    <cs:lnRef idx="0"/>
+    <cs:fillRef idx="1">
+      <cs:styleClr val="auto"/>
+    </cs:fillRef>
+    <cs:effectRef idx="0"/>
+    <cs:fontRef idx="minor">
+      <a:schemeClr val="tx1"/>
+    </cs:fontRef>
+    <cs:spPr>
+      <a:ln w="19050">
+        <a:solidFill>
+          <a:schemeClr val="lt1"/>
+        </a:solidFill>
+      </a:ln>
+    </cs:spPr>
+  </cs:dataPoint>
+  <cs:dataPoint3D>
+    <cs:lnRef idx="0"/>
+    <cs:fillRef idx="1">
+      <cs:styleClr val="auto"/>
+    </cs:fillRef>
+    <cs:effectRef idx="0"/>
+    <cs:fontRef idx="minor">
+      <a:schemeClr val="tx1"/>
+    </cs:fontRef>
+    <cs:spPr>
+      <a:ln w="25400">
+        <a:solidFill>
+          <a:schemeClr val="lt1"/>
+        </a:solidFill>
+      </a:ln>
+    </cs:spPr>
+  </cs:dataPoint3D>
+  <cs:dataPointLine>
+    <cs:lnRef idx="0">
+      <cs:styleClr val="auto"/>
+    </cs:lnRef>
+    <cs:fillRef idx="0"/>
+    <cs:effectRef idx="0"/>
+    <cs:fontRef idx="minor">
+      <a:schemeClr val="tx1"/>
+    </cs:fontRef>
+    <cs:spPr>
+      <a:ln w="28575" cap="rnd">
+        <a:solidFill>
+          <a:schemeClr val="phClr"/>
+        </a:solidFill>
+        <a:round/>
+      </a:ln>
+    </cs:spPr>
+  </cs:dataPointLine>
+  <cs:dataPointMarker>
+    <cs:lnRef idx="0">
+      <cs:styleClr val="auto"/>
+    </cs:lnRef>
+    <cs:fillRef idx="1">
+      <cs:styleClr val="auto"/>
+    </cs:fillRef>
+    <cs:effectRef idx="0"/>
+    <cs:fontRef idx="minor">
+      <a:schemeClr val="tx1"/>
+    </cs:fontRef>
+    <cs:spPr>
+      <a:ln w="9525">
+        <a:solidFill>
+          <a:schemeClr val="phClr"/>
+        </a:solidFill>
+      </a:ln>
+    </cs:spPr>
+  </cs:dataPointMarker>
+  <cs:dataPointMarkerLayout symbol="circle" size="5"/>
+  <cs:dataPointWireframe>
+    <cs:lnRef idx="0">
+      <cs:styleClr val="auto"/>
+    </cs:lnRef>
+    <cs:fillRef idx="0"/>
+    <cs:effectRef idx="0"/>
+    <cs:fontRef idx="minor">
+      <a:schemeClr val="tx1"/>
+    </cs:fontRef>
+    <cs:spPr>
+      <a:ln w="9525" cap="rnd">
+        <a:solidFill>
+          <a:schemeClr val="phClr"/>
+        </a:solidFill>
+        <a:round/>
+      </a:ln>
+    </cs:spPr>
+  </cs:dataPointWireframe>
+  <cs:dataTable>
+    <cs:lnRef idx="0"/>
+    <cs:fillRef idx="0"/>
+    <cs:effectRef idx="0"/>
+    <cs:fontRef idx="minor">
+      <a:schemeClr val="tx1">
+        <a:lumMod val="65000"/>
+        <a:lumOff val="35000"/>
+      </a:schemeClr>
+    </cs:fontRef>
+    <cs:spPr>
+      <a:noFill/>
+      <a:ln w="9525" cap="flat" cmpd="sng" algn="ctr">
+        <a:solidFill>
+          <a:schemeClr val="tx1">
+            <a:lumMod val="15000"/>
+            <a:lumOff val="85000"/>
+          </a:schemeClr>
+        </a:solidFill>
+        <a:round/>
+      </a:ln>
+    </cs:spPr>
+    <cs:defRPr sz="1197" kern="1200"/>
+  </cs:dataTable>
+  <cs:downBar>
+    <cs:lnRef idx="0"/>
+    <cs:fillRef idx="0"/>
+    <cs:effectRef idx="0"/>
+    <cs:fontRef idx="minor">
+      <a:schemeClr val="tx1"/>
+    </cs:fontRef>
+    <cs:spPr>
+      <a:solidFill>
+        <a:schemeClr val="dk1">
+          <a:lumMod val="75000"/>
+          <a:lumOff val="25000"/>
+        </a:schemeClr>
+      </a:solidFill>
+      <a:ln w="9525" cap="flat" cmpd="sng" algn="ctr">
+        <a:solidFill>
+          <a:schemeClr val="tx1">
+            <a:lumMod val="65000"/>
+            <a:lumOff val="35000"/>
+          </a:schemeClr>
+        </a:solidFill>
+        <a:round/>
+      </a:ln>
+    </cs:spPr>
+  </cs:downBar>
+  <cs:dropLine>
+    <cs:lnRef idx="0"/>
+    <cs:fillRef idx="0"/>
+    <cs:effectRef idx="0"/>
+    <cs:fontRef idx="minor">
+      <a:schemeClr val="tx1"/>
+    </cs:fontRef>
+    <cs:spPr>
+      <a:ln w="9525" cap="flat" cmpd="sng" algn="ctr">
+        <a:solidFill>
+          <a:schemeClr val="tx1">
+            <a:lumMod val="35000"/>
+            <a:lumOff val="65000"/>
+          </a:schemeClr>
+        </a:solidFill>
+        <a:round/>
+      </a:ln>
+    </cs:spPr>
+  </cs:dropLine>
+  <cs:errorBar>
+    <cs:lnRef idx="0"/>
+    <cs:fillRef idx="0"/>
+    <cs:effectRef idx="0"/>
+    <cs:fontRef idx="minor">
+      <a:schemeClr val="tx1"/>
+    </cs:fontRef>
+    <cs:spPr>
+      <a:ln w="9525" cap="flat" cmpd="sng" algn="ctr">
+        <a:solidFill>
+          <a:schemeClr val="tx1">
+            <a:lumMod val="65000"/>
+            <a:lumOff val="35000"/>
+          </a:schemeClr>
+        </a:solidFill>
+        <a:round/>
+      </a:ln>
+    </cs:spPr>
+  </cs:errorBar>
+  <cs:floor>
+    <cs:lnRef idx="0"/>
+    <cs:fillRef idx="0"/>
+    <cs:effectRef idx="0"/>
+    <cs:fontRef idx="minor">
+      <a:schemeClr val="tx1"/>
+    </cs:fontRef>
+    <cs:spPr>
+      <a:noFill/>
+      <a:ln>
+        <a:noFill/>
+      </a:ln>
+    </cs:spPr>
+  </cs:floor>
+  <cs:gridlineMajor>
+    <cs:lnRef idx="0"/>
+    <cs:fillRef idx="0"/>
+    <cs:effectRef idx="0"/>
+    <cs:fontRef idx="minor">
+      <a:schemeClr val="tx1"/>
+    </cs:fontRef>
+    <cs:spPr>
+      <a:ln w="9525" cap="flat" cmpd="sng" algn="ctr">
+        <a:solidFill>
+          <a:schemeClr val="tx1">
+            <a:lumMod val="15000"/>
+            <a:lumOff val="85000"/>
+          </a:schemeClr>
+        </a:solidFill>
+        <a:round/>
+      </a:ln>
+    </cs:spPr>
+  </cs:gridlineMajor>
+  <cs:gridlineMinor>
+    <cs:lnRef idx="0"/>
+    <cs:fillRef idx="0"/>
+    <cs:effectRef idx="0"/>
+    <cs:fontRef idx="minor">
+      <a:schemeClr val="tx1"/>
+    </cs:fontRef>
+    <cs:spPr>
+      <a:ln w="9525" cap="flat" cmpd="sng" algn="ctr">
+        <a:solidFill>
+          <a:schemeClr val="tx1">
+            <a:lumMod val="5000"/>
+            <a:lumOff val="95000"/>
+          </a:schemeClr>
+        </a:solidFill>
+        <a:round/>
+      </a:ln>
+    </cs:spPr>
+  </cs:gridlineMinor>
+  <cs:hiLoLine>
+    <cs:lnRef idx="0"/>
+    <cs:fillRef idx="0"/>
+    <cs:effectRef idx="0"/>
+    <cs:fontRef idx="minor">
+      <a:schemeClr val="tx1"/>
+    </cs:fontRef>
+    <cs:spPr>
+      <a:ln w="9525" cap="flat" cmpd="sng" algn="ctr">
+        <a:solidFill>
+          <a:schemeClr val="tx1">
+            <a:lumMod val="50000"/>
+            <a:lumOff val="50000"/>
+          </a:schemeClr>
+        </a:solidFill>
+        <a:round/>
+      </a:ln>
+    </cs:spPr>
+  </cs:hiLoLine>
+  <cs:leaderLine>
+    <cs:lnRef idx="0"/>
+    <cs:fillRef idx="0"/>
+    <cs:effectRef idx="0"/>
+    <cs:fontRef idx="minor">
+      <a:schemeClr val="tx1"/>
+    </cs:fontRef>
+    <cs:spPr>
+      <a:ln w="9525" cap="flat" cmpd="sng" algn="ctr">
+        <a:solidFill>
+          <a:schemeClr val="tx1">
+            <a:lumMod val="35000"/>
+            <a:lumOff val="65000"/>
+          </a:schemeClr>
+        </a:solidFill>
+        <a:round/>
+      </a:ln>
+    </cs:spPr>
+  </cs:leaderLine>
+  <cs:legend>
+    <cs:lnRef idx="0"/>
+    <cs:fillRef idx="0"/>
+    <cs:effectRef idx="0"/>
+    <cs:fontRef idx="minor">
+      <a:schemeClr val="tx1">
+        <a:lumMod val="65000"/>
+        <a:lumOff val="35000"/>
+      </a:schemeClr>
+    </cs:fontRef>
+    <cs:defRPr sz="1197" kern="1200"/>
+  </cs:legend>
+  <cs:plotArea mods="allowNoFillOverride allowNoLineOverride">
+    <cs:lnRef idx="0"/>
+    <cs:fillRef idx="0"/>
+    <cs:effectRef idx="0"/>
+    <cs:fontRef idx="minor">
+      <a:schemeClr val="tx1"/>
+    </cs:fontRef>
+  </cs:plotArea>
+  <cs:plotArea3D mods="allowNoFillOverride allowNoLineOverride">
+    <cs:lnRef idx="0"/>
+    <cs:fillRef idx="0"/>
+    <cs:effectRef idx="0"/>
+    <cs:fontRef idx="minor">
+      <a:schemeClr val="tx1"/>
+    </cs:fontRef>
+  </cs:plotArea3D>
+  <cs:seriesAxis>
+    <cs:lnRef idx="0"/>
+    <cs:fillRef idx="0"/>
+    <cs:effectRef idx="0"/>
+    <cs:fontRef idx="minor">
+      <a:schemeClr val="tx1">
+        <a:lumMod val="65000"/>
+        <a:lumOff val="35000"/>
+      </a:schemeClr>
+    </cs:fontRef>
+    <cs:defRPr sz="1197" kern="1200"/>
+  </cs:seriesAxis>
+  <cs:seriesLine>
+    <cs:lnRef idx="0"/>
+    <cs:fillRef idx="0"/>
+    <cs:effectRef idx="0"/>
+    <cs:fontRef idx="minor">
+      <a:schemeClr val="tx1"/>
+    </cs:fontRef>
+    <cs:spPr>
+      <a:ln w="9525" cap="flat" cmpd="sng" algn="ctr">
+        <a:solidFill>
+          <a:schemeClr val="tx1">
+            <a:lumMod val="35000"/>
+            <a:lumOff val="65000"/>
+          </a:schemeClr>
+        </a:solidFill>
+        <a:round/>
+      </a:ln>
+    </cs:spPr>
+  </cs:seriesLine>
+  <cs:title>
+    <cs:lnRef idx="0"/>
+    <cs:fillRef idx="0"/>
+    <cs:effectRef idx="0"/>
+    <cs:fontRef idx="minor">
+      <a:schemeClr val="tx1">
+        <a:lumMod val="65000"/>
+        <a:lumOff val="35000"/>
+      </a:schemeClr>
+    </cs:fontRef>
+    <cs:defRPr sz="1862" b="0" kern="1200" spc="0" baseline="0"/>
+  </cs:title>
+  <cs:trendline>
+    <cs:lnRef idx="0">
+      <cs:styleClr val="auto"/>
+    </cs:lnRef>
+    <cs:fillRef idx="0"/>
+    <cs:effectRef idx="0"/>
+    <cs:fontRef idx="minor">
+      <a:schemeClr val="tx1"/>
+    </cs:fontRef>
+    <cs:spPr>
+      <a:ln w="19050" cap="rnd">
+        <a:solidFill>
+          <a:schemeClr val="phClr"/>
+        </a:solidFill>
+        <a:prstDash val="sysDot"/>
+      </a:ln>
+    </cs:spPr>
+  </cs:trendline>
+  <cs:trendlineLabel>
+    <cs:lnRef idx="0"/>
+    <cs:fillRef idx="0"/>
+    <cs:effectRef idx="0"/>
+    <cs:fontRef idx="minor">
+      <a:schemeClr val="tx1">
+        <a:lumMod val="65000"/>
+        <a:lumOff val="35000"/>
+      </a:schemeClr>
+    </cs:fontRef>
+    <cs:defRPr sz="1197" kern="1200"/>
+  </cs:trendlineLabel>
+  <cs:upBar>
+    <cs:lnRef idx="0"/>
+    <cs:fillRef idx="0"/>
+    <cs:effectRef idx="0"/>
+    <cs:fontRef idx="minor">
+      <a:schemeClr val="tx1"/>
+    </cs:fontRef>
+    <cs:spPr>
+      <a:solidFill>
+        <a:schemeClr val="lt1"/>
+      </a:solidFill>
+      <a:ln w="9525" cap="flat" cmpd="sng" algn="ctr">
+        <a:solidFill>
+          <a:schemeClr val="tx1">
+            <a:lumMod val="65000"/>
+            <a:lumOff val="35000"/>
+          </a:schemeClr>
+        </a:solidFill>
+        <a:round/>
+      </a:ln>
+    </cs:spPr>
+  </cs:upBar>
+  <cs:valueAxis>
+    <cs:lnRef idx="0"/>
+    <cs:fillRef idx="0"/>
+    <cs:effectRef idx="0"/>
+    <cs:fontRef idx="minor">
+      <a:schemeClr val="tx1">
+        <a:lumMod val="65000"/>
+        <a:lumOff val="35000"/>
+      </a:schemeClr>
+    </cs:fontRef>
+    <cs:defRPr sz="1197" kern="1200"/>
+  </cs:valueAxis>
+  <cs:wall>
+    <cs:lnRef idx="0"/>
+    <cs:fillRef idx="0"/>
+    <cs:effectRef idx="0"/>
+    <cs:fontRef idx="minor">
+      <a:schemeClr val="tx1"/>
+    </cs:fontRef>
+    <cs:spPr>
+      <a:noFill/>
+      <a:ln>
+        <a:noFill/>
+      </a:ln>
+    </cs:spPr>
+  </cs:wall>
+</cs:chartStyle>
+</file>
+
 <file path=ppt/slideLayouts/slideLayout1.xml><?xml version="1.0" encoding="utf-8"?>
 <p:sldLayout xmlns:a="http://schemas.openxmlformats.org/drawingml/2006/main" xmlns:r="http://schemas.openxmlformats.org/officeDocument/2006/relationships" xmlns:p="http://schemas.openxmlformats.org/presentationml/2006/main" type="title" preserve="1">
   <p:cSld name="Diapositive de titre">
@@ -281,7 +1681,7 @@
           <a:p>
             <a:fld id="{62EF9E49-E7FC-479C-904A-BB16FC3246BF}" type="datetimeFigureOut">
               <a:rPr lang="fr-FR" smtClean="0"/>
-              <a:t>29/04/2021</a:t>
+              <a:t>01/05/2021</a:t>
             </a:fld>
             <a:endParaRPr lang="fr-FR"/>
           </a:p>
@@ -479,7 +1879,7 @@
           <a:p>
             <a:fld id="{62EF9E49-E7FC-479C-904A-BB16FC3246BF}" type="datetimeFigureOut">
               <a:rPr lang="fr-FR" smtClean="0"/>
-              <a:t>29/04/2021</a:t>
+              <a:t>01/05/2021</a:t>
             </a:fld>
             <a:endParaRPr lang="fr-FR"/>
           </a:p>
@@ -687,7 +2087,7 @@
           <a:p>
             <a:fld id="{62EF9E49-E7FC-479C-904A-BB16FC3246BF}" type="datetimeFigureOut">
               <a:rPr lang="fr-FR" smtClean="0"/>
-              <a:t>29/04/2021</a:t>
+              <a:t>01/05/2021</a:t>
             </a:fld>
             <a:endParaRPr lang="fr-FR"/>
           </a:p>
@@ -885,7 +2285,7 @@
           <a:p>
             <a:fld id="{62EF9E49-E7FC-479C-904A-BB16FC3246BF}" type="datetimeFigureOut">
               <a:rPr lang="fr-FR" smtClean="0"/>
-              <a:t>29/04/2021</a:t>
+              <a:t>01/05/2021</a:t>
             </a:fld>
             <a:endParaRPr lang="fr-FR"/>
           </a:p>
@@ -1160,7 +2560,7 @@
           <a:p>
             <a:fld id="{62EF9E49-E7FC-479C-904A-BB16FC3246BF}" type="datetimeFigureOut">
               <a:rPr lang="fr-FR" smtClean="0"/>
-              <a:t>29/04/2021</a:t>
+              <a:t>01/05/2021</a:t>
             </a:fld>
             <a:endParaRPr lang="fr-FR"/>
           </a:p>
@@ -1425,7 +2825,7 @@
           <a:p>
             <a:fld id="{62EF9E49-E7FC-479C-904A-BB16FC3246BF}" type="datetimeFigureOut">
               <a:rPr lang="fr-FR" smtClean="0"/>
-              <a:t>29/04/2021</a:t>
+              <a:t>01/05/2021</a:t>
             </a:fld>
             <a:endParaRPr lang="fr-FR"/>
           </a:p>
@@ -1837,7 +3237,7 @@
           <a:p>
             <a:fld id="{62EF9E49-E7FC-479C-904A-BB16FC3246BF}" type="datetimeFigureOut">
               <a:rPr lang="fr-FR" smtClean="0"/>
-              <a:t>29/04/2021</a:t>
+              <a:t>01/05/2021</a:t>
             </a:fld>
             <a:endParaRPr lang="fr-FR"/>
           </a:p>
@@ -1978,7 +3378,7 @@
           <a:p>
             <a:fld id="{62EF9E49-E7FC-479C-904A-BB16FC3246BF}" type="datetimeFigureOut">
               <a:rPr lang="fr-FR" smtClean="0"/>
-              <a:t>29/04/2021</a:t>
+              <a:t>01/05/2021</a:t>
             </a:fld>
             <a:endParaRPr lang="fr-FR"/>
           </a:p>
@@ -2091,7 +3491,7 @@
           <a:p>
             <a:fld id="{62EF9E49-E7FC-479C-904A-BB16FC3246BF}" type="datetimeFigureOut">
               <a:rPr lang="fr-FR" smtClean="0"/>
-              <a:t>29/04/2021</a:t>
+              <a:t>01/05/2021</a:t>
             </a:fld>
             <a:endParaRPr lang="fr-FR"/>
           </a:p>
@@ -2402,7 +3802,7 @@
           <a:p>
             <a:fld id="{62EF9E49-E7FC-479C-904A-BB16FC3246BF}" type="datetimeFigureOut">
               <a:rPr lang="fr-FR" smtClean="0"/>
-              <a:t>29/04/2021</a:t>
+              <a:t>01/05/2021</a:t>
             </a:fld>
             <a:endParaRPr lang="fr-FR"/>
           </a:p>
@@ -2690,7 +4090,7 @@
           <a:p>
             <a:fld id="{62EF9E49-E7FC-479C-904A-BB16FC3246BF}" type="datetimeFigureOut">
               <a:rPr lang="fr-FR" smtClean="0"/>
-              <a:t>29/04/2021</a:t>
+              <a:t>01/05/2021</a:t>
             </a:fld>
             <a:endParaRPr lang="fr-FR"/>
           </a:p>
@@ -2931,7 +4331,7 @@
           <a:p>
             <a:fld id="{62EF9E49-E7FC-479C-904A-BB16FC3246BF}" type="datetimeFigureOut">
               <a:rPr lang="fr-FR" smtClean="0"/>
-              <a:t>29/04/2021</a:t>
+              <a:t>01/05/2021</a:t>
             </a:fld>
             <a:endParaRPr lang="fr-FR"/>
           </a:p>
@@ -3736,7 +5136,7 @@
         </p:nvSpPr>
         <p:spPr>
           <a:xfrm>
-            <a:off x="2879284" y="1835093"/>
+            <a:off x="2618016" y="1835093"/>
             <a:ext cx="7200900" cy="646331"/>
           </a:xfrm>
           <a:prstGeom prst="rect">
@@ -3751,7 +5151,7 @@
           <a:lstStyle/>
           <a:p>
             <a:r>
-              <a:rPr lang="fr-FR" dirty="0">
+              <a:rPr lang="fr-FR" i="1" dirty="0">
                 <a:solidFill>
                   <a:schemeClr val="bg2">
                     <a:lumMod val="25000"/>
@@ -4334,9 +5734,9 @@
         <p:grpSpPr>
           <a:xfrm>
             <a:off x="3620848" y="6403533"/>
-            <a:ext cx="3226928" cy="373839"/>
+            <a:ext cx="3226928" cy="369332"/>
             <a:chOff x="3697748" y="6421184"/>
-            <a:chExt cx="3226928" cy="373839"/>
+            <a:chExt cx="3226928" cy="369332"/>
           </a:xfrm>
         </p:grpSpPr>
         <p:sp>
@@ -4447,7 +5847,7 @@
           </p:blipFill>
           <p:spPr bwMode="auto">
             <a:xfrm>
-              <a:off x="5434195" y="6470512"/>
+              <a:off x="5434195" y="6451850"/>
               <a:ext cx="322580" cy="322580"/>
             </a:xfrm>
             <a:prstGeom prst="ellipse">
@@ -4494,7 +5894,7 @@
           </p:blipFill>
           <p:spPr bwMode="auto">
             <a:xfrm>
-              <a:off x="5843437" y="6471023"/>
+              <a:off x="5843437" y="6452361"/>
               <a:ext cx="324000" cy="324000"/>
             </a:xfrm>
             <a:prstGeom prst="rect">
@@ -5952,7 +7352,7 @@
         </p:blipFill>
         <p:spPr>
           <a:xfrm>
-            <a:off x="4928828" y="6458255"/>
+            <a:off x="4928828" y="6439593"/>
             <a:ext cx="341805" cy="329886"/>
           </a:xfrm>
           <a:prstGeom prst="rect">
@@ -5974,8 +7374,8 @@
         </p:nvSpPr>
         <p:spPr>
           <a:xfrm>
-            <a:off x="220777" y="1538464"/>
-            <a:ext cx="787603" cy="45719"/>
+            <a:off x="309265" y="1538464"/>
+            <a:ext cx="648000" cy="45719"/>
           </a:xfrm>
           <a:prstGeom prst="roundRect">
             <a:avLst/>
@@ -6313,7 +7713,7 @@
         </p:nvSpPr>
         <p:spPr>
           <a:xfrm>
-            <a:off x="195308" y="1916916"/>
+            <a:off x="195308" y="1823606"/>
             <a:ext cx="7048082" cy="646331"/>
           </a:xfrm>
           <a:prstGeom prst="rect">
@@ -6329,11 +7729,21 @@
           <a:p>
             <a:r>
               <a:rPr lang="fr-FR" sz="3600" dirty="0">
+                <a:solidFill>
+                  <a:schemeClr val="bg2">
+                    <a:lumMod val="25000"/>
+                  </a:schemeClr>
+                </a:solidFill>
                 <a:latin typeface="Vladimir Script" panose="03050402040407070305" pitchFamily="66" charset="0"/>
               </a:rPr>
               <a:t>Statistiques de l’agence </a:t>
             </a:r>
             <a:endParaRPr lang="fr-FR" dirty="0">
+              <a:solidFill>
+                <a:schemeClr val="bg2">
+                  <a:lumMod val="25000"/>
+                </a:schemeClr>
+              </a:solidFill>
               <a:latin typeface="Vladimir Script" panose="03050402040407070305" pitchFamily="66" charset="0"/>
             </a:endParaRPr>
           </a:p>
@@ -6353,10 +7763,10 @@
         </p:nvGrpSpPr>
         <p:grpSpPr>
           <a:xfrm>
-            <a:off x="2654633" y="2896244"/>
-            <a:ext cx="5113328" cy="3030918"/>
+            <a:off x="443273" y="2896244"/>
+            <a:ext cx="5113328" cy="3024690"/>
             <a:chOff x="541748" y="2917989"/>
-            <a:chExt cx="4947008" cy="2900517"/>
+            <a:chExt cx="4947008" cy="2894557"/>
           </a:xfrm>
         </p:grpSpPr>
         <p:grpSp>
@@ -6374,9 +7784,9 @@
           <p:grpSpPr>
             <a:xfrm>
               <a:off x="1405518" y="3088640"/>
-              <a:ext cx="4083238" cy="2729866"/>
+              <a:ext cx="4083238" cy="2723906"/>
               <a:chOff x="1405518" y="3088640"/>
-              <a:chExt cx="4083238" cy="2729866"/>
+              <a:chExt cx="4083238" cy="2723906"/>
             </a:xfrm>
           </p:grpSpPr>
           <p:grpSp>
@@ -6759,8 +8169,8 @@
             </p:nvSpPr>
             <p:spPr>
               <a:xfrm rot="19313803">
-                <a:off x="1405518" y="5470216"/>
-                <a:ext cx="1279438" cy="276999"/>
+                <a:off x="1405518" y="5476174"/>
+                <a:ext cx="1279438" cy="265081"/>
               </a:xfrm>
               <a:prstGeom prst="rect">
                 <a:avLst/>
@@ -6775,7 +8185,7 @@
               <a:p>
                 <a:r>
                   <a:rPr lang="fr-FR" sz="1200" dirty="0"/>
-                  <a:t>Mme Irma </a:t>
+                  <a:t>Camille </a:t>
                 </a:r>
               </a:p>
             </p:txBody>
@@ -6794,8 +8204,8 @@
             </p:nvSpPr>
             <p:spPr>
               <a:xfrm rot="19313803">
-                <a:off x="2086382" y="5541507"/>
-                <a:ext cx="1279438" cy="276999"/>
+                <a:off x="2086382" y="5547465"/>
+                <a:ext cx="1279438" cy="265081"/>
               </a:xfrm>
               <a:prstGeom prst="rect">
                 <a:avLst/>
@@ -6810,7 +8220,7 @@
               <a:p>
                 <a:r>
                   <a:rPr lang="fr-FR" sz="1200" dirty="0"/>
-                  <a:t>Magicarpe </a:t>
+                  <a:t>Elise </a:t>
                 </a:r>
               </a:p>
             </p:txBody>
@@ -6829,8 +8239,8 @@
             </p:nvSpPr>
             <p:spPr>
               <a:xfrm rot="19313803">
-                <a:off x="2890785" y="5470229"/>
-                <a:ext cx="1279438" cy="276999"/>
+                <a:off x="2890785" y="5476187"/>
+                <a:ext cx="1279438" cy="265082"/>
               </a:xfrm>
               <a:prstGeom prst="rect">
                 <a:avLst/>
@@ -6844,12 +8254,8 @@
               <a:lstStyle/>
               <a:p>
                 <a:r>
-                  <a:rPr lang="fr-FR" sz="1200" dirty="0" err="1"/>
-                  <a:t>DivinAtor</a:t>
-                </a:r>
-                <a:r>
                   <a:rPr lang="fr-FR" sz="1200" dirty="0"/>
-                  <a:t> </a:t>
+                  <a:t>Tatiana </a:t>
                 </a:r>
               </a:p>
             </p:txBody>
@@ -6868,8 +8274,8 @@
             </p:nvSpPr>
             <p:spPr>
               <a:xfrm rot="19313803">
-                <a:off x="3608532" y="5383308"/>
-                <a:ext cx="1279438" cy="276999"/>
+                <a:off x="3608532" y="5389266"/>
+                <a:ext cx="1279438" cy="265082"/>
               </a:xfrm>
               <a:prstGeom prst="rect">
                 <a:avLst/>
@@ -6883,12 +8289,8 @@
               <a:lstStyle/>
               <a:p>
                 <a:r>
-                  <a:rPr lang="fr-FR" sz="1200" dirty="0" err="1"/>
-                  <a:t>Trotaro</a:t>
-                </a:r>
-                <a:r>
                   <a:rPr lang="fr-FR" sz="1200" dirty="0"/>
-                  <a:t> </a:t>
+                  <a:t>Eric </a:t>
                 </a:r>
               </a:p>
             </p:txBody>
@@ -6907,8 +8309,8 @@
             </p:nvSpPr>
             <p:spPr>
               <a:xfrm rot="19313803">
-                <a:off x="4209318" y="5470216"/>
-                <a:ext cx="1279438" cy="276999"/>
+                <a:off x="4209318" y="5476175"/>
+                <a:ext cx="1279438" cy="265082"/>
               </a:xfrm>
               <a:prstGeom prst="rect">
                 <a:avLst/>
@@ -6922,12 +8324,8 @@
               <a:lstStyle/>
               <a:p>
                 <a:r>
-                  <a:rPr lang="fr-FR" sz="1200" dirty="0" err="1"/>
-                  <a:t>Cartoman</a:t>
-                </a:r>
-                <a:r>
                   <a:rPr lang="fr-FR" sz="1200" dirty="0"/>
-                  <a:t> </a:t>
+                  <a:t>Fred </a:t>
                 </a:r>
               </a:p>
             </p:txBody>
@@ -6948,7 +8346,7 @@
           <p:spPr>
             <a:xfrm>
               <a:off x="541748" y="2917989"/>
-              <a:ext cx="1177722" cy="461665"/>
+              <a:ext cx="1177722" cy="441803"/>
             </a:xfrm>
             <a:prstGeom prst="rect">
               <a:avLst/>
@@ -7199,8 +8597,8 @@
         </p:nvSpPr>
         <p:spPr>
           <a:xfrm>
-            <a:off x="1943045" y="1551080"/>
-            <a:ext cx="1155755" cy="45719"/>
+            <a:off x="1952376" y="1551080"/>
+            <a:ext cx="1080000" cy="45719"/>
           </a:xfrm>
           <a:prstGeom prst="roundRect">
             <a:avLst/>
@@ -7234,6 +8632,75 @@
           <a:p>
             <a:pPr algn="ctr"/>
             <a:endParaRPr lang="fr-FR"/>
+          </a:p>
+        </p:txBody>
+      </p:sp>
+      <p:graphicFrame>
+        <p:nvGraphicFramePr>
+          <p:cNvPr id="6" name="Graphique 5">
+            <a:extLst>
+              <a:ext uri="{FF2B5EF4-FFF2-40B4-BE49-F238E27FC236}">
+                <a16:creationId xmlns:a16="http://schemas.microsoft.com/office/drawing/2014/main" id="{D5F277EF-6277-446D-8CAA-CB1F8B56CCE4}"/>
+              </a:ext>
+            </a:extLst>
+          </p:cNvPr>
+          <p:cNvGraphicFramePr/>
+          <p:nvPr>
+            <p:extLst>
+              <p:ext uri="{D42A27DB-BD31-4B8C-83A1-F6EECF244321}">
+                <p14:modId xmlns:p14="http://schemas.microsoft.com/office/powerpoint/2010/main" val="3114144660"/>
+              </p:ext>
+            </p:extLst>
+          </p:nvPr>
+        </p:nvGraphicFramePr>
+        <p:xfrm>
+          <a:off x="6289308" y="2407300"/>
+          <a:ext cx="5299275" cy="3704253"/>
+        </p:xfrm>
+        <a:graphic>
+          <a:graphicData uri="http://schemas.openxmlformats.org/drawingml/2006/chart">
+            <c:chart xmlns:c="http://schemas.openxmlformats.org/drawingml/2006/chart" xmlns:r="http://schemas.openxmlformats.org/officeDocument/2006/relationships" r:id="rId3"/>
+          </a:graphicData>
+        </a:graphic>
+      </p:graphicFrame>
+      <p:sp>
+        <p:nvSpPr>
+          <p:cNvPr id="7" name="ZoneTexte 6">
+            <a:extLst>
+              <a:ext uri="{FF2B5EF4-FFF2-40B4-BE49-F238E27FC236}">
+                <a16:creationId xmlns:a16="http://schemas.microsoft.com/office/drawing/2014/main" id="{710AB8B4-2771-4297-805F-BFE12BF10CB0}"/>
+              </a:ext>
+            </a:extLst>
+          </p:cNvPr>
+          <p:cNvSpPr txBox="1"/>
+          <p:nvPr/>
+        </p:nvSpPr>
+        <p:spPr>
+          <a:xfrm>
+            <a:off x="1700876" y="2467949"/>
+            <a:ext cx="3751317" cy="338554"/>
+          </a:xfrm>
+          <a:prstGeom prst="rect">
+            <a:avLst/>
+          </a:prstGeom>
+          <a:noFill/>
+        </p:spPr>
+        <p:txBody>
+          <a:bodyPr wrap="square" rtlCol="0">
+            <a:spAutoFit/>
+          </a:bodyPr>
+          <a:lstStyle/>
+          <a:p>
+            <a:r>
+              <a:rPr lang="fr-FR" sz="1600" dirty="0">
+                <a:solidFill>
+                  <a:schemeClr val="bg2">
+                    <a:lumMod val="25000"/>
+                  </a:schemeClr>
+                </a:solidFill>
+              </a:rPr>
+              <a:t>Nombre de consultations par employé</a:t>
+            </a:r>
           </a:p>
         </p:txBody>
       </p:sp>
@@ -7269,10 +8736,10 @@
       </p:grpSpPr>
       <p:sp>
         <p:nvSpPr>
-          <p:cNvPr id="2" name="Rectangle 1">
-            <a:extLst>
-              <a:ext uri="{FF2B5EF4-FFF2-40B4-BE49-F238E27FC236}">
-                <a16:creationId xmlns:a16="http://schemas.microsoft.com/office/drawing/2014/main" id="{DF9DDADC-40F1-466D-AF36-22D3728C1040}"/>
+          <p:cNvPr id="55" name="Rectangle 54">
+            <a:extLst>
+              <a:ext uri="{FF2B5EF4-FFF2-40B4-BE49-F238E27FC236}">
+                <a16:creationId xmlns:a16="http://schemas.microsoft.com/office/drawing/2014/main" id="{1BCDC49F-67D5-4C89-ADEF-9C7B2E261B35}"/>
               </a:ext>
             </a:extLst>
           </p:cNvPr>
@@ -7281,7 +8748,7 @@
         </p:nvSpPr>
         <p:spPr>
           <a:xfrm>
-            <a:off x="0" y="0"/>
+            <a:off x="-9525" y="0"/>
             <a:ext cx="12192000" cy="6858000"/>
           </a:xfrm>
           <a:prstGeom prst="rect">
@@ -7388,939 +8855,10 @@
       </p:sp>
       <p:sp>
         <p:nvSpPr>
-          <p:cNvPr id="10" name="ZoneTexte 9">
-            <a:extLst>
-              <a:ext uri="{FF2B5EF4-FFF2-40B4-BE49-F238E27FC236}">
-                <a16:creationId xmlns:a16="http://schemas.microsoft.com/office/drawing/2014/main" id="{7C1A2CC5-AF5B-4B38-B89F-FF0236A2C362}"/>
-              </a:ext>
-            </a:extLst>
-          </p:cNvPr>
-          <p:cNvSpPr txBox="1"/>
-          <p:nvPr/>
-        </p:nvSpPr>
-        <p:spPr>
-          <a:xfrm>
-            <a:off x="274951" y="1598391"/>
-            <a:ext cx="7048082" cy="646331"/>
-          </a:xfrm>
-          <a:prstGeom prst="rect">
-            <a:avLst/>
-          </a:prstGeom>
-          <a:noFill/>
-        </p:spPr>
-        <p:txBody>
-          <a:bodyPr wrap="square" rtlCol="0">
-            <a:spAutoFit/>
-          </a:bodyPr>
-          <a:lstStyle/>
-          <a:p>
-            <a:r>
-              <a:rPr lang="fr-FR" sz="3600" dirty="0">
-                <a:latin typeface="Vladimir Script" panose="03050402040407070305" pitchFamily="66" charset="0"/>
-              </a:rPr>
-              <a:t>Mes dernières consultations </a:t>
-            </a:r>
-            <a:endParaRPr lang="fr-FR" dirty="0">
-              <a:latin typeface="Vladimir Script" panose="03050402040407070305" pitchFamily="66" charset="0"/>
-            </a:endParaRPr>
-          </a:p>
-        </p:txBody>
-      </p:sp>
-      <p:graphicFrame>
-        <p:nvGraphicFramePr>
-          <p:cNvPr id="11" name="Tableau 11">
-            <a:extLst>
-              <a:ext uri="{FF2B5EF4-FFF2-40B4-BE49-F238E27FC236}">
-                <a16:creationId xmlns:a16="http://schemas.microsoft.com/office/drawing/2014/main" id="{B26326E2-F58D-479A-90DF-D5BBC8B5317B}"/>
-              </a:ext>
-            </a:extLst>
-          </p:cNvPr>
-          <p:cNvGraphicFramePr>
-            <a:graphicFrameLocks noGrp="1"/>
-          </p:cNvGraphicFramePr>
-          <p:nvPr>
-            <p:extLst>
-              <p:ext uri="{D42A27DB-BD31-4B8C-83A1-F6EECF244321}">
-                <p14:modId xmlns:p14="http://schemas.microsoft.com/office/powerpoint/2010/main" val="2726370615"/>
-              </p:ext>
-            </p:extLst>
-          </p:nvPr>
-        </p:nvGraphicFramePr>
-        <p:xfrm>
-          <a:off x="1780448" y="2474397"/>
-          <a:ext cx="8886548" cy="2654227"/>
-        </p:xfrm>
-        <a:graphic>
-          <a:graphicData uri="http://schemas.openxmlformats.org/drawingml/2006/table">
-            <a:tbl>
-              <a:tblPr firstRow="1" bandRow="1">
-                <a:tableStyleId>{2D5ABB26-0587-4C30-8999-92F81FD0307C}</a:tableStyleId>
-              </a:tblPr>
-              <a:tblGrid>
-                <a:gridCol w="3488924">
-                  <a:extLst>
-                    <a:ext uri="{9D8B030D-6E8A-4147-A177-3AD203B41FA5}">
-                      <a16:colId xmlns:a16="http://schemas.microsoft.com/office/drawing/2014/main" val="3754576487"/>
-                    </a:ext>
-                  </a:extLst>
-                </a:gridCol>
-                <a:gridCol w="2175029">
-                  <a:extLst>
-                    <a:ext uri="{9D8B030D-6E8A-4147-A177-3AD203B41FA5}">
-                      <a16:colId xmlns:a16="http://schemas.microsoft.com/office/drawing/2014/main" val="2429600393"/>
-                    </a:ext>
-                  </a:extLst>
-                </a:gridCol>
-                <a:gridCol w="3222595">
-                  <a:extLst>
-                    <a:ext uri="{9D8B030D-6E8A-4147-A177-3AD203B41FA5}">
-                      <a16:colId xmlns:a16="http://schemas.microsoft.com/office/drawing/2014/main" val="4193473079"/>
-                    </a:ext>
-                  </a:extLst>
-                </a:gridCol>
-              </a:tblGrid>
-              <a:tr h="642119">
-                <a:tc>
-                  <a:txBody>
-                    <a:bodyPr/>
-                    <a:lstStyle/>
-                    <a:p>
-                      <a:pPr algn="ctr"/>
-                      <a:r>
-                        <a:rPr lang="fr-FR" dirty="0"/>
-                        <a:t>Madame Irma</a:t>
-                      </a:r>
-                    </a:p>
-                  </a:txBody>
-                  <a:tcPr anchor="ctr">
-                    <a:lnL w="12700" cap="flat" cmpd="sng" algn="ctr">
-                      <a:solidFill>
-                        <a:schemeClr val="tx1"/>
-                      </a:solidFill>
-                      <a:prstDash val="solid"/>
-                      <a:round/>
-                      <a:headEnd type="none" w="med" len="med"/>
-                      <a:tailEnd type="none" w="med" len="med"/>
-                    </a:lnL>
-                    <a:lnR w="12700" cap="flat" cmpd="sng" algn="ctr">
-                      <a:solidFill>
-                        <a:schemeClr val="tx1"/>
-                      </a:solidFill>
-                      <a:prstDash val="solid"/>
-                      <a:round/>
-                      <a:headEnd type="none" w="med" len="med"/>
-                      <a:tailEnd type="none" w="med" len="med"/>
-                    </a:lnR>
-                    <a:lnT w="12700" cap="flat" cmpd="sng" algn="ctr">
-                      <a:solidFill>
-                        <a:schemeClr val="tx1"/>
-                      </a:solidFill>
-                      <a:prstDash val="solid"/>
-                      <a:round/>
-                      <a:headEnd type="none" w="med" len="med"/>
-                      <a:tailEnd type="none" w="med" len="med"/>
-                    </a:lnT>
-                    <a:lnB w="12700" cap="flat" cmpd="sng" algn="ctr">
-                      <a:solidFill>
-                        <a:schemeClr val="tx1"/>
-                      </a:solidFill>
-                      <a:prstDash val="solid"/>
-                      <a:round/>
-                      <a:headEnd type="none" w="med" len="med"/>
-                      <a:tailEnd type="none" w="med" len="med"/>
-                    </a:lnB>
-                    <a:lnTlToBr w="12700" cmpd="sng">
-                      <a:noFill/>
-                      <a:prstDash val="solid"/>
-                    </a:lnTlToBr>
-                    <a:lnBlToTr w="12700" cmpd="sng">
-                      <a:noFill/>
-                      <a:prstDash val="solid"/>
-                    </a:lnBlToTr>
-                  </a:tcPr>
-                </a:tc>
-                <a:tc>
-                  <a:txBody>
-                    <a:bodyPr/>
-                    <a:lstStyle/>
-                    <a:p>
-                      <a:pPr algn="ctr"/>
-                      <a:r>
-                        <a:rPr lang="fr-FR" dirty="0"/>
-                        <a:t>28/03/2021</a:t>
-                      </a:r>
-                    </a:p>
-                  </a:txBody>
-                  <a:tcPr anchor="ctr">
-                    <a:lnL w="12700" cap="flat" cmpd="sng" algn="ctr">
-                      <a:solidFill>
-                        <a:schemeClr val="tx1"/>
-                      </a:solidFill>
-                      <a:prstDash val="solid"/>
-                      <a:round/>
-                      <a:headEnd type="none" w="med" len="med"/>
-                      <a:tailEnd type="none" w="med" len="med"/>
-                    </a:lnL>
-                    <a:lnR w="12700" cap="flat" cmpd="sng" algn="ctr">
-                      <a:solidFill>
-                        <a:schemeClr val="tx1"/>
-                      </a:solidFill>
-                      <a:prstDash val="solid"/>
-                      <a:round/>
-                      <a:headEnd type="none" w="med" len="med"/>
-                      <a:tailEnd type="none" w="med" len="med"/>
-                    </a:lnR>
-                    <a:lnT w="12700" cap="flat" cmpd="sng" algn="ctr">
-                      <a:solidFill>
-                        <a:schemeClr val="tx1"/>
-                      </a:solidFill>
-                      <a:prstDash val="solid"/>
-                      <a:round/>
-                      <a:headEnd type="none" w="med" len="med"/>
-                      <a:tailEnd type="none" w="med" len="med"/>
-                    </a:lnT>
-                    <a:lnB w="12700" cap="flat" cmpd="sng" algn="ctr">
-                      <a:solidFill>
-                        <a:schemeClr val="tx1"/>
-                      </a:solidFill>
-                      <a:prstDash val="solid"/>
-                      <a:round/>
-                      <a:headEnd type="none" w="med" len="med"/>
-                      <a:tailEnd type="none" w="med" len="med"/>
-                    </a:lnB>
-                    <a:lnTlToBr w="12700" cmpd="sng">
-                      <a:noFill/>
-                      <a:prstDash val="solid"/>
-                    </a:lnTlToBr>
-                    <a:lnBlToTr w="12700" cmpd="sng">
-                      <a:noFill/>
-                      <a:prstDash val="solid"/>
-                    </a:lnBlToTr>
-                  </a:tcPr>
-                </a:tc>
-                <a:tc>
-                  <a:txBody>
-                    <a:bodyPr/>
-                    <a:lstStyle/>
-                    <a:p>
-                      <a:pPr algn="ctr"/>
-                      <a:r>
-                        <a:rPr lang="fr-FR" u="sng" dirty="0"/>
-                        <a:t>Commenter cette consultation</a:t>
-                      </a:r>
-                    </a:p>
-                  </a:txBody>
-                  <a:tcPr anchor="ctr">
-                    <a:lnL w="12700" cap="flat" cmpd="sng" algn="ctr">
-                      <a:solidFill>
-                        <a:schemeClr val="tx1"/>
-                      </a:solidFill>
-                      <a:prstDash val="solid"/>
-                      <a:round/>
-                      <a:headEnd type="none" w="med" len="med"/>
-                      <a:tailEnd type="none" w="med" len="med"/>
-                    </a:lnL>
-                    <a:lnR w="12700" cap="flat" cmpd="sng" algn="ctr">
-                      <a:solidFill>
-                        <a:schemeClr val="tx1"/>
-                      </a:solidFill>
-                      <a:prstDash val="solid"/>
-                      <a:round/>
-                      <a:headEnd type="none" w="med" len="med"/>
-                      <a:tailEnd type="none" w="med" len="med"/>
-                    </a:lnR>
-                    <a:lnT w="12700" cap="flat" cmpd="sng" algn="ctr">
-                      <a:solidFill>
-                        <a:schemeClr val="tx1"/>
-                      </a:solidFill>
-                      <a:prstDash val="solid"/>
-                      <a:round/>
-                      <a:headEnd type="none" w="med" len="med"/>
-                      <a:tailEnd type="none" w="med" len="med"/>
-                    </a:lnT>
-                    <a:lnB w="12700" cap="flat" cmpd="sng" algn="ctr">
-                      <a:solidFill>
-                        <a:schemeClr val="tx1"/>
-                      </a:solidFill>
-                      <a:prstDash val="solid"/>
-                      <a:round/>
-                      <a:headEnd type="none" w="med" len="med"/>
-                      <a:tailEnd type="none" w="med" len="med"/>
-                    </a:lnB>
-                    <a:lnTlToBr w="12700" cmpd="sng">
-                      <a:noFill/>
-                      <a:prstDash val="solid"/>
-                    </a:lnTlToBr>
-                    <a:lnBlToTr w="12700" cmpd="sng">
-                      <a:noFill/>
-                      <a:prstDash val="solid"/>
-                    </a:lnBlToTr>
-                  </a:tcPr>
-                </a:tc>
-                <a:extLst>
-                  <a:ext uri="{0D108BD9-81ED-4DB2-BD59-A6C34878D82A}">
-                    <a16:rowId xmlns:a16="http://schemas.microsoft.com/office/drawing/2014/main" val="1275475859"/>
-                  </a:ext>
-                </a:extLst>
-              </a:tr>
-              <a:tr h="727870">
-                <a:tc>
-                  <a:txBody>
-                    <a:bodyPr/>
-                    <a:lstStyle/>
-                    <a:p>
-                      <a:pPr algn="ctr"/>
-                      <a:r>
-                        <a:rPr lang="fr-FR" dirty="0"/>
-                        <a:t>Magicarpe </a:t>
-                      </a:r>
-                    </a:p>
-                  </a:txBody>
-                  <a:tcPr anchor="ctr">
-                    <a:lnL w="12700" cap="flat" cmpd="sng" algn="ctr">
-                      <a:solidFill>
-                        <a:schemeClr val="tx1"/>
-                      </a:solidFill>
-                      <a:prstDash val="solid"/>
-                      <a:round/>
-                      <a:headEnd type="none" w="med" len="med"/>
-                      <a:tailEnd type="none" w="med" len="med"/>
-                    </a:lnL>
-                    <a:lnR w="12700" cap="flat" cmpd="sng" algn="ctr">
-                      <a:solidFill>
-                        <a:schemeClr val="tx1"/>
-                      </a:solidFill>
-                      <a:prstDash val="solid"/>
-                      <a:round/>
-                      <a:headEnd type="none" w="med" len="med"/>
-                      <a:tailEnd type="none" w="med" len="med"/>
-                    </a:lnR>
-                    <a:lnT w="12700" cap="flat" cmpd="sng" algn="ctr">
-                      <a:solidFill>
-                        <a:schemeClr val="tx1"/>
-                      </a:solidFill>
-                      <a:prstDash val="solid"/>
-                      <a:round/>
-                      <a:headEnd type="none" w="med" len="med"/>
-                      <a:tailEnd type="none" w="med" len="med"/>
-                    </a:lnT>
-                    <a:lnB w="12700" cap="flat" cmpd="sng" algn="ctr">
-                      <a:solidFill>
-                        <a:schemeClr val="tx1"/>
-                      </a:solidFill>
-                      <a:prstDash val="solid"/>
-                      <a:round/>
-                      <a:headEnd type="none" w="med" len="med"/>
-                      <a:tailEnd type="none" w="med" len="med"/>
-                    </a:lnB>
-                    <a:lnTlToBr w="12700" cmpd="sng">
-                      <a:noFill/>
-                      <a:prstDash val="solid"/>
-                    </a:lnTlToBr>
-                    <a:lnBlToTr w="12700" cmpd="sng">
-                      <a:noFill/>
-                      <a:prstDash val="solid"/>
-                    </a:lnBlToTr>
-                  </a:tcPr>
-                </a:tc>
-                <a:tc>
-                  <a:txBody>
-                    <a:bodyPr/>
-                    <a:lstStyle/>
-                    <a:p>
-                      <a:pPr algn="ctr"/>
-                      <a:r>
-                        <a:rPr lang="fr-FR" dirty="0"/>
-                        <a:t>01/03/2021</a:t>
-                      </a:r>
-                    </a:p>
-                  </a:txBody>
-                  <a:tcPr anchor="ctr">
-                    <a:lnL w="12700" cap="flat" cmpd="sng" algn="ctr">
-                      <a:solidFill>
-                        <a:schemeClr val="tx1"/>
-                      </a:solidFill>
-                      <a:prstDash val="solid"/>
-                      <a:round/>
-                      <a:headEnd type="none" w="med" len="med"/>
-                      <a:tailEnd type="none" w="med" len="med"/>
-                    </a:lnL>
-                    <a:lnR w="12700" cap="flat" cmpd="sng" algn="ctr">
-                      <a:solidFill>
-                        <a:schemeClr val="tx1"/>
-                      </a:solidFill>
-                      <a:prstDash val="solid"/>
-                      <a:round/>
-                      <a:headEnd type="none" w="med" len="med"/>
-                      <a:tailEnd type="none" w="med" len="med"/>
-                    </a:lnR>
-                    <a:lnT w="12700" cap="flat" cmpd="sng" algn="ctr">
-                      <a:solidFill>
-                        <a:schemeClr val="tx1"/>
-                      </a:solidFill>
-                      <a:prstDash val="solid"/>
-                      <a:round/>
-                      <a:headEnd type="none" w="med" len="med"/>
-                      <a:tailEnd type="none" w="med" len="med"/>
-                    </a:lnT>
-                    <a:lnB w="12700" cap="flat" cmpd="sng" algn="ctr">
-                      <a:solidFill>
-                        <a:schemeClr val="tx1"/>
-                      </a:solidFill>
-                      <a:prstDash val="solid"/>
-                      <a:round/>
-                      <a:headEnd type="none" w="med" len="med"/>
-                      <a:tailEnd type="none" w="med" len="med"/>
-                    </a:lnB>
-                    <a:lnTlToBr w="12700" cmpd="sng">
-                      <a:noFill/>
-                      <a:prstDash val="solid"/>
-                    </a:lnTlToBr>
-                    <a:lnBlToTr w="12700" cmpd="sng">
-                      <a:noFill/>
-                      <a:prstDash val="solid"/>
-                    </a:lnBlToTr>
-                  </a:tcPr>
-                </a:tc>
-                <a:tc>
-                  <a:txBody>
-                    <a:bodyPr/>
-                    <a:lstStyle/>
-                    <a:p>
-                      <a:pPr algn="ctr"/>
-                      <a:r>
-                        <a:rPr lang="fr-FR" dirty="0"/>
-                        <a:t>Modifier les commentaires </a:t>
-                      </a:r>
-                    </a:p>
-                  </a:txBody>
-                  <a:tcPr anchor="ctr">
-                    <a:lnL w="12700" cap="flat" cmpd="sng" algn="ctr">
-                      <a:solidFill>
-                        <a:schemeClr val="tx1"/>
-                      </a:solidFill>
-                      <a:prstDash val="solid"/>
-                      <a:round/>
-                      <a:headEnd type="none" w="med" len="med"/>
-                      <a:tailEnd type="none" w="med" len="med"/>
-                    </a:lnL>
-                    <a:lnR w="12700" cap="flat" cmpd="sng" algn="ctr">
-                      <a:solidFill>
-                        <a:schemeClr val="tx1"/>
-                      </a:solidFill>
-                      <a:prstDash val="solid"/>
-                      <a:round/>
-                      <a:headEnd type="none" w="med" len="med"/>
-                      <a:tailEnd type="none" w="med" len="med"/>
-                    </a:lnR>
-                    <a:lnT w="12700" cap="flat" cmpd="sng" algn="ctr">
-                      <a:solidFill>
-                        <a:schemeClr val="tx1"/>
-                      </a:solidFill>
-                      <a:prstDash val="solid"/>
-                      <a:round/>
-                      <a:headEnd type="none" w="med" len="med"/>
-                      <a:tailEnd type="none" w="med" len="med"/>
-                    </a:lnT>
-                    <a:lnB w="12700" cap="flat" cmpd="sng" algn="ctr">
-                      <a:solidFill>
-                        <a:schemeClr val="tx1"/>
-                      </a:solidFill>
-                      <a:prstDash val="solid"/>
-                      <a:round/>
-                      <a:headEnd type="none" w="med" len="med"/>
-                      <a:tailEnd type="none" w="med" len="med"/>
-                    </a:lnB>
-                    <a:lnTlToBr w="12700" cmpd="sng">
-                      <a:noFill/>
-                      <a:prstDash val="solid"/>
-                    </a:lnTlToBr>
-                    <a:lnBlToTr w="12700" cmpd="sng">
-                      <a:noFill/>
-                      <a:prstDash val="solid"/>
-                    </a:lnBlToTr>
-                  </a:tcPr>
-                </a:tc>
-                <a:extLst>
-                  <a:ext uri="{0D108BD9-81ED-4DB2-BD59-A6C34878D82A}">
-                    <a16:rowId xmlns:a16="http://schemas.microsoft.com/office/drawing/2014/main" val="645940441"/>
-                  </a:ext>
-                </a:extLst>
-              </a:tr>
-              <a:tr h="642119">
-                <a:tc>
-                  <a:txBody>
-                    <a:bodyPr/>
-                    <a:lstStyle/>
-                    <a:p>
-                      <a:pPr algn="ctr"/>
-                      <a:r>
-                        <a:rPr lang="fr-FR" dirty="0"/>
-                        <a:t>Madame Irma</a:t>
-                      </a:r>
-                    </a:p>
-                  </a:txBody>
-                  <a:tcPr anchor="ctr">
-                    <a:lnL w="12700" cap="flat" cmpd="sng" algn="ctr">
-                      <a:solidFill>
-                        <a:schemeClr val="tx1"/>
-                      </a:solidFill>
-                      <a:prstDash val="solid"/>
-                      <a:round/>
-                      <a:headEnd type="none" w="med" len="med"/>
-                      <a:tailEnd type="none" w="med" len="med"/>
-                    </a:lnL>
-                    <a:lnR w="12700" cap="flat" cmpd="sng" algn="ctr">
-                      <a:solidFill>
-                        <a:schemeClr val="tx1"/>
-                      </a:solidFill>
-                      <a:prstDash val="solid"/>
-                      <a:round/>
-                      <a:headEnd type="none" w="med" len="med"/>
-                      <a:tailEnd type="none" w="med" len="med"/>
-                    </a:lnR>
-                    <a:lnT w="12700" cap="flat" cmpd="sng" algn="ctr">
-                      <a:solidFill>
-                        <a:schemeClr val="tx1"/>
-                      </a:solidFill>
-                      <a:prstDash val="solid"/>
-                      <a:round/>
-                      <a:headEnd type="none" w="med" len="med"/>
-                      <a:tailEnd type="none" w="med" len="med"/>
-                    </a:lnT>
-                    <a:lnB w="12700" cap="flat" cmpd="sng" algn="ctr">
-                      <a:solidFill>
-                        <a:schemeClr val="tx1"/>
-                      </a:solidFill>
-                      <a:prstDash val="solid"/>
-                      <a:round/>
-                      <a:headEnd type="none" w="med" len="med"/>
-                      <a:tailEnd type="none" w="med" len="med"/>
-                    </a:lnB>
-                    <a:lnTlToBr w="12700" cmpd="sng">
-                      <a:noFill/>
-                      <a:prstDash val="solid"/>
-                    </a:lnTlToBr>
-                    <a:lnBlToTr w="12700" cmpd="sng">
-                      <a:noFill/>
-                      <a:prstDash val="solid"/>
-                    </a:lnBlToTr>
-                  </a:tcPr>
-                </a:tc>
-                <a:tc>
-                  <a:txBody>
-                    <a:bodyPr/>
-                    <a:lstStyle/>
-                    <a:p>
-                      <a:pPr algn="ctr"/>
-                      <a:r>
-                        <a:rPr lang="fr-FR" dirty="0"/>
-                        <a:t>20/02/2021</a:t>
-                      </a:r>
-                    </a:p>
-                  </a:txBody>
-                  <a:tcPr anchor="ctr">
-                    <a:lnL w="12700" cap="flat" cmpd="sng" algn="ctr">
-                      <a:solidFill>
-                        <a:schemeClr val="tx1"/>
-                      </a:solidFill>
-                      <a:prstDash val="solid"/>
-                      <a:round/>
-                      <a:headEnd type="none" w="med" len="med"/>
-                      <a:tailEnd type="none" w="med" len="med"/>
-                    </a:lnL>
-                    <a:lnR w="12700" cap="flat" cmpd="sng" algn="ctr">
-                      <a:solidFill>
-                        <a:schemeClr val="tx1"/>
-                      </a:solidFill>
-                      <a:prstDash val="solid"/>
-                      <a:round/>
-                      <a:headEnd type="none" w="med" len="med"/>
-                      <a:tailEnd type="none" w="med" len="med"/>
-                    </a:lnR>
-                    <a:lnT w="12700" cap="flat" cmpd="sng" algn="ctr">
-                      <a:solidFill>
-                        <a:schemeClr val="tx1"/>
-                      </a:solidFill>
-                      <a:prstDash val="solid"/>
-                      <a:round/>
-                      <a:headEnd type="none" w="med" len="med"/>
-                      <a:tailEnd type="none" w="med" len="med"/>
-                    </a:lnT>
-                    <a:lnB w="12700" cap="flat" cmpd="sng" algn="ctr">
-                      <a:solidFill>
-                        <a:schemeClr val="tx1"/>
-                      </a:solidFill>
-                      <a:prstDash val="solid"/>
-                      <a:round/>
-                      <a:headEnd type="none" w="med" len="med"/>
-                      <a:tailEnd type="none" w="med" len="med"/>
-                    </a:lnB>
-                    <a:lnTlToBr w="12700" cmpd="sng">
-                      <a:noFill/>
-                      <a:prstDash val="solid"/>
-                    </a:lnTlToBr>
-                    <a:lnBlToTr w="12700" cmpd="sng">
-                      <a:noFill/>
-                      <a:prstDash val="solid"/>
-                    </a:lnBlToTr>
-                  </a:tcPr>
-                </a:tc>
-                <a:tc>
-                  <a:txBody>
-                    <a:bodyPr/>
-                    <a:lstStyle/>
-                    <a:p>
-                      <a:pPr marL="0" marR="0" lvl="0" indent="0" algn="ctr" defTabSz="914400" rtl="0" eaLnBrk="1" fontAlgn="auto" latinLnBrk="0" hangingPunct="1">
-                        <a:lnSpc>
-                          <a:spcPct val="100000"/>
-                        </a:lnSpc>
-                        <a:spcBef>
-                          <a:spcPts val="0"/>
-                        </a:spcBef>
-                        <a:spcAft>
-                          <a:spcPts val="0"/>
-                        </a:spcAft>
-                        <a:buClrTx/>
-                        <a:buSzTx/>
-                        <a:buFontTx/>
-                        <a:buNone/>
-                        <a:tabLst/>
-                        <a:defRPr/>
-                      </a:pPr>
-                      <a:r>
-                        <a:rPr lang="fr-FR" dirty="0"/>
-                        <a:t>Modifier les commentaires </a:t>
-                      </a:r>
-                    </a:p>
-                  </a:txBody>
-                  <a:tcPr anchor="ctr">
-                    <a:lnL w="12700" cap="flat" cmpd="sng" algn="ctr">
-                      <a:solidFill>
-                        <a:schemeClr val="tx1"/>
-                      </a:solidFill>
-                      <a:prstDash val="solid"/>
-                      <a:round/>
-                      <a:headEnd type="none" w="med" len="med"/>
-                      <a:tailEnd type="none" w="med" len="med"/>
-                    </a:lnL>
-                    <a:lnR w="12700" cap="flat" cmpd="sng" algn="ctr">
-                      <a:solidFill>
-                        <a:schemeClr val="tx1"/>
-                      </a:solidFill>
-                      <a:prstDash val="solid"/>
-                      <a:round/>
-                      <a:headEnd type="none" w="med" len="med"/>
-                      <a:tailEnd type="none" w="med" len="med"/>
-                    </a:lnR>
-                    <a:lnT w="12700" cap="flat" cmpd="sng" algn="ctr">
-                      <a:solidFill>
-                        <a:schemeClr val="tx1"/>
-                      </a:solidFill>
-                      <a:prstDash val="solid"/>
-                      <a:round/>
-                      <a:headEnd type="none" w="med" len="med"/>
-                      <a:tailEnd type="none" w="med" len="med"/>
-                    </a:lnT>
-                    <a:lnB w="12700" cap="flat" cmpd="sng" algn="ctr">
-                      <a:solidFill>
-                        <a:schemeClr val="tx1"/>
-                      </a:solidFill>
-                      <a:prstDash val="solid"/>
-                      <a:round/>
-                      <a:headEnd type="none" w="med" len="med"/>
-                      <a:tailEnd type="none" w="med" len="med"/>
-                    </a:lnB>
-                    <a:lnTlToBr w="12700" cmpd="sng">
-                      <a:noFill/>
-                      <a:prstDash val="solid"/>
-                    </a:lnTlToBr>
-                    <a:lnBlToTr w="12700" cmpd="sng">
-                      <a:noFill/>
-                      <a:prstDash val="solid"/>
-                    </a:lnBlToTr>
-                  </a:tcPr>
-                </a:tc>
-                <a:extLst>
-                  <a:ext uri="{0D108BD9-81ED-4DB2-BD59-A6C34878D82A}">
-                    <a16:rowId xmlns:a16="http://schemas.microsoft.com/office/drawing/2014/main" val="2967440278"/>
-                  </a:ext>
-                </a:extLst>
-              </a:tr>
-              <a:tr h="642119">
-                <a:tc>
-                  <a:txBody>
-                    <a:bodyPr/>
-                    <a:lstStyle/>
-                    <a:p>
-                      <a:pPr algn="ctr"/>
-                      <a:r>
-                        <a:rPr lang="fr-FR" dirty="0" err="1"/>
-                        <a:t>Devin’tou</a:t>
-                      </a:r>
-                      <a:endParaRPr lang="fr-FR" dirty="0"/>
-                    </a:p>
-                  </a:txBody>
-                  <a:tcPr anchor="ctr">
-                    <a:lnL w="12700" cap="flat" cmpd="sng" algn="ctr">
-                      <a:solidFill>
-                        <a:schemeClr val="tx1"/>
-                      </a:solidFill>
-                      <a:prstDash val="solid"/>
-                      <a:round/>
-                      <a:headEnd type="none" w="med" len="med"/>
-                      <a:tailEnd type="none" w="med" len="med"/>
-                    </a:lnL>
-                    <a:lnR w="12700" cap="flat" cmpd="sng" algn="ctr">
-                      <a:solidFill>
-                        <a:schemeClr val="tx1"/>
-                      </a:solidFill>
-                      <a:prstDash val="solid"/>
-                      <a:round/>
-                      <a:headEnd type="none" w="med" len="med"/>
-                      <a:tailEnd type="none" w="med" len="med"/>
-                    </a:lnR>
-                    <a:lnT w="12700" cap="flat" cmpd="sng" algn="ctr">
-                      <a:solidFill>
-                        <a:schemeClr val="tx1"/>
-                      </a:solidFill>
-                      <a:prstDash val="solid"/>
-                      <a:round/>
-                      <a:headEnd type="none" w="med" len="med"/>
-                      <a:tailEnd type="none" w="med" len="med"/>
-                    </a:lnT>
-                    <a:lnB w="12700" cap="flat" cmpd="sng" algn="ctr">
-                      <a:solidFill>
-                        <a:schemeClr val="tx1"/>
-                      </a:solidFill>
-                      <a:prstDash val="solid"/>
-                      <a:round/>
-                      <a:headEnd type="none" w="med" len="med"/>
-                      <a:tailEnd type="none" w="med" len="med"/>
-                    </a:lnB>
-                    <a:lnTlToBr w="12700" cmpd="sng">
-                      <a:noFill/>
-                      <a:prstDash val="solid"/>
-                    </a:lnTlToBr>
-                    <a:lnBlToTr w="12700" cmpd="sng">
-                      <a:noFill/>
-                      <a:prstDash val="solid"/>
-                    </a:lnBlToTr>
-                  </a:tcPr>
-                </a:tc>
-                <a:tc>
-                  <a:txBody>
-                    <a:bodyPr/>
-                    <a:lstStyle/>
-                    <a:p>
-                      <a:pPr algn="ctr"/>
-                      <a:r>
-                        <a:rPr lang="fr-FR" dirty="0"/>
-                        <a:t>01/01/2021</a:t>
-                      </a:r>
-                    </a:p>
-                  </a:txBody>
-                  <a:tcPr anchor="ctr">
-                    <a:lnL w="12700" cap="flat" cmpd="sng" algn="ctr">
-                      <a:solidFill>
-                        <a:schemeClr val="tx1"/>
-                      </a:solidFill>
-                      <a:prstDash val="solid"/>
-                      <a:round/>
-                      <a:headEnd type="none" w="med" len="med"/>
-                      <a:tailEnd type="none" w="med" len="med"/>
-                    </a:lnL>
-                    <a:lnR w="12700" cap="flat" cmpd="sng" algn="ctr">
-                      <a:solidFill>
-                        <a:schemeClr val="tx1"/>
-                      </a:solidFill>
-                      <a:prstDash val="solid"/>
-                      <a:round/>
-                      <a:headEnd type="none" w="med" len="med"/>
-                      <a:tailEnd type="none" w="med" len="med"/>
-                    </a:lnR>
-                    <a:lnT w="12700" cap="flat" cmpd="sng" algn="ctr">
-                      <a:solidFill>
-                        <a:schemeClr val="tx1"/>
-                      </a:solidFill>
-                      <a:prstDash val="solid"/>
-                      <a:round/>
-                      <a:headEnd type="none" w="med" len="med"/>
-                      <a:tailEnd type="none" w="med" len="med"/>
-                    </a:lnT>
-                    <a:lnB w="12700" cap="flat" cmpd="sng" algn="ctr">
-                      <a:solidFill>
-                        <a:schemeClr val="tx1"/>
-                      </a:solidFill>
-                      <a:prstDash val="solid"/>
-                      <a:round/>
-                      <a:headEnd type="none" w="med" len="med"/>
-                      <a:tailEnd type="none" w="med" len="med"/>
-                    </a:lnB>
-                    <a:lnTlToBr w="12700" cmpd="sng">
-                      <a:noFill/>
-                      <a:prstDash val="solid"/>
-                    </a:lnTlToBr>
-                    <a:lnBlToTr w="12700" cmpd="sng">
-                      <a:noFill/>
-                      <a:prstDash val="solid"/>
-                    </a:lnBlToTr>
-                  </a:tcPr>
-                </a:tc>
-                <a:tc>
-                  <a:txBody>
-                    <a:bodyPr/>
-                    <a:lstStyle/>
-                    <a:p>
-                      <a:pPr marL="0" marR="0" lvl="0" indent="0" algn="ctr" defTabSz="914400" rtl="0" eaLnBrk="1" fontAlgn="auto" latinLnBrk="0" hangingPunct="1">
-                        <a:lnSpc>
-                          <a:spcPct val="100000"/>
-                        </a:lnSpc>
-                        <a:spcBef>
-                          <a:spcPts val="0"/>
-                        </a:spcBef>
-                        <a:spcAft>
-                          <a:spcPts val="0"/>
-                        </a:spcAft>
-                        <a:buClrTx/>
-                        <a:buSzTx/>
-                        <a:buFontTx/>
-                        <a:buNone/>
-                        <a:tabLst/>
-                        <a:defRPr/>
-                      </a:pPr>
-                      <a:r>
-                        <a:rPr lang="fr-FR" dirty="0"/>
-                        <a:t>Modifier les commentaires </a:t>
-                      </a:r>
-                    </a:p>
-                  </a:txBody>
-                  <a:tcPr anchor="ctr">
-                    <a:lnL w="12700" cap="flat" cmpd="sng" algn="ctr">
-                      <a:solidFill>
-                        <a:schemeClr val="tx1"/>
-                      </a:solidFill>
-                      <a:prstDash val="solid"/>
-                      <a:round/>
-                      <a:headEnd type="none" w="med" len="med"/>
-                      <a:tailEnd type="none" w="med" len="med"/>
-                    </a:lnL>
-                    <a:lnR w="12700" cap="flat" cmpd="sng" algn="ctr">
-                      <a:solidFill>
-                        <a:schemeClr val="tx1"/>
-                      </a:solidFill>
-                      <a:prstDash val="solid"/>
-                      <a:round/>
-                      <a:headEnd type="none" w="med" len="med"/>
-                      <a:tailEnd type="none" w="med" len="med"/>
-                    </a:lnR>
-                    <a:lnT w="12700" cap="flat" cmpd="sng" algn="ctr">
-                      <a:solidFill>
-                        <a:schemeClr val="tx1"/>
-                      </a:solidFill>
-                      <a:prstDash val="solid"/>
-                      <a:round/>
-                      <a:headEnd type="none" w="med" len="med"/>
-                      <a:tailEnd type="none" w="med" len="med"/>
-                    </a:lnT>
-                    <a:lnB w="12700" cap="flat" cmpd="sng" algn="ctr">
-                      <a:solidFill>
-                        <a:schemeClr val="tx1"/>
-                      </a:solidFill>
-                      <a:prstDash val="solid"/>
-                      <a:round/>
-                      <a:headEnd type="none" w="med" len="med"/>
-                      <a:tailEnd type="none" w="med" len="med"/>
-                    </a:lnB>
-                    <a:lnTlToBr w="12700" cmpd="sng">
-                      <a:noFill/>
-                      <a:prstDash val="solid"/>
-                    </a:lnTlToBr>
-                    <a:lnBlToTr w="12700" cmpd="sng">
-                      <a:noFill/>
-                      <a:prstDash val="solid"/>
-                    </a:lnBlToTr>
-                  </a:tcPr>
-                </a:tc>
-                <a:extLst>
-                  <a:ext uri="{0D108BD9-81ED-4DB2-BD59-A6C34878D82A}">
-                    <a16:rowId xmlns:a16="http://schemas.microsoft.com/office/drawing/2014/main" val="3894661761"/>
-                  </a:ext>
-                </a:extLst>
-              </a:tr>
-            </a:tbl>
-          </a:graphicData>
-        </a:graphic>
-      </p:graphicFrame>
-      <p:sp>
-        <p:nvSpPr>
-          <p:cNvPr id="33" name="Rectangle 32">
-            <a:extLst>
-              <a:ext uri="{FF2B5EF4-FFF2-40B4-BE49-F238E27FC236}">
-                <a16:creationId xmlns:a16="http://schemas.microsoft.com/office/drawing/2014/main" id="{2CC10811-51E9-47FE-B4A6-54D7BCDD5A05}"/>
-              </a:ext>
-            </a:extLst>
-          </p:cNvPr>
-          <p:cNvSpPr/>
-          <p:nvPr/>
-        </p:nvSpPr>
-        <p:spPr>
-          <a:xfrm rot="16200000">
-            <a:off x="6061700" y="-4911103"/>
-            <a:ext cx="68605" cy="12192001"/>
-          </a:xfrm>
-          <a:prstGeom prst="rect">
-            <a:avLst/>
-          </a:prstGeom>
-          <a:gradFill>
-            <a:gsLst>
-              <a:gs pos="94000">
-                <a:schemeClr val="accent1">
-                  <a:lumMod val="5000"/>
-                  <a:lumOff val="95000"/>
-                </a:schemeClr>
-              </a:gs>
-              <a:gs pos="60000">
-                <a:srgbClr val="7030A0"/>
-              </a:gs>
-            </a:gsLst>
-            <a:lin ang="5400000" scaled="1"/>
-          </a:gradFill>
-          <a:ln>
-            <a:noFill/>
-          </a:ln>
-        </p:spPr>
-        <p:style>
-          <a:lnRef idx="2">
-            <a:schemeClr val="accent1">
-              <a:shade val="50000"/>
-            </a:schemeClr>
-          </a:lnRef>
-          <a:fillRef idx="1">
-            <a:schemeClr val="accent1"/>
-          </a:fillRef>
-          <a:effectRef idx="0">
-            <a:schemeClr val="accent1"/>
-          </a:effectRef>
-          <a:fontRef idx="minor">
-            <a:schemeClr val="lt1"/>
-          </a:fontRef>
-        </p:style>
-        <p:txBody>
-          <a:bodyPr rtlCol="0" anchor="ctr"/>
-          <a:lstStyle/>
-          <a:p>
-            <a:pPr algn="ctr"/>
-            <a:endParaRPr lang="fr-FR"/>
-          </a:p>
-        </p:txBody>
-      </p:sp>
-      <p:sp>
-        <p:nvSpPr>
-          <p:cNvPr id="34" name="ZoneTexte 33">
-            <a:extLst>
-              <a:ext uri="{FF2B5EF4-FFF2-40B4-BE49-F238E27FC236}">
-                <a16:creationId xmlns:a16="http://schemas.microsoft.com/office/drawing/2014/main" id="{47C6805C-4C81-4E87-B1F2-E8132409AF94}"/>
+          <p:cNvPr id="24" name="ZoneTexte 23">
+            <a:extLst>
+              <a:ext uri="{FF2B5EF4-FFF2-40B4-BE49-F238E27FC236}">
+                <a16:creationId xmlns:a16="http://schemas.microsoft.com/office/drawing/2014/main" id="{CD502E2C-D1C6-47A0-A6DB-4C5F41B89FAC}"/>
               </a:ext>
             </a:extLst>
           </p:cNvPr>
@@ -8455,10 +8993,123 @@
       </p:sp>
       <p:sp>
         <p:nvSpPr>
-          <p:cNvPr id="37" name="ZoneTexte 36">
-            <a:extLst>
-              <a:ext uri="{FF2B5EF4-FFF2-40B4-BE49-F238E27FC236}">
-                <a16:creationId xmlns:a16="http://schemas.microsoft.com/office/drawing/2014/main" id="{44C746F5-ABBE-41C5-92B2-DA34F3389776}"/>
+          <p:cNvPr id="14" name="ZoneTexte 13">
+            <a:extLst>
+              <a:ext uri="{FF2B5EF4-FFF2-40B4-BE49-F238E27FC236}">
+                <a16:creationId xmlns:a16="http://schemas.microsoft.com/office/drawing/2014/main" id="{AB383BCF-7656-485D-8E1E-7BA81F35F68B}"/>
+              </a:ext>
+            </a:extLst>
+          </p:cNvPr>
+          <p:cNvSpPr txBox="1"/>
+          <p:nvPr/>
+        </p:nvSpPr>
+        <p:spPr>
+          <a:xfrm>
+            <a:off x="195308" y="1823606"/>
+            <a:ext cx="7048082" cy="646331"/>
+          </a:xfrm>
+          <a:prstGeom prst="rect">
+            <a:avLst/>
+          </a:prstGeom>
+          <a:noFill/>
+        </p:spPr>
+        <p:txBody>
+          <a:bodyPr wrap="square" rtlCol="0">
+            <a:spAutoFit/>
+          </a:bodyPr>
+          <a:lstStyle/>
+          <a:p>
+            <a:r>
+              <a:rPr lang="fr-FR" sz="3600" dirty="0">
+                <a:solidFill>
+                  <a:schemeClr val="bg2">
+                    <a:lumMod val="25000"/>
+                  </a:schemeClr>
+                </a:solidFill>
+                <a:latin typeface="Vladimir Script" panose="03050402040407070305" pitchFamily="66" charset="0"/>
+              </a:rPr>
+              <a:t>Statistiques de l’agence </a:t>
+            </a:r>
+            <a:endParaRPr lang="fr-FR" dirty="0">
+              <a:solidFill>
+                <a:schemeClr val="bg2">
+                  <a:lumMod val="25000"/>
+                </a:schemeClr>
+              </a:solidFill>
+              <a:latin typeface="Vladimir Script" panose="03050402040407070305" pitchFamily="66" charset="0"/>
+            </a:endParaRPr>
+          </a:p>
+        </p:txBody>
+      </p:sp>
+      <p:sp>
+        <p:nvSpPr>
+          <p:cNvPr id="44" name="Rectangle 43">
+            <a:extLst>
+              <a:ext uri="{FF2B5EF4-FFF2-40B4-BE49-F238E27FC236}">
+                <a16:creationId xmlns:a16="http://schemas.microsoft.com/office/drawing/2014/main" id="{4E31957F-517B-428E-9D39-EF665CC448A3}"/>
+              </a:ext>
+            </a:extLst>
+          </p:cNvPr>
+          <p:cNvSpPr/>
+          <p:nvPr/>
+        </p:nvSpPr>
+        <p:spPr>
+          <a:xfrm rot="16200000">
+            <a:off x="6061700" y="-4911103"/>
+            <a:ext cx="68605" cy="12192001"/>
+          </a:xfrm>
+          <a:prstGeom prst="rect">
+            <a:avLst/>
+          </a:prstGeom>
+          <a:gradFill>
+            <a:gsLst>
+              <a:gs pos="94000">
+                <a:schemeClr val="accent1">
+                  <a:lumMod val="5000"/>
+                  <a:lumOff val="95000"/>
+                </a:schemeClr>
+              </a:gs>
+              <a:gs pos="60000">
+                <a:srgbClr val="7030A0"/>
+              </a:gs>
+            </a:gsLst>
+            <a:lin ang="5400000" scaled="1"/>
+          </a:gradFill>
+          <a:ln>
+            <a:noFill/>
+          </a:ln>
+        </p:spPr>
+        <p:style>
+          <a:lnRef idx="2">
+            <a:schemeClr val="accent1">
+              <a:shade val="50000"/>
+            </a:schemeClr>
+          </a:lnRef>
+          <a:fillRef idx="1">
+            <a:schemeClr val="accent1"/>
+          </a:fillRef>
+          <a:effectRef idx="0">
+            <a:schemeClr val="accent1"/>
+          </a:effectRef>
+          <a:fontRef idx="minor">
+            <a:schemeClr val="lt1"/>
+          </a:fontRef>
+        </p:style>
+        <p:txBody>
+          <a:bodyPr rtlCol="0" anchor="ctr"/>
+          <a:lstStyle/>
+          <a:p>
+            <a:pPr algn="ctr"/>
+            <a:endParaRPr lang="fr-FR"/>
+          </a:p>
+        </p:txBody>
+      </p:sp>
+      <p:sp>
+        <p:nvSpPr>
+          <p:cNvPr id="53" name="ZoneTexte 52">
+            <a:extLst>
+              <a:ext uri="{FF2B5EF4-FFF2-40B4-BE49-F238E27FC236}">
+                <a16:creationId xmlns:a16="http://schemas.microsoft.com/office/drawing/2014/main" id="{191BCCFE-A24B-422D-8FE7-BDE7637FBA59}"/>
               </a:ext>
             </a:extLst>
           </p:cNvPr>
@@ -8492,10 +9143,10 @@
       </p:sp>
       <p:pic>
         <p:nvPicPr>
-          <p:cNvPr id="38" name="Image 37">
-            <a:extLst>
-              <a:ext uri="{FF2B5EF4-FFF2-40B4-BE49-F238E27FC236}">
-                <a16:creationId xmlns:a16="http://schemas.microsoft.com/office/drawing/2014/main" id="{66C58D36-CD87-4791-9960-BEF1FE107886}"/>
+          <p:cNvPr id="54" name="Image 53">
+            <a:extLst>
+              <a:ext uri="{FF2B5EF4-FFF2-40B4-BE49-F238E27FC236}">
+                <a16:creationId xmlns:a16="http://schemas.microsoft.com/office/drawing/2014/main" id="{2F3B937C-5D21-49B4-8D06-6F5D15C2265E}"/>
               </a:ext>
             </a:extLst>
           </p:cNvPr>
@@ -8547,10 +9198,10 @@
       </p:pic>
       <p:sp>
         <p:nvSpPr>
-          <p:cNvPr id="40" name="Rectangle : coins arrondis 39">
-            <a:extLst>
-              <a:ext uri="{FF2B5EF4-FFF2-40B4-BE49-F238E27FC236}">
-                <a16:creationId xmlns:a16="http://schemas.microsoft.com/office/drawing/2014/main" id="{6791D102-6603-4CB6-8589-6FEC65C020C8}"/>
+          <p:cNvPr id="56" name="Rectangle : coins arrondis 55">
+            <a:extLst>
+              <a:ext uri="{FF2B5EF4-FFF2-40B4-BE49-F238E27FC236}">
+                <a16:creationId xmlns:a16="http://schemas.microsoft.com/office/drawing/2014/main" id="{529B8D9B-1A76-4069-95E1-C8038767F2ED}"/>
               </a:ext>
             </a:extLst>
           </p:cNvPr>
@@ -8608,10 +9259,10 @@
       </p:sp>
       <p:sp>
         <p:nvSpPr>
-          <p:cNvPr id="41" name="Rectangle : coins arrondis 40">
-            <a:extLst>
-              <a:ext uri="{FF2B5EF4-FFF2-40B4-BE49-F238E27FC236}">
-                <a16:creationId xmlns:a16="http://schemas.microsoft.com/office/drawing/2014/main" id="{9020435A-C973-4FD3-839C-D88054295299}"/>
+          <p:cNvPr id="57" name="Rectangle : coins arrondis 56">
+            <a:extLst>
+              <a:ext uri="{FF2B5EF4-FFF2-40B4-BE49-F238E27FC236}">
+                <a16:creationId xmlns:a16="http://schemas.microsoft.com/office/drawing/2014/main" id="{C8C4DBD1-1322-42D9-B703-4F891D2D4524}"/>
               </a:ext>
             </a:extLst>
           </p:cNvPr>
@@ -8620,8 +9271,8 @@
         </p:nvSpPr>
         <p:spPr>
           <a:xfrm>
-            <a:off x="53341" y="1545446"/>
-            <a:ext cx="1770380" cy="45719"/>
+            <a:off x="1952376" y="1551080"/>
+            <a:ext cx="1080000" cy="45719"/>
           </a:xfrm>
           <a:prstGeom prst="roundRect">
             <a:avLst/>
@@ -8658,10 +9309,552 @@
           </a:p>
         </p:txBody>
       </p:sp>
+      <p:pic>
+        <p:nvPicPr>
+          <p:cNvPr id="1026" name="Picture 2" descr="Afficher l’image source">
+            <a:extLst>
+              <a:ext uri="{FF2B5EF4-FFF2-40B4-BE49-F238E27FC236}">
+                <a16:creationId xmlns:a16="http://schemas.microsoft.com/office/drawing/2014/main" id="{00EA65C5-1B64-4916-877F-FE2CB84C588D}"/>
+              </a:ext>
+            </a:extLst>
+          </p:cNvPr>
+          <p:cNvPicPr>
+            <a:picLocks noChangeAspect="1" noChangeArrowheads="1"/>
+          </p:cNvPicPr>
+          <p:nvPr/>
+        </p:nvPicPr>
+        <p:blipFill>
+          <a:blip r:embed="rId3">
+            <a:clrChange>
+              <a:clrFrom>
+                <a:srgbClr val="440E62"/>
+              </a:clrFrom>
+              <a:clrTo>
+                <a:srgbClr val="440E62">
+                  <a:alpha val="0"/>
+                </a:srgbClr>
+              </a:clrTo>
+            </a:clrChange>
+            <a:extLst>
+              <a:ext uri="{28A0092B-C50C-407E-A947-70E740481C1C}">
+                <a14:useLocalDpi xmlns:a14="http://schemas.microsoft.com/office/drawing/2010/main" val="0"/>
+              </a:ext>
+            </a:extLst>
+          </a:blip>
+          <a:srcRect/>
+          <a:stretch>
+            <a:fillRect/>
+          </a:stretch>
+        </p:blipFill>
+        <p:spPr bwMode="auto">
+          <a:xfrm>
+            <a:off x="1153079" y="3000244"/>
+            <a:ext cx="4942921" cy="2775640"/>
+          </a:xfrm>
+          <a:prstGeom prst="rect">
+            <a:avLst/>
+          </a:prstGeom>
+          <a:noFill/>
+          <a:extLst>
+            <a:ext uri="{909E8E84-426E-40DD-AFC4-6F175D3DCCD1}">
+              <a14:hiddenFill xmlns:a14="http://schemas.microsoft.com/office/drawing/2010/main">
+                <a:solidFill>
+                  <a:srgbClr val="FFFFFF"/>
+                </a:solidFill>
+              </a14:hiddenFill>
+            </a:ext>
+          </a:extLst>
+        </p:spPr>
+      </p:pic>
+      <p:pic>
+        <p:nvPicPr>
+          <p:cNvPr id="36" name="Picture 2" descr="Afficher l’image source">
+            <a:extLst>
+              <a:ext uri="{FF2B5EF4-FFF2-40B4-BE49-F238E27FC236}">
+                <a16:creationId xmlns:a16="http://schemas.microsoft.com/office/drawing/2014/main" id="{80E83625-26CA-42EB-A781-2205AADC5FF3}"/>
+              </a:ext>
+            </a:extLst>
+          </p:cNvPr>
+          <p:cNvPicPr>
+            <a:picLocks noChangeAspect="1" noChangeArrowheads="1"/>
+          </p:cNvPicPr>
+          <p:nvPr/>
+        </p:nvPicPr>
+        <p:blipFill>
+          <a:blip r:embed="rId3">
+            <a:clrChange>
+              <a:clrFrom>
+                <a:srgbClr val="440E62"/>
+              </a:clrFrom>
+              <a:clrTo>
+                <a:srgbClr val="440E62">
+                  <a:alpha val="0"/>
+                </a:srgbClr>
+              </a:clrTo>
+            </a:clrChange>
+            <a:extLst>
+              <a:ext uri="{28A0092B-C50C-407E-A947-70E740481C1C}">
+                <a14:useLocalDpi xmlns:a14="http://schemas.microsoft.com/office/drawing/2010/main" val="0"/>
+              </a:ext>
+            </a:extLst>
+          </a:blip>
+          <a:srcRect/>
+          <a:stretch>
+            <a:fillRect/>
+          </a:stretch>
+        </p:blipFill>
+        <p:spPr bwMode="auto">
+          <a:xfrm>
+            <a:off x="6292660" y="2993472"/>
+            <a:ext cx="4942921" cy="2775640"/>
+          </a:xfrm>
+          <a:prstGeom prst="rect">
+            <a:avLst/>
+          </a:prstGeom>
+          <a:noFill/>
+          <a:extLst>
+            <a:ext uri="{909E8E84-426E-40DD-AFC4-6F175D3DCCD1}">
+              <a14:hiddenFill xmlns:a14="http://schemas.microsoft.com/office/drawing/2010/main">
+                <a:solidFill>
+                  <a:srgbClr val="FFFFFF"/>
+                </a:solidFill>
+              </a14:hiddenFill>
+            </a:ext>
+          </a:extLst>
+        </p:spPr>
+      </p:pic>
+      <p:sp>
+        <p:nvSpPr>
+          <p:cNvPr id="11" name="ZoneTexte 10">
+            <a:extLst>
+              <a:ext uri="{FF2B5EF4-FFF2-40B4-BE49-F238E27FC236}">
+                <a16:creationId xmlns:a16="http://schemas.microsoft.com/office/drawing/2014/main" id="{303DAC81-A4C2-4D88-BE9F-6F97576D89F9}"/>
+              </a:ext>
+            </a:extLst>
+          </p:cNvPr>
+          <p:cNvSpPr txBox="1"/>
+          <p:nvPr/>
+        </p:nvSpPr>
+        <p:spPr>
+          <a:xfrm>
+            <a:off x="8229600" y="2824195"/>
+            <a:ext cx="1464906" cy="338554"/>
+          </a:xfrm>
+          <a:prstGeom prst="rect">
+            <a:avLst/>
+          </a:prstGeom>
+          <a:noFill/>
+        </p:spPr>
+        <p:txBody>
+          <a:bodyPr wrap="square" rtlCol="0">
+            <a:spAutoFit/>
+          </a:bodyPr>
+          <a:lstStyle/>
+          <a:p>
+            <a:r>
+              <a:rPr lang="fr-FR" sz="1600" dirty="0"/>
+              <a:t>Mme Irma</a:t>
+            </a:r>
+          </a:p>
+        </p:txBody>
+      </p:sp>
+      <p:sp>
+        <p:nvSpPr>
+          <p:cNvPr id="37" name="ZoneTexte 36">
+            <a:extLst>
+              <a:ext uri="{FF2B5EF4-FFF2-40B4-BE49-F238E27FC236}">
+                <a16:creationId xmlns:a16="http://schemas.microsoft.com/office/drawing/2014/main" id="{FCC36FCD-C182-4771-8DA0-6CBCC1CEF269}"/>
+              </a:ext>
+            </a:extLst>
+          </p:cNvPr>
+          <p:cNvSpPr txBox="1"/>
+          <p:nvPr/>
+        </p:nvSpPr>
+        <p:spPr>
+          <a:xfrm>
+            <a:off x="7595126" y="3593902"/>
+            <a:ext cx="1082356" cy="338554"/>
+          </a:xfrm>
+          <a:prstGeom prst="rect">
+            <a:avLst/>
+          </a:prstGeom>
+          <a:noFill/>
+        </p:spPr>
+        <p:txBody>
+          <a:bodyPr wrap="square" rtlCol="0">
+            <a:spAutoFit/>
+          </a:bodyPr>
+          <a:lstStyle/>
+          <a:p>
+            <a:r>
+              <a:rPr lang="fr-FR" sz="1600" dirty="0"/>
+              <a:t>Trotaro</a:t>
+            </a:r>
+          </a:p>
+        </p:txBody>
+      </p:sp>
+      <p:sp>
+        <p:nvSpPr>
+          <p:cNvPr id="38" name="ZoneTexte 37">
+            <a:extLst>
+              <a:ext uri="{FF2B5EF4-FFF2-40B4-BE49-F238E27FC236}">
+                <a16:creationId xmlns:a16="http://schemas.microsoft.com/office/drawing/2014/main" id="{85FEFDA4-B6BC-44A4-A0F6-F5225843A7C4}"/>
+              </a:ext>
+            </a:extLst>
+          </p:cNvPr>
+          <p:cNvSpPr txBox="1"/>
+          <p:nvPr/>
+        </p:nvSpPr>
+        <p:spPr>
+          <a:xfrm>
+            <a:off x="9042660" y="3565655"/>
+            <a:ext cx="1082355" cy="338554"/>
+          </a:xfrm>
+          <a:prstGeom prst="rect">
+            <a:avLst/>
+          </a:prstGeom>
+          <a:noFill/>
+        </p:spPr>
+        <p:txBody>
+          <a:bodyPr wrap="square" rtlCol="0">
+            <a:spAutoFit/>
+          </a:bodyPr>
+          <a:lstStyle/>
+          <a:p>
+            <a:r>
+              <a:rPr lang="fr-FR" sz="1600" dirty="0"/>
+              <a:t>Magicarpe</a:t>
+            </a:r>
+          </a:p>
+        </p:txBody>
+      </p:sp>
+      <p:sp>
+        <p:nvSpPr>
+          <p:cNvPr id="39" name="ZoneTexte 38">
+            <a:extLst>
+              <a:ext uri="{FF2B5EF4-FFF2-40B4-BE49-F238E27FC236}">
+                <a16:creationId xmlns:a16="http://schemas.microsoft.com/office/drawing/2014/main" id="{61B5F325-AE15-49AE-AD54-9802910C13DD}"/>
+              </a:ext>
+            </a:extLst>
+          </p:cNvPr>
+          <p:cNvSpPr txBox="1"/>
+          <p:nvPr/>
+        </p:nvSpPr>
+        <p:spPr>
+          <a:xfrm>
+            <a:off x="6711826" y="4315469"/>
+            <a:ext cx="1082356" cy="338554"/>
+          </a:xfrm>
+          <a:prstGeom prst="rect">
+            <a:avLst/>
+          </a:prstGeom>
+          <a:noFill/>
+        </p:spPr>
+        <p:txBody>
+          <a:bodyPr wrap="square" rtlCol="0">
+            <a:spAutoFit/>
+          </a:bodyPr>
+          <a:lstStyle/>
+          <a:p>
+            <a:r>
+              <a:rPr lang="fr-FR" sz="1600" dirty="0"/>
+              <a:t>DivinAtor</a:t>
+            </a:r>
+          </a:p>
+        </p:txBody>
+      </p:sp>
+      <p:sp>
+        <p:nvSpPr>
+          <p:cNvPr id="40" name="ZoneTexte 39">
+            <a:extLst>
+              <a:ext uri="{FF2B5EF4-FFF2-40B4-BE49-F238E27FC236}">
+                <a16:creationId xmlns:a16="http://schemas.microsoft.com/office/drawing/2014/main" id="{F30DC8BC-AD43-46B9-8EAE-39E53B33B5B3}"/>
+              </a:ext>
+            </a:extLst>
+          </p:cNvPr>
+          <p:cNvSpPr txBox="1"/>
+          <p:nvPr/>
+        </p:nvSpPr>
+        <p:spPr>
+          <a:xfrm>
+            <a:off x="9837576" y="4147528"/>
+            <a:ext cx="1082356" cy="338554"/>
+          </a:xfrm>
+          <a:prstGeom prst="rect">
+            <a:avLst/>
+          </a:prstGeom>
+          <a:noFill/>
+        </p:spPr>
+        <p:txBody>
+          <a:bodyPr wrap="square" rtlCol="0">
+            <a:spAutoFit/>
+          </a:bodyPr>
+          <a:lstStyle/>
+          <a:p>
+            <a:r>
+              <a:rPr lang="fr-FR" sz="1600" dirty="0"/>
+              <a:t>Cartoman</a:t>
+            </a:r>
+          </a:p>
+        </p:txBody>
+      </p:sp>
+      <p:sp>
+        <p:nvSpPr>
+          <p:cNvPr id="41" name="ZoneTexte 40">
+            <a:extLst>
+              <a:ext uri="{FF2B5EF4-FFF2-40B4-BE49-F238E27FC236}">
+                <a16:creationId xmlns:a16="http://schemas.microsoft.com/office/drawing/2014/main" id="{6AA81F98-51E5-4FDD-9DBA-859D4C3A90C6}"/>
+              </a:ext>
+            </a:extLst>
+          </p:cNvPr>
+          <p:cNvSpPr txBox="1"/>
+          <p:nvPr/>
+        </p:nvSpPr>
+        <p:spPr>
+          <a:xfrm>
+            <a:off x="3203515" y="2827302"/>
+            <a:ext cx="1464906" cy="338554"/>
+          </a:xfrm>
+          <a:prstGeom prst="rect">
+            <a:avLst/>
+          </a:prstGeom>
+          <a:noFill/>
+        </p:spPr>
+        <p:txBody>
+          <a:bodyPr wrap="square" rtlCol="0">
+            <a:spAutoFit/>
+          </a:bodyPr>
+          <a:lstStyle/>
+          <a:p>
+            <a:r>
+              <a:rPr lang="fr-FR" sz="1600" dirty="0"/>
+              <a:t>Camille</a:t>
+            </a:r>
+          </a:p>
+        </p:txBody>
+      </p:sp>
+      <p:sp>
+        <p:nvSpPr>
+          <p:cNvPr id="42" name="ZoneTexte 41">
+            <a:extLst>
+              <a:ext uri="{FF2B5EF4-FFF2-40B4-BE49-F238E27FC236}">
+                <a16:creationId xmlns:a16="http://schemas.microsoft.com/office/drawing/2014/main" id="{FDBE17D2-F449-41BF-9765-FD88CA4D6886}"/>
+              </a:ext>
+            </a:extLst>
+          </p:cNvPr>
+          <p:cNvSpPr txBox="1"/>
+          <p:nvPr/>
+        </p:nvSpPr>
+        <p:spPr>
+          <a:xfrm>
+            <a:off x="2606363" y="3597009"/>
+            <a:ext cx="1082356" cy="338554"/>
+          </a:xfrm>
+          <a:prstGeom prst="rect">
+            <a:avLst/>
+          </a:prstGeom>
+          <a:noFill/>
+        </p:spPr>
+        <p:txBody>
+          <a:bodyPr wrap="square" rtlCol="0">
+            <a:spAutoFit/>
+          </a:bodyPr>
+          <a:lstStyle/>
+          <a:p>
+            <a:r>
+              <a:rPr lang="fr-FR" sz="1600" dirty="0"/>
+              <a:t>Eric</a:t>
+            </a:r>
+          </a:p>
+        </p:txBody>
+      </p:sp>
+      <p:sp>
+        <p:nvSpPr>
+          <p:cNvPr id="43" name="ZoneTexte 42">
+            <a:extLst>
+              <a:ext uri="{FF2B5EF4-FFF2-40B4-BE49-F238E27FC236}">
+                <a16:creationId xmlns:a16="http://schemas.microsoft.com/office/drawing/2014/main" id="{E7670177-E8AE-4DB3-A63E-1FF008874085}"/>
+              </a:ext>
+            </a:extLst>
+          </p:cNvPr>
+          <p:cNvSpPr txBox="1"/>
+          <p:nvPr/>
+        </p:nvSpPr>
+        <p:spPr>
+          <a:xfrm>
+            <a:off x="4100558" y="3559431"/>
+            <a:ext cx="1082355" cy="338554"/>
+          </a:xfrm>
+          <a:prstGeom prst="rect">
+            <a:avLst/>
+          </a:prstGeom>
+          <a:noFill/>
+        </p:spPr>
+        <p:txBody>
+          <a:bodyPr wrap="square" rtlCol="0">
+            <a:spAutoFit/>
+          </a:bodyPr>
+          <a:lstStyle/>
+          <a:p>
+            <a:r>
+              <a:rPr lang="fr-FR" sz="1600" dirty="0"/>
+              <a:t>Elise</a:t>
+            </a:r>
+          </a:p>
+        </p:txBody>
+      </p:sp>
+      <p:sp>
+        <p:nvSpPr>
+          <p:cNvPr id="45" name="ZoneTexte 44">
+            <a:extLst>
+              <a:ext uri="{FF2B5EF4-FFF2-40B4-BE49-F238E27FC236}">
+                <a16:creationId xmlns:a16="http://schemas.microsoft.com/office/drawing/2014/main" id="{91597333-4CB7-4255-856A-326A64799930}"/>
+              </a:ext>
+            </a:extLst>
+          </p:cNvPr>
+          <p:cNvSpPr txBox="1"/>
+          <p:nvPr/>
+        </p:nvSpPr>
+        <p:spPr>
+          <a:xfrm>
+            <a:off x="1685739" y="4318575"/>
+            <a:ext cx="1082356" cy="338554"/>
+          </a:xfrm>
+          <a:prstGeom prst="rect">
+            <a:avLst/>
+          </a:prstGeom>
+          <a:noFill/>
+        </p:spPr>
+        <p:txBody>
+          <a:bodyPr wrap="square" rtlCol="0">
+            <a:spAutoFit/>
+          </a:bodyPr>
+          <a:lstStyle/>
+          <a:p>
+            <a:r>
+              <a:rPr lang="fr-FR" sz="1600" dirty="0"/>
+              <a:t>Tatiana</a:t>
+            </a:r>
+          </a:p>
+        </p:txBody>
+      </p:sp>
+      <p:sp>
+        <p:nvSpPr>
+          <p:cNvPr id="46" name="ZoneTexte 45">
+            <a:extLst>
+              <a:ext uri="{FF2B5EF4-FFF2-40B4-BE49-F238E27FC236}">
+                <a16:creationId xmlns:a16="http://schemas.microsoft.com/office/drawing/2014/main" id="{F15B8A4A-E593-4FB8-B1A5-B411E5F2FAB2}"/>
+              </a:ext>
+            </a:extLst>
+          </p:cNvPr>
+          <p:cNvSpPr txBox="1"/>
+          <p:nvPr/>
+        </p:nvSpPr>
+        <p:spPr>
+          <a:xfrm>
+            <a:off x="4904798" y="4141304"/>
+            <a:ext cx="1082356" cy="338554"/>
+          </a:xfrm>
+          <a:prstGeom prst="rect">
+            <a:avLst/>
+          </a:prstGeom>
+          <a:noFill/>
+        </p:spPr>
+        <p:txBody>
+          <a:bodyPr wrap="square" rtlCol="0">
+            <a:spAutoFit/>
+          </a:bodyPr>
+          <a:lstStyle/>
+          <a:p>
+            <a:r>
+              <a:rPr lang="fr-FR" sz="1600" dirty="0"/>
+              <a:t>Fred</a:t>
+            </a:r>
+          </a:p>
+        </p:txBody>
+      </p:sp>
+      <p:sp>
+        <p:nvSpPr>
+          <p:cNvPr id="16" name="ZoneTexte 15">
+            <a:extLst>
+              <a:ext uri="{FF2B5EF4-FFF2-40B4-BE49-F238E27FC236}">
+                <a16:creationId xmlns:a16="http://schemas.microsoft.com/office/drawing/2014/main" id="{FCE741F9-E0E8-49F7-A6AD-2DDB7F548DCF}"/>
+              </a:ext>
+            </a:extLst>
+          </p:cNvPr>
+          <p:cNvSpPr txBox="1"/>
+          <p:nvPr/>
+        </p:nvSpPr>
+        <p:spPr>
+          <a:xfrm>
+            <a:off x="2601458" y="5787874"/>
+            <a:ext cx="2006082" cy="584775"/>
+          </a:xfrm>
+          <a:prstGeom prst="rect">
+            <a:avLst/>
+          </a:prstGeom>
+          <a:noFill/>
+        </p:spPr>
+        <p:txBody>
+          <a:bodyPr wrap="square" rtlCol="0">
+            <a:spAutoFit/>
+          </a:bodyPr>
+          <a:lstStyle/>
+          <a:p>
+            <a:r>
+              <a:rPr lang="fr-FR" sz="3200" dirty="0">
+                <a:solidFill>
+                  <a:schemeClr val="bg1"/>
+                </a:solidFill>
+              </a:rPr>
+              <a:t>EMPLOYES</a:t>
+            </a:r>
+          </a:p>
+        </p:txBody>
+      </p:sp>
+      <p:sp>
+        <p:nvSpPr>
+          <p:cNvPr id="47" name="ZoneTexte 46">
+            <a:extLst>
+              <a:ext uri="{FF2B5EF4-FFF2-40B4-BE49-F238E27FC236}">
+                <a16:creationId xmlns:a16="http://schemas.microsoft.com/office/drawing/2014/main" id="{ACCEC68C-9799-4AB9-9AF1-D76C1962BB35}"/>
+              </a:ext>
+            </a:extLst>
+          </p:cNvPr>
+          <p:cNvSpPr txBox="1"/>
+          <p:nvPr/>
+        </p:nvSpPr>
+        <p:spPr>
+          <a:xfrm>
+            <a:off x="7792383" y="5772322"/>
+            <a:ext cx="2006082" cy="584775"/>
+          </a:xfrm>
+          <a:prstGeom prst="rect">
+            <a:avLst/>
+          </a:prstGeom>
+          <a:noFill/>
+        </p:spPr>
+        <p:txBody>
+          <a:bodyPr wrap="square" rtlCol="0">
+            <a:spAutoFit/>
+          </a:bodyPr>
+          <a:lstStyle/>
+          <a:p>
+            <a:r>
+              <a:rPr lang="fr-FR" sz="3200" dirty="0">
+                <a:solidFill>
+                  <a:schemeClr val="bg1"/>
+                </a:solidFill>
+              </a:rPr>
+              <a:t>MEDIUMS</a:t>
+            </a:r>
+          </a:p>
+        </p:txBody>
+      </p:sp>
     </p:spTree>
     <p:extLst>
       <p:ext uri="{BB962C8B-B14F-4D97-AF65-F5344CB8AC3E}">
-        <p14:creationId xmlns:p14="http://schemas.microsoft.com/office/powerpoint/2010/main" val="3592533898"/>
+        <p14:creationId xmlns:p14="http://schemas.microsoft.com/office/powerpoint/2010/main" val="1739958079"/>
       </p:ext>
     </p:extLst>
   </p:cSld>
@@ -8671,7 +9864,7 @@
 </p:sld>
 </file>
 
-<file path=ppt/slides/slide2.xml><?xml version="1.0" encoding="utf-8"?>
+<file path=ppt/slides/slide12.xml><?xml version="1.0" encoding="utf-8"?>
 <p:sld xmlns:a="http://schemas.openxmlformats.org/drawingml/2006/main" xmlns:r="http://schemas.openxmlformats.org/officeDocument/2006/relationships" xmlns:p="http://schemas.openxmlformats.org/presentationml/2006/main">
   <p:cSld>
     <p:spTree>
@@ -8690,10 +9883,10 @@
       </p:grpSpPr>
       <p:sp>
         <p:nvSpPr>
-          <p:cNvPr id="55" name="Rectangle 54">
-            <a:extLst>
-              <a:ext uri="{FF2B5EF4-FFF2-40B4-BE49-F238E27FC236}">
-                <a16:creationId xmlns:a16="http://schemas.microsoft.com/office/drawing/2014/main" id="{1BCDC49F-67D5-4C89-ADEF-9C7B2E261B35}"/>
+          <p:cNvPr id="2" name="Rectangle 1">
+            <a:extLst>
+              <a:ext uri="{FF2B5EF4-FFF2-40B4-BE49-F238E27FC236}">
+                <a16:creationId xmlns:a16="http://schemas.microsoft.com/office/drawing/2014/main" id="{DF9DDADC-40F1-466D-AF36-22D3728C1040}"/>
               </a:ext>
             </a:extLst>
           </p:cNvPr>
@@ -8746,10 +9939,1090 @@
       </p:sp>
       <p:sp>
         <p:nvSpPr>
-          <p:cNvPr id="24" name="ZoneTexte 23">
-            <a:extLst>
-              <a:ext uri="{FF2B5EF4-FFF2-40B4-BE49-F238E27FC236}">
-                <a16:creationId xmlns:a16="http://schemas.microsoft.com/office/drawing/2014/main" id="{CD502E2C-D1C6-47A0-A6DB-4C5F41B89FAC}"/>
+          <p:cNvPr id="4" name="Rectangle 3">
+            <a:extLst>
+              <a:ext uri="{FF2B5EF4-FFF2-40B4-BE49-F238E27FC236}">
+                <a16:creationId xmlns:a16="http://schemas.microsoft.com/office/drawing/2014/main" id="{1EB5BEE5-3A67-4BA0-B613-F4F82D28FF5B}"/>
+              </a:ext>
+            </a:extLst>
+          </p:cNvPr>
+          <p:cNvSpPr/>
+          <p:nvPr/>
+        </p:nvSpPr>
+        <p:spPr>
+          <a:xfrm rot="16200000">
+            <a:off x="6061700" y="-4911103"/>
+            <a:ext cx="68605" cy="12192001"/>
+          </a:xfrm>
+          <a:prstGeom prst="rect">
+            <a:avLst/>
+          </a:prstGeom>
+          <a:gradFill>
+            <a:gsLst>
+              <a:gs pos="94000">
+                <a:schemeClr val="accent1">
+                  <a:lumMod val="5000"/>
+                  <a:lumOff val="95000"/>
+                </a:schemeClr>
+              </a:gs>
+              <a:gs pos="60000">
+                <a:srgbClr val="7030A0"/>
+              </a:gs>
+            </a:gsLst>
+            <a:lin ang="5400000" scaled="1"/>
+          </a:gradFill>
+          <a:ln>
+            <a:noFill/>
+          </a:ln>
+        </p:spPr>
+        <p:style>
+          <a:lnRef idx="2">
+            <a:schemeClr val="accent1">
+              <a:shade val="50000"/>
+            </a:schemeClr>
+          </a:lnRef>
+          <a:fillRef idx="1">
+            <a:schemeClr val="accent1"/>
+          </a:fillRef>
+          <a:effectRef idx="0">
+            <a:schemeClr val="accent1"/>
+          </a:effectRef>
+          <a:fontRef idx="minor">
+            <a:schemeClr val="lt1"/>
+          </a:fontRef>
+        </p:style>
+        <p:txBody>
+          <a:bodyPr rtlCol="0" anchor="ctr"/>
+          <a:lstStyle/>
+          <a:p>
+            <a:pPr algn="ctr"/>
+            <a:endParaRPr lang="fr-FR"/>
+          </a:p>
+        </p:txBody>
+      </p:sp>
+      <p:sp>
+        <p:nvSpPr>
+          <p:cNvPr id="10" name="ZoneTexte 9">
+            <a:extLst>
+              <a:ext uri="{FF2B5EF4-FFF2-40B4-BE49-F238E27FC236}">
+                <a16:creationId xmlns:a16="http://schemas.microsoft.com/office/drawing/2014/main" id="{7C1A2CC5-AF5B-4B38-B89F-FF0236A2C362}"/>
+              </a:ext>
+            </a:extLst>
+          </p:cNvPr>
+          <p:cNvSpPr txBox="1"/>
+          <p:nvPr/>
+        </p:nvSpPr>
+        <p:spPr>
+          <a:xfrm>
+            <a:off x="274951" y="1747687"/>
+            <a:ext cx="7048082" cy="646331"/>
+          </a:xfrm>
+          <a:prstGeom prst="rect">
+            <a:avLst/>
+          </a:prstGeom>
+          <a:noFill/>
+        </p:spPr>
+        <p:txBody>
+          <a:bodyPr wrap="square" rtlCol="0">
+            <a:spAutoFit/>
+          </a:bodyPr>
+          <a:lstStyle/>
+          <a:p>
+            <a:r>
+              <a:rPr lang="fr-FR" sz="3600" dirty="0">
+                <a:solidFill>
+                  <a:schemeClr val="bg2">
+                    <a:lumMod val="25000"/>
+                  </a:schemeClr>
+                </a:solidFill>
+                <a:latin typeface="Vladimir Script" panose="03050402040407070305" pitchFamily="66" charset="0"/>
+              </a:rPr>
+              <a:t>Mes dernières consultations </a:t>
+            </a:r>
+            <a:endParaRPr lang="fr-FR" dirty="0">
+              <a:solidFill>
+                <a:schemeClr val="bg2">
+                  <a:lumMod val="25000"/>
+                </a:schemeClr>
+              </a:solidFill>
+              <a:latin typeface="Vladimir Script" panose="03050402040407070305" pitchFamily="66" charset="0"/>
+            </a:endParaRPr>
+          </a:p>
+        </p:txBody>
+      </p:sp>
+      <p:graphicFrame>
+        <p:nvGraphicFramePr>
+          <p:cNvPr id="11" name="Tableau 11">
+            <a:extLst>
+              <a:ext uri="{FF2B5EF4-FFF2-40B4-BE49-F238E27FC236}">
+                <a16:creationId xmlns:a16="http://schemas.microsoft.com/office/drawing/2014/main" id="{B26326E2-F58D-479A-90DF-D5BBC8B5317B}"/>
+              </a:ext>
+            </a:extLst>
+          </p:cNvPr>
+          <p:cNvGraphicFramePr>
+            <a:graphicFrameLocks noGrp="1"/>
+          </p:cNvGraphicFramePr>
+          <p:nvPr>
+            <p:extLst>
+              <p:ext uri="{D42A27DB-BD31-4B8C-83A1-F6EECF244321}">
+                <p14:modId xmlns:p14="http://schemas.microsoft.com/office/powerpoint/2010/main" val="2421842341"/>
+              </p:ext>
+            </p:extLst>
+          </p:nvPr>
+        </p:nvGraphicFramePr>
+        <p:xfrm>
+          <a:off x="1780448" y="2698341"/>
+          <a:ext cx="8886548" cy="2654227"/>
+        </p:xfrm>
+        <a:graphic>
+          <a:graphicData uri="http://schemas.openxmlformats.org/drawingml/2006/table">
+            <a:tbl>
+              <a:tblPr firstRow="1" bandRow="1">
+                <a:tableStyleId>{2D5ABB26-0587-4C30-8999-92F81FD0307C}</a:tableStyleId>
+              </a:tblPr>
+              <a:tblGrid>
+                <a:gridCol w="3488924">
+                  <a:extLst>
+                    <a:ext uri="{9D8B030D-6E8A-4147-A177-3AD203B41FA5}">
+                      <a16:colId xmlns:a16="http://schemas.microsoft.com/office/drawing/2014/main" val="3754576487"/>
+                    </a:ext>
+                  </a:extLst>
+                </a:gridCol>
+                <a:gridCol w="2175029">
+                  <a:extLst>
+                    <a:ext uri="{9D8B030D-6E8A-4147-A177-3AD203B41FA5}">
+                      <a16:colId xmlns:a16="http://schemas.microsoft.com/office/drawing/2014/main" val="2429600393"/>
+                    </a:ext>
+                  </a:extLst>
+                </a:gridCol>
+                <a:gridCol w="3222595">
+                  <a:extLst>
+                    <a:ext uri="{9D8B030D-6E8A-4147-A177-3AD203B41FA5}">
+                      <a16:colId xmlns:a16="http://schemas.microsoft.com/office/drawing/2014/main" val="4193473079"/>
+                    </a:ext>
+                  </a:extLst>
+                </a:gridCol>
+              </a:tblGrid>
+              <a:tr h="642119">
+                <a:tc>
+                  <a:txBody>
+                    <a:bodyPr/>
+                    <a:lstStyle/>
+                    <a:p>
+                      <a:pPr algn="ctr"/>
+                      <a:r>
+                        <a:rPr lang="fr-FR" dirty="0">
+                          <a:solidFill>
+                            <a:schemeClr val="bg2">
+                              <a:lumMod val="25000"/>
+                            </a:schemeClr>
+                          </a:solidFill>
+                        </a:rPr>
+                        <a:t>Madame Irma</a:t>
+                      </a:r>
+                    </a:p>
+                  </a:txBody>
+                  <a:tcPr anchor="ctr">
+                    <a:lnL w="12700" cap="flat" cmpd="sng" algn="ctr">
+                      <a:solidFill>
+                        <a:schemeClr val="tx1"/>
+                      </a:solidFill>
+                      <a:prstDash val="solid"/>
+                      <a:round/>
+                      <a:headEnd type="none" w="med" len="med"/>
+                      <a:tailEnd type="none" w="med" len="med"/>
+                    </a:lnL>
+                    <a:lnR w="12700" cap="flat" cmpd="sng" algn="ctr">
+                      <a:solidFill>
+                        <a:schemeClr val="tx1"/>
+                      </a:solidFill>
+                      <a:prstDash val="solid"/>
+                      <a:round/>
+                      <a:headEnd type="none" w="med" len="med"/>
+                      <a:tailEnd type="none" w="med" len="med"/>
+                    </a:lnR>
+                    <a:lnT w="12700" cap="flat" cmpd="sng" algn="ctr">
+                      <a:solidFill>
+                        <a:schemeClr val="tx1"/>
+                      </a:solidFill>
+                      <a:prstDash val="solid"/>
+                      <a:round/>
+                      <a:headEnd type="none" w="med" len="med"/>
+                      <a:tailEnd type="none" w="med" len="med"/>
+                    </a:lnT>
+                    <a:lnB w="12700" cap="flat" cmpd="sng" algn="ctr">
+                      <a:solidFill>
+                        <a:schemeClr val="tx1"/>
+                      </a:solidFill>
+                      <a:prstDash val="solid"/>
+                      <a:round/>
+                      <a:headEnd type="none" w="med" len="med"/>
+                      <a:tailEnd type="none" w="med" len="med"/>
+                    </a:lnB>
+                    <a:lnTlToBr w="12700" cmpd="sng">
+                      <a:noFill/>
+                      <a:prstDash val="solid"/>
+                    </a:lnTlToBr>
+                    <a:lnBlToTr w="12700" cmpd="sng">
+                      <a:noFill/>
+                      <a:prstDash val="solid"/>
+                    </a:lnBlToTr>
+                  </a:tcPr>
+                </a:tc>
+                <a:tc>
+                  <a:txBody>
+                    <a:bodyPr/>
+                    <a:lstStyle/>
+                    <a:p>
+                      <a:pPr algn="ctr"/>
+                      <a:r>
+                        <a:rPr lang="fr-FR" dirty="0">
+                          <a:solidFill>
+                            <a:schemeClr val="bg2">
+                              <a:lumMod val="25000"/>
+                            </a:schemeClr>
+                          </a:solidFill>
+                        </a:rPr>
+                        <a:t>28/03/2021</a:t>
+                      </a:r>
+                    </a:p>
+                  </a:txBody>
+                  <a:tcPr anchor="ctr">
+                    <a:lnL w="12700" cap="flat" cmpd="sng" algn="ctr">
+                      <a:solidFill>
+                        <a:schemeClr val="tx1"/>
+                      </a:solidFill>
+                      <a:prstDash val="solid"/>
+                      <a:round/>
+                      <a:headEnd type="none" w="med" len="med"/>
+                      <a:tailEnd type="none" w="med" len="med"/>
+                    </a:lnL>
+                    <a:lnR w="12700" cap="flat" cmpd="sng" algn="ctr">
+                      <a:solidFill>
+                        <a:schemeClr val="tx1"/>
+                      </a:solidFill>
+                      <a:prstDash val="solid"/>
+                      <a:round/>
+                      <a:headEnd type="none" w="med" len="med"/>
+                      <a:tailEnd type="none" w="med" len="med"/>
+                    </a:lnR>
+                    <a:lnT w="12700" cap="flat" cmpd="sng" algn="ctr">
+                      <a:solidFill>
+                        <a:schemeClr val="tx1"/>
+                      </a:solidFill>
+                      <a:prstDash val="solid"/>
+                      <a:round/>
+                      <a:headEnd type="none" w="med" len="med"/>
+                      <a:tailEnd type="none" w="med" len="med"/>
+                    </a:lnT>
+                    <a:lnB w="12700" cap="flat" cmpd="sng" algn="ctr">
+                      <a:solidFill>
+                        <a:schemeClr val="tx1"/>
+                      </a:solidFill>
+                      <a:prstDash val="solid"/>
+                      <a:round/>
+                      <a:headEnd type="none" w="med" len="med"/>
+                      <a:tailEnd type="none" w="med" len="med"/>
+                    </a:lnB>
+                    <a:lnTlToBr w="12700" cmpd="sng">
+                      <a:noFill/>
+                      <a:prstDash val="solid"/>
+                    </a:lnTlToBr>
+                    <a:lnBlToTr w="12700" cmpd="sng">
+                      <a:noFill/>
+                      <a:prstDash val="solid"/>
+                    </a:lnBlToTr>
+                  </a:tcPr>
+                </a:tc>
+                <a:tc>
+                  <a:txBody>
+                    <a:bodyPr/>
+                    <a:lstStyle/>
+                    <a:p>
+                      <a:pPr algn="ctr"/>
+                      <a:r>
+                        <a:rPr lang="fr-FR" u="sng" dirty="0">
+                          <a:solidFill>
+                            <a:schemeClr val="bg2">
+                              <a:lumMod val="25000"/>
+                            </a:schemeClr>
+                          </a:solidFill>
+                        </a:rPr>
+                        <a:t>Commenter cette consultation</a:t>
+                      </a:r>
+                    </a:p>
+                  </a:txBody>
+                  <a:tcPr anchor="ctr">
+                    <a:lnL w="12700" cap="flat" cmpd="sng" algn="ctr">
+                      <a:solidFill>
+                        <a:schemeClr val="tx1"/>
+                      </a:solidFill>
+                      <a:prstDash val="solid"/>
+                      <a:round/>
+                      <a:headEnd type="none" w="med" len="med"/>
+                      <a:tailEnd type="none" w="med" len="med"/>
+                    </a:lnL>
+                    <a:lnR w="12700" cap="flat" cmpd="sng" algn="ctr">
+                      <a:solidFill>
+                        <a:schemeClr val="tx1"/>
+                      </a:solidFill>
+                      <a:prstDash val="solid"/>
+                      <a:round/>
+                      <a:headEnd type="none" w="med" len="med"/>
+                      <a:tailEnd type="none" w="med" len="med"/>
+                    </a:lnR>
+                    <a:lnT w="12700" cap="flat" cmpd="sng" algn="ctr">
+                      <a:solidFill>
+                        <a:schemeClr val="tx1"/>
+                      </a:solidFill>
+                      <a:prstDash val="solid"/>
+                      <a:round/>
+                      <a:headEnd type="none" w="med" len="med"/>
+                      <a:tailEnd type="none" w="med" len="med"/>
+                    </a:lnT>
+                    <a:lnB w="12700" cap="flat" cmpd="sng" algn="ctr">
+                      <a:solidFill>
+                        <a:schemeClr val="tx1"/>
+                      </a:solidFill>
+                      <a:prstDash val="solid"/>
+                      <a:round/>
+                      <a:headEnd type="none" w="med" len="med"/>
+                      <a:tailEnd type="none" w="med" len="med"/>
+                    </a:lnB>
+                    <a:lnTlToBr w="12700" cmpd="sng">
+                      <a:noFill/>
+                      <a:prstDash val="solid"/>
+                    </a:lnTlToBr>
+                    <a:lnBlToTr w="12700" cmpd="sng">
+                      <a:noFill/>
+                      <a:prstDash val="solid"/>
+                    </a:lnBlToTr>
+                  </a:tcPr>
+                </a:tc>
+                <a:extLst>
+                  <a:ext uri="{0D108BD9-81ED-4DB2-BD59-A6C34878D82A}">
+                    <a16:rowId xmlns:a16="http://schemas.microsoft.com/office/drawing/2014/main" val="1275475859"/>
+                  </a:ext>
+                </a:extLst>
+              </a:tr>
+              <a:tr h="727870">
+                <a:tc>
+                  <a:txBody>
+                    <a:bodyPr/>
+                    <a:lstStyle/>
+                    <a:p>
+                      <a:pPr algn="ctr"/>
+                      <a:r>
+                        <a:rPr lang="fr-FR" dirty="0">
+                          <a:solidFill>
+                            <a:schemeClr val="bg2">
+                              <a:lumMod val="25000"/>
+                            </a:schemeClr>
+                          </a:solidFill>
+                        </a:rPr>
+                        <a:t>Magicarpe </a:t>
+                      </a:r>
+                    </a:p>
+                  </a:txBody>
+                  <a:tcPr anchor="ctr">
+                    <a:lnL w="12700" cap="flat" cmpd="sng" algn="ctr">
+                      <a:solidFill>
+                        <a:schemeClr val="tx1"/>
+                      </a:solidFill>
+                      <a:prstDash val="solid"/>
+                      <a:round/>
+                      <a:headEnd type="none" w="med" len="med"/>
+                      <a:tailEnd type="none" w="med" len="med"/>
+                    </a:lnL>
+                    <a:lnR w="12700" cap="flat" cmpd="sng" algn="ctr">
+                      <a:solidFill>
+                        <a:schemeClr val="tx1"/>
+                      </a:solidFill>
+                      <a:prstDash val="solid"/>
+                      <a:round/>
+                      <a:headEnd type="none" w="med" len="med"/>
+                      <a:tailEnd type="none" w="med" len="med"/>
+                    </a:lnR>
+                    <a:lnT w="12700" cap="flat" cmpd="sng" algn="ctr">
+                      <a:solidFill>
+                        <a:schemeClr val="tx1"/>
+                      </a:solidFill>
+                      <a:prstDash val="solid"/>
+                      <a:round/>
+                      <a:headEnd type="none" w="med" len="med"/>
+                      <a:tailEnd type="none" w="med" len="med"/>
+                    </a:lnT>
+                    <a:lnB w="12700" cap="flat" cmpd="sng" algn="ctr">
+                      <a:solidFill>
+                        <a:schemeClr val="tx1"/>
+                      </a:solidFill>
+                      <a:prstDash val="solid"/>
+                      <a:round/>
+                      <a:headEnd type="none" w="med" len="med"/>
+                      <a:tailEnd type="none" w="med" len="med"/>
+                    </a:lnB>
+                    <a:lnTlToBr w="12700" cmpd="sng">
+                      <a:noFill/>
+                      <a:prstDash val="solid"/>
+                    </a:lnTlToBr>
+                    <a:lnBlToTr w="12700" cmpd="sng">
+                      <a:noFill/>
+                      <a:prstDash val="solid"/>
+                    </a:lnBlToTr>
+                  </a:tcPr>
+                </a:tc>
+                <a:tc>
+                  <a:txBody>
+                    <a:bodyPr/>
+                    <a:lstStyle/>
+                    <a:p>
+                      <a:pPr algn="ctr"/>
+                      <a:r>
+                        <a:rPr lang="fr-FR" dirty="0">
+                          <a:solidFill>
+                            <a:schemeClr val="bg2">
+                              <a:lumMod val="25000"/>
+                            </a:schemeClr>
+                          </a:solidFill>
+                        </a:rPr>
+                        <a:t>01/03/2021</a:t>
+                      </a:r>
+                    </a:p>
+                  </a:txBody>
+                  <a:tcPr anchor="ctr">
+                    <a:lnL w="12700" cap="flat" cmpd="sng" algn="ctr">
+                      <a:solidFill>
+                        <a:schemeClr val="tx1"/>
+                      </a:solidFill>
+                      <a:prstDash val="solid"/>
+                      <a:round/>
+                      <a:headEnd type="none" w="med" len="med"/>
+                      <a:tailEnd type="none" w="med" len="med"/>
+                    </a:lnL>
+                    <a:lnR w="12700" cap="flat" cmpd="sng" algn="ctr">
+                      <a:solidFill>
+                        <a:schemeClr val="tx1"/>
+                      </a:solidFill>
+                      <a:prstDash val="solid"/>
+                      <a:round/>
+                      <a:headEnd type="none" w="med" len="med"/>
+                      <a:tailEnd type="none" w="med" len="med"/>
+                    </a:lnR>
+                    <a:lnT w="12700" cap="flat" cmpd="sng" algn="ctr">
+                      <a:solidFill>
+                        <a:schemeClr val="tx1"/>
+                      </a:solidFill>
+                      <a:prstDash val="solid"/>
+                      <a:round/>
+                      <a:headEnd type="none" w="med" len="med"/>
+                      <a:tailEnd type="none" w="med" len="med"/>
+                    </a:lnT>
+                    <a:lnB w="12700" cap="flat" cmpd="sng" algn="ctr">
+                      <a:solidFill>
+                        <a:schemeClr val="tx1"/>
+                      </a:solidFill>
+                      <a:prstDash val="solid"/>
+                      <a:round/>
+                      <a:headEnd type="none" w="med" len="med"/>
+                      <a:tailEnd type="none" w="med" len="med"/>
+                    </a:lnB>
+                    <a:lnTlToBr w="12700" cmpd="sng">
+                      <a:noFill/>
+                      <a:prstDash val="solid"/>
+                    </a:lnTlToBr>
+                    <a:lnBlToTr w="12700" cmpd="sng">
+                      <a:noFill/>
+                      <a:prstDash val="solid"/>
+                    </a:lnBlToTr>
+                  </a:tcPr>
+                </a:tc>
+                <a:tc>
+                  <a:txBody>
+                    <a:bodyPr/>
+                    <a:lstStyle/>
+                    <a:p>
+                      <a:pPr algn="ctr"/>
+                      <a:r>
+                        <a:rPr lang="fr-FR" dirty="0">
+                          <a:solidFill>
+                            <a:schemeClr val="bg2">
+                              <a:lumMod val="25000"/>
+                            </a:schemeClr>
+                          </a:solidFill>
+                        </a:rPr>
+                        <a:t>Modifier les commentaires </a:t>
+                      </a:r>
+                    </a:p>
+                  </a:txBody>
+                  <a:tcPr anchor="ctr">
+                    <a:lnL w="12700" cap="flat" cmpd="sng" algn="ctr">
+                      <a:solidFill>
+                        <a:schemeClr val="tx1"/>
+                      </a:solidFill>
+                      <a:prstDash val="solid"/>
+                      <a:round/>
+                      <a:headEnd type="none" w="med" len="med"/>
+                      <a:tailEnd type="none" w="med" len="med"/>
+                    </a:lnL>
+                    <a:lnR w="12700" cap="flat" cmpd="sng" algn="ctr">
+                      <a:solidFill>
+                        <a:schemeClr val="tx1"/>
+                      </a:solidFill>
+                      <a:prstDash val="solid"/>
+                      <a:round/>
+                      <a:headEnd type="none" w="med" len="med"/>
+                      <a:tailEnd type="none" w="med" len="med"/>
+                    </a:lnR>
+                    <a:lnT w="12700" cap="flat" cmpd="sng" algn="ctr">
+                      <a:solidFill>
+                        <a:schemeClr val="tx1"/>
+                      </a:solidFill>
+                      <a:prstDash val="solid"/>
+                      <a:round/>
+                      <a:headEnd type="none" w="med" len="med"/>
+                      <a:tailEnd type="none" w="med" len="med"/>
+                    </a:lnT>
+                    <a:lnB w="12700" cap="flat" cmpd="sng" algn="ctr">
+                      <a:solidFill>
+                        <a:schemeClr val="tx1"/>
+                      </a:solidFill>
+                      <a:prstDash val="solid"/>
+                      <a:round/>
+                      <a:headEnd type="none" w="med" len="med"/>
+                      <a:tailEnd type="none" w="med" len="med"/>
+                    </a:lnB>
+                    <a:lnTlToBr w="12700" cmpd="sng">
+                      <a:noFill/>
+                      <a:prstDash val="solid"/>
+                    </a:lnTlToBr>
+                    <a:lnBlToTr w="12700" cmpd="sng">
+                      <a:noFill/>
+                      <a:prstDash val="solid"/>
+                    </a:lnBlToTr>
+                  </a:tcPr>
+                </a:tc>
+                <a:extLst>
+                  <a:ext uri="{0D108BD9-81ED-4DB2-BD59-A6C34878D82A}">
+                    <a16:rowId xmlns:a16="http://schemas.microsoft.com/office/drawing/2014/main" val="645940441"/>
+                  </a:ext>
+                </a:extLst>
+              </a:tr>
+              <a:tr h="642119">
+                <a:tc>
+                  <a:txBody>
+                    <a:bodyPr/>
+                    <a:lstStyle/>
+                    <a:p>
+                      <a:pPr algn="ctr"/>
+                      <a:r>
+                        <a:rPr lang="fr-FR" dirty="0">
+                          <a:solidFill>
+                            <a:schemeClr val="bg2">
+                              <a:lumMod val="25000"/>
+                            </a:schemeClr>
+                          </a:solidFill>
+                        </a:rPr>
+                        <a:t>Madame Irma</a:t>
+                      </a:r>
+                    </a:p>
+                  </a:txBody>
+                  <a:tcPr anchor="ctr">
+                    <a:lnL w="12700" cap="flat" cmpd="sng" algn="ctr">
+                      <a:solidFill>
+                        <a:schemeClr val="tx1"/>
+                      </a:solidFill>
+                      <a:prstDash val="solid"/>
+                      <a:round/>
+                      <a:headEnd type="none" w="med" len="med"/>
+                      <a:tailEnd type="none" w="med" len="med"/>
+                    </a:lnL>
+                    <a:lnR w="12700" cap="flat" cmpd="sng" algn="ctr">
+                      <a:solidFill>
+                        <a:schemeClr val="tx1"/>
+                      </a:solidFill>
+                      <a:prstDash val="solid"/>
+                      <a:round/>
+                      <a:headEnd type="none" w="med" len="med"/>
+                      <a:tailEnd type="none" w="med" len="med"/>
+                    </a:lnR>
+                    <a:lnT w="12700" cap="flat" cmpd="sng" algn="ctr">
+                      <a:solidFill>
+                        <a:schemeClr val="tx1"/>
+                      </a:solidFill>
+                      <a:prstDash val="solid"/>
+                      <a:round/>
+                      <a:headEnd type="none" w="med" len="med"/>
+                      <a:tailEnd type="none" w="med" len="med"/>
+                    </a:lnT>
+                    <a:lnB w="12700" cap="flat" cmpd="sng" algn="ctr">
+                      <a:solidFill>
+                        <a:schemeClr val="tx1"/>
+                      </a:solidFill>
+                      <a:prstDash val="solid"/>
+                      <a:round/>
+                      <a:headEnd type="none" w="med" len="med"/>
+                      <a:tailEnd type="none" w="med" len="med"/>
+                    </a:lnB>
+                    <a:lnTlToBr w="12700" cmpd="sng">
+                      <a:noFill/>
+                      <a:prstDash val="solid"/>
+                    </a:lnTlToBr>
+                    <a:lnBlToTr w="12700" cmpd="sng">
+                      <a:noFill/>
+                      <a:prstDash val="solid"/>
+                    </a:lnBlToTr>
+                  </a:tcPr>
+                </a:tc>
+                <a:tc>
+                  <a:txBody>
+                    <a:bodyPr/>
+                    <a:lstStyle/>
+                    <a:p>
+                      <a:pPr algn="ctr"/>
+                      <a:r>
+                        <a:rPr lang="fr-FR" dirty="0">
+                          <a:solidFill>
+                            <a:schemeClr val="bg2">
+                              <a:lumMod val="25000"/>
+                            </a:schemeClr>
+                          </a:solidFill>
+                        </a:rPr>
+                        <a:t>20/02/2021</a:t>
+                      </a:r>
+                    </a:p>
+                  </a:txBody>
+                  <a:tcPr anchor="ctr">
+                    <a:lnL w="12700" cap="flat" cmpd="sng" algn="ctr">
+                      <a:solidFill>
+                        <a:schemeClr val="tx1"/>
+                      </a:solidFill>
+                      <a:prstDash val="solid"/>
+                      <a:round/>
+                      <a:headEnd type="none" w="med" len="med"/>
+                      <a:tailEnd type="none" w="med" len="med"/>
+                    </a:lnL>
+                    <a:lnR w="12700" cap="flat" cmpd="sng" algn="ctr">
+                      <a:solidFill>
+                        <a:schemeClr val="tx1"/>
+                      </a:solidFill>
+                      <a:prstDash val="solid"/>
+                      <a:round/>
+                      <a:headEnd type="none" w="med" len="med"/>
+                      <a:tailEnd type="none" w="med" len="med"/>
+                    </a:lnR>
+                    <a:lnT w="12700" cap="flat" cmpd="sng" algn="ctr">
+                      <a:solidFill>
+                        <a:schemeClr val="tx1"/>
+                      </a:solidFill>
+                      <a:prstDash val="solid"/>
+                      <a:round/>
+                      <a:headEnd type="none" w="med" len="med"/>
+                      <a:tailEnd type="none" w="med" len="med"/>
+                    </a:lnT>
+                    <a:lnB w="12700" cap="flat" cmpd="sng" algn="ctr">
+                      <a:solidFill>
+                        <a:schemeClr val="tx1"/>
+                      </a:solidFill>
+                      <a:prstDash val="solid"/>
+                      <a:round/>
+                      <a:headEnd type="none" w="med" len="med"/>
+                      <a:tailEnd type="none" w="med" len="med"/>
+                    </a:lnB>
+                    <a:lnTlToBr w="12700" cmpd="sng">
+                      <a:noFill/>
+                      <a:prstDash val="solid"/>
+                    </a:lnTlToBr>
+                    <a:lnBlToTr w="12700" cmpd="sng">
+                      <a:noFill/>
+                      <a:prstDash val="solid"/>
+                    </a:lnBlToTr>
+                  </a:tcPr>
+                </a:tc>
+                <a:tc>
+                  <a:txBody>
+                    <a:bodyPr/>
+                    <a:lstStyle/>
+                    <a:p>
+                      <a:pPr marL="0" marR="0" lvl="0" indent="0" algn="ctr" defTabSz="914400" rtl="0" eaLnBrk="1" fontAlgn="auto" latinLnBrk="0" hangingPunct="1">
+                        <a:lnSpc>
+                          <a:spcPct val="100000"/>
+                        </a:lnSpc>
+                        <a:spcBef>
+                          <a:spcPts val="0"/>
+                        </a:spcBef>
+                        <a:spcAft>
+                          <a:spcPts val="0"/>
+                        </a:spcAft>
+                        <a:buClrTx/>
+                        <a:buSzTx/>
+                        <a:buFontTx/>
+                        <a:buNone/>
+                        <a:tabLst/>
+                        <a:defRPr/>
+                      </a:pPr>
+                      <a:r>
+                        <a:rPr lang="fr-FR" dirty="0">
+                          <a:solidFill>
+                            <a:schemeClr val="bg2">
+                              <a:lumMod val="25000"/>
+                            </a:schemeClr>
+                          </a:solidFill>
+                        </a:rPr>
+                        <a:t>Modifier les commentaires </a:t>
+                      </a:r>
+                    </a:p>
+                  </a:txBody>
+                  <a:tcPr anchor="ctr">
+                    <a:lnL w="12700" cap="flat" cmpd="sng" algn="ctr">
+                      <a:solidFill>
+                        <a:schemeClr val="tx1"/>
+                      </a:solidFill>
+                      <a:prstDash val="solid"/>
+                      <a:round/>
+                      <a:headEnd type="none" w="med" len="med"/>
+                      <a:tailEnd type="none" w="med" len="med"/>
+                    </a:lnL>
+                    <a:lnR w="12700" cap="flat" cmpd="sng" algn="ctr">
+                      <a:solidFill>
+                        <a:schemeClr val="tx1"/>
+                      </a:solidFill>
+                      <a:prstDash val="solid"/>
+                      <a:round/>
+                      <a:headEnd type="none" w="med" len="med"/>
+                      <a:tailEnd type="none" w="med" len="med"/>
+                    </a:lnR>
+                    <a:lnT w="12700" cap="flat" cmpd="sng" algn="ctr">
+                      <a:solidFill>
+                        <a:schemeClr val="tx1"/>
+                      </a:solidFill>
+                      <a:prstDash val="solid"/>
+                      <a:round/>
+                      <a:headEnd type="none" w="med" len="med"/>
+                      <a:tailEnd type="none" w="med" len="med"/>
+                    </a:lnT>
+                    <a:lnB w="12700" cap="flat" cmpd="sng" algn="ctr">
+                      <a:solidFill>
+                        <a:schemeClr val="tx1"/>
+                      </a:solidFill>
+                      <a:prstDash val="solid"/>
+                      <a:round/>
+                      <a:headEnd type="none" w="med" len="med"/>
+                      <a:tailEnd type="none" w="med" len="med"/>
+                    </a:lnB>
+                    <a:lnTlToBr w="12700" cmpd="sng">
+                      <a:noFill/>
+                      <a:prstDash val="solid"/>
+                    </a:lnTlToBr>
+                    <a:lnBlToTr w="12700" cmpd="sng">
+                      <a:noFill/>
+                      <a:prstDash val="solid"/>
+                    </a:lnBlToTr>
+                  </a:tcPr>
+                </a:tc>
+                <a:extLst>
+                  <a:ext uri="{0D108BD9-81ED-4DB2-BD59-A6C34878D82A}">
+                    <a16:rowId xmlns:a16="http://schemas.microsoft.com/office/drawing/2014/main" val="2967440278"/>
+                  </a:ext>
+                </a:extLst>
+              </a:tr>
+              <a:tr h="642119">
+                <a:tc>
+                  <a:txBody>
+                    <a:bodyPr/>
+                    <a:lstStyle/>
+                    <a:p>
+                      <a:pPr algn="ctr"/>
+                      <a:r>
+                        <a:rPr lang="fr-FR" dirty="0" err="1">
+                          <a:solidFill>
+                            <a:schemeClr val="bg2">
+                              <a:lumMod val="25000"/>
+                            </a:schemeClr>
+                          </a:solidFill>
+                        </a:rPr>
+                        <a:t>Devin’tou</a:t>
+                      </a:r>
+                      <a:endParaRPr lang="fr-FR" dirty="0">
+                        <a:solidFill>
+                          <a:schemeClr val="bg2">
+                            <a:lumMod val="25000"/>
+                          </a:schemeClr>
+                        </a:solidFill>
+                      </a:endParaRPr>
+                    </a:p>
+                  </a:txBody>
+                  <a:tcPr anchor="ctr">
+                    <a:lnL w="12700" cap="flat" cmpd="sng" algn="ctr">
+                      <a:solidFill>
+                        <a:schemeClr val="tx1"/>
+                      </a:solidFill>
+                      <a:prstDash val="solid"/>
+                      <a:round/>
+                      <a:headEnd type="none" w="med" len="med"/>
+                      <a:tailEnd type="none" w="med" len="med"/>
+                    </a:lnL>
+                    <a:lnR w="12700" cap="flat" cmpd="sng" algn="ctr">
+                      <a:solidFill>
+                        <a:schemeClr val="tx1"/>
+                      </a:solidFill>
+                      <a:prstDash val="solid"/>
+                      <a:round/>
+                      <a:headEnd type="none" w="med" len="med"/>
+                      <a:tailEnd type="none" w="med" len="med"/>
+                    </a:lnR>
+                    <a:lnT w="12700" cap="flat" cmpd="sng" algn="ctr">
+                      <a:solidFill>
+                        <a:schemeClr val="tx1"/>
+                      </a:solidFill>
+                      <a:prstDash val="solid"/>
+                      <a:round/>
+                      <a:headEnd type="none" w="med" len="med"/>
+                      <a:tailEnd type="none" w="med" len="med"/>
+                    </a:lnT>
+                    <a:lnB w="12700" cap="flat" cmpd="sng" algn="ctr">
+                      <a:solidFill>
+                        <a:schemeClr val="tx1"/>
+                      </a:solidFill>
+                      <a:prstDash val="solid"/>
+                      <a:round/>
+                      <a:headEnd type="none" w="med" len="med"/>
+                      <a:tailEnd type="none" w="med" len="med"/>
+                    </a:lnB>
+                    <a:lnTlToBr w="12700" cmpd="sng">
+                      <a:noFill/>
+                      <a:prstDash val="solid"/>
+                    </a:lnTlToBr>
+                    <a:lnBlToTr w="12700" cmpd="sng">
+                      <a:noFill/>
+                      <a:prstDash val="solid"/>
+                    </a:lnBlToTr>
+                  </a:tcPr>
+                </a:tc>
+                <a:tc>
+                  <a:txBody>
+                    <a:bodyPr/>
+                    <a:lstStyle/>
+                    <a:p>
+                      <a:pPr algn="ctr"/>
+                      <a:r>
+                        <a:rPr lang="fr-FR" dirty="0">
+                          <a:solidFill>
+                            <a:schemeClr val="bg2">
+                              <a:lumMod val="25000"/>
+                            </a:schemeClr>
+                          </a:solidFill>
+                        </a:rPr>
+                        <a:t>01/01/2021</a:t>
+                      </a:r>
+                    </a:p>
+                  </a:txBody>
+                  <a:tcPr anchor="ctr">
+                    <a:lnL w="12700" cap="flat" cmpd="sng" algn="ctr">
+                      <a:solidFill>
+                        <a:schemeClr val="tx1"/>
+                      </a:solidFill>
+                      <a:prstDash val="solid"/>
+                      <a:round/>
+                      <a:headEnd type="none" w="med" len="med"/>
+                      <a:tailEnd type="none" w="med" len="med"/>
+                    </a:lnL>
+                    <a:lnR w="12700" cap="flat" cmpd="sng" algn="ctr">
+                      <a:solidFill>
+                        <a:schemeClr val="tx1"/>
+                      </a:solidFill>
+                      <a:prstDash val="solid"/>
+                      <a:round/>
+                      <a:headEnd type="none" w="med" len="med"/>
+                      <a:tailEnd type="none" w="med" len="med"/>
+                    </a:lnR>
+                    <a:lnT w="12700" cap="flat" cmpd="sng" algn="ctr">
+                      <a:solidFill>
+                        <a:schemeClr val="tx1"/>
+                      </a:solidFill>
+                      <a:prstDash val="solid"/>
+                      <a:round/>
+                      <a:headEnd type="none" w="med" len="med"/>
+                      <a:tailEnd type="none" w="med" len="med"/>
+                    </a:lnT>
+                    <a:lnB w="12700" cap="flat" cmpd="sng" algn="ctr">
+                      <a:solidFill>
+                        <a:schemeClr val="tx1"/>
+                      </a:solidFill>
+                      <a:prstDash val="solid"/>
+                      <a:round/>
+                      <a:headEnd type="none" w="med" len="med"/>
+                      <a:tailEnd type="none" w="med" len="med"/>
+                    </a:lnB>
+                    <a:lnTlToBr w="12700" cmpd="sng">
+                      <a:noFill/>
+                      <a:prstDash val="solid"/>
+                    </a:lnTlToBr>
+                    <a:lnBlToTr w="12700" cmpd="sng">
+                      <a:noFill/>
+                      <a:prstDash val="solid"/>
+                    </a:lnBlToTr>
+                  </a:tcPr>
+                </a:tc>
+                <a:tc>
+                  <a:txBody>
+                    <a:bodyPr/>
+                    <a:lstStyle/>
+                    <a:p>
+                      <a:pPr marL="0" marR="0" lvl="0" indent="0" algn="ctr" defTabSz="914400" rtl="0" eaLnBrk="1" fontAlgn="auto" latinLnBrk="0" hangingPunct="1">
+                        <a:lnSpc>
+                          <a:spcPct val="100000"/>
+                        </a:lnSpc>
+                        <a:spcBef>
+                          <a:spcPts val="0"/>
+                        </a:spcBef>
+                        <a:spcAft>
+                          <a:spcPts val="0"/>
+                        </a:spcAft>
+                        <a:buClrTx/>
+                        <a:buSzTx/>
+                        <a:buFontTx/>
+                        <a:buNone/>
+                        <a:tabLst/>
+                        <a:defRPr/>
+                      </a:pPr>
+                      <a:r>
+                        <a:rPr lang="fr-FR" dirty="0">
+                          <a:solidFill>
+                            <a:schemeClr val="bg2">
+                              <a:lumMod val="25000"/>
+                            </a:schemeClr>
+                          </a:solidFill>
+                        </a:rPr>
+                        <a:t>Modifier les commentaires </a:t>
+                      </a:r>
+                    </a:p>
+                  </a:txBody>
+                  <a:tcPr anchor="ctr">
+                    <a:lnL w="12700" cap="flat" cmpd="sng" algn="ctr">
+                      <a:solidFill>
+                        <a:schemeClr val="tx1"/>
+                      </a:solidFill>
+                      <a:prstDash val="solid"/>
+                      <a:round/>
+                      <a:headEnd type="none" w="med" len="med"/>
+                      <a:tailEnd type="none" w="med" len="med"/>
+                    </a:lnL>
+                    <a:lnR w="12700" cap="flat" cmpd="sng" algn="ctr">
+                      <a:solidFill>
+                        <a:schemeClr val="tx1"/>
+                      </a:solidFill>
+                      <a:prstDash val="solid"/>
+                      <a:round/>
+                      <a:headEnd type="none" w="med" len="med"/>
+                      <a:tailEnd type="none" w="med" len="med"/>
+                    </a:lnR>
+                    <a:lnT w="12700" cap="flat" cmpd="sng" algn="ctr">
+                      <a:solidFill>
+                        <a:schemeClr val="tx1"/>
+                      </a:solidFill>
+                      <a:prstDash val="solid"/>
+                      <a:round/>
+                      <a:headEnd type="none" w="med" len="med"/>
+                      <a:tailEnd type="none" w="med" len="med"/>
+                    </a:lnT>
+                    <a:lnB w="12700" cap="flat" cmpd="sng" algn="ctr">
+                      <a:solidFill>
+                        <a:schemeClr val="tx1"/>
+                      </a:solidFill>
+                      <a:prstDash val="solid"/>
+                      <a:round/>
+                      <a:headEnd type="none" w="med" len="med"/>
+                      <a:tailEnd type="none" w="med" len="med"/>
+                    </a:lnB>
+                    <a:lnTlToBr w="12700" cmpd="sng">
+                      <a:noFill/>
+                      <a:prstDash val="solid"/>
+                    </a:lnTlToBr>
+                    <a:lnBlToTr w="12700" cmpd="sng">
+                      <a:noFill/>
+                      <a:prstDash val="solid"/>
+                    </a:lnBlToTr>
+                  </a:tcPr>
+                </a:tc>
+                <a:extLst>
+                  <a:ext uri="{0D108BD9-81ED-4DB2-BD59-A6C34878D82A}">
+                    <a16:rowId xmlns:a16="http://schemas.microsoft.com/office/drawing/2014/main" val="3894661761"/>
+                  </a:ext>
+                </a:extLst>
+              </a:tr>
+            </a:tbl>
+          </a:graphicData>
+        </a:graphic>
+      </p:graphicFrame>
+      <p:sp>
+        <p:nvSpPr>
+          <p:cNvPr id="33" name="Rectangle 32">
+            <a:extLst>
+              <a:ext uri="{FF2B5EF4-FFF2-40B4-BE49-F238E27FC236}">
+                <a16:creationId xmlns:a16="http://schemas.microsoft.com/office/drawing/2014/main" id="{2CC10811-51E9-47FE-B4A6-54D7BCDD5A05}"/>
+              </a:ext>
+            </a:extLst>
+          </p:cNvPr>
+          <p:cNvSpPr/>
+          <p:nvPr/>
+        </p:nvSpPr>
+        <p:spPr>
+          <a:xfrm rot="16200000">
+            <a:off x="6061700" y="-4911103"/>
+            <a:ext cx="68605" cy="12192001"/>
+          </a:xfrm>
+          <a:prstGeom prst="rect">
+            <a:avLst/>
+          </a:prstGeom>
+          <a:gradFill>
+            <a:gsLst>
+              <a:gs pos="94000">
+                <a:schemeClr val="accent1">
+                  <a:lumMod val="5000"/>
+                  <a:lumOff val="95000"/>
+                </a:schemeClr>
+              </a:gs>
+              <a:gs pos="60000">
+                <a:srgbClr val="7030A0"/>
+              </a:gs>
+            </a:gsLst>
+            <a:lin ang="5400000" scaled="1"/>
+          </a:gradFill>
+          <a:ln>
+            <a:noFill/>
+          </a:ln>
+        </p:spPr>
+        <p:style>
+          <a:lnRef idx="2">
+            <a:schemeClr val="accent1">
+              <a:shade val="50000"/>
+            </a:schemeClr>
+          </a:lnRef>
+          <a:fillRef idx="1">
+            <a:schemeClr val="accent1"/>
+          </a:fillRef>
+          <a:effectRef idx="0">
+            <a:schemeClr val="accent1"/>
+          </a:effectRef>
+          <a:fontRef idx="minor">
+            <a:schemeClr val="lt1"/>
+          </a:fontRef>
+        </p:style>
+        <p:txBody>
+          <a:bodyPr rtlCol="0" anchor="ctr"/>
+          <a:lstStyle/>
+          <a:p>
+            <a:pPr algn="ctr"/>
+            <a:endParaRPr lang="fr-FR"/>
+          </a:p>
+        </p:txBody>
+      </p:sp>
+      <p:sp>
+        <p:nvSpPr>
+          <p:cNvPr id="34" name="ZoneTexte 33">
+            <a:extLst>
+              <a:ext uri="{FF2B5EF4-FFF2-40B4-BE49-F238E27FC236}">
+                <a16:creationId xmlns:a16="http://schemas.microsoft.com/office/drawing/2014/main" id="{47C6805C-4C81-4E87-B1F2-E8132409AF94}"/>
               </a:ext>
             </a:extLst>
           </p:cNvPr>
@@ -8870,27 +11143,116 @@
             </a:lvl9pPr>
           </a:lstStyle>
           <a:p>
-            <a:r>
-              <a:rPr lang="fr-FR" dirty="0"/>
-              <a:t> </a:t>
-            </a:r>
+            <a:pPr algn="l"/>
             <a:r>
               <a:rPr lang="fr-FR" dirty="0">
                 <a:solidFill>
                   <a:schemeClr val="tx1"/>
                 </a:solidFill>
               </a:rPr>
-              <a:t>Accueil    Qui sommes nous?    Nos médiums    Astro             				          Partenaires     Contact</a:t>
+              <a:t>Mes consultations	 Statistiques 				</a:t>
             </a:r>
           </a:p>
         </p:txBody>
       </p:sp>
       <p:sp>
         <p:nvSpPr>
-          <p:cNvPr id="21" name="Rectangle : coins arrondis 20">
-            <a:extLst>
-              <a:ext uri="{FF2B5EF4-FFF2-40B4-BE49-F238E27FC236}">
-                <a16:creationId xmlns:a16="http://schemas.microsoft.com/office/drawing/2014/main" id="{89A80424-5BDD-4BE7-9C1E-E439788F0B20}"/>
+          <p:cNvPr id="37" name="ZoneTexte 36">
+            <a:extLst>
+              <a:ext uri="{FF2B5EF4-FFF2-40B4-BE49-F238E27FC236}">
+                <a16:creationId xmlns:a16="http://schemas.microsoft.com/office/drawing/2014/main" id="{44C746F5-ABBE-41C5-92B2-DA34F3389776}"/>
+              </a:ext>
+            </a:extLst>
+          </p:cNvPr>
+          <p:cNvSpPr txBox="1"/>
+          <p:nvPr/>
+        </p:nvSpPr>
+        <p:spPr>
+          <a:xfrm>
+            <a:off x="1419224" y="159799"/>
+            <a:ext cx="3294817" cy="830997"/>
+          </a:xfrm>
+          <a:prstGeom prst="rect">
+            <a:avLst/>
+          </a:prstGeom>
+          <a:noFill/>
+        </p:spPr>
+        <p:txBody>
+          <a:bodyPr wrap="square" rtlCol="0">
+            <a:spAutoFit/>
+          </a:bodyPr>
+          <a:lstStyle/>
+          <a:p>
+            <a:r>
+              <a:rPr lang="fr-FR" sz="4800" dirty="0">
+                <a:latin typeface="Vladimir Script" panose="03050402040407070305" pitchFamily="66" charset="0"/>
+              </a:rPr>
+              <a:t>Predict’if</a:t>
+            </a:r>
+          </a:p>
+        </p:txBody>
+      </p:sp>
+      <p:pic>
+        <p:nvPicPr>
+          <p:cNvPr id="38" name="Image 37">
+            <a:extLst>
+              <a:ext uri="{FF2B5EF4-FFF2-40B4-BE49-F238E27FC236}">
+                <a16:creationId xmlns:a16="http://schemas.microsoft.com/office/drawing/2014/main" id="{66C58D36-CD87-4791-9960-BEF1FE107886}"/>
+              </a:ext>
+            </a:extLst>
+          </p:cNvPr>
+          <p:cNvPicPr>
+            <a:picLocks noChangeAspect="1"/>
+          </p:cNvPicPr>
+          <p:nvPr/>
+        </p:nvPicPr>
+        <p:blipFill>
+          <a:blip r:embed="rId2">
+            <a:clrChange>
+              <a:clrFrom>
+                <a:srgbClr val="FFFFFF"/>
+              </a:clrFrom>
+              <a:clrTo>
+                <a:srgbClr val="FFFFFF">
+                  <a:alpha val="0"/>
+                </a:srgbClr>
+              </a:clrTo>
+            </a:clrChange>
+            <a:duotone>
+              <a:prstClr val="black"/>
+              <a:schemeClr val="accent2">
+                <a:lumMod val="60000"/>
+                <a:lumOff val="40000"/>
+                <a:tint val="45000"/>
+                <a:satMod val="400000"/>
+              </a:schemeClr>
+            </a:duotone>
+            <a:extLst>
+              <a:ext uri="{28A0092B-C50C-407E-A947-70E740481C1C}">
+                <a14:useLocalDpi xmlns:a14="http://schemas.microsoft.com/office/drawing/2010/main" val="0"/>
+              </a:ext>
+            </a:extLst>
+          </a:blip>
+          <a:stretch>
+            <a:fillRect/>
+          </a:stretch>
+        </p:blipFill>
+        <p:spPr>
+          <a:xfrm>
+            <a:off x="220777" y="128965"/>
+            <a:ext cx="1174132" cy="884513"/>
+          </a:xfrm>
+          <a:prstGeom prst="rect">
+            <a:avLst/>
+          </a:prstGeom>
+        </p:spPr>
+      </p:pic>
+      <p:sp>
+        <p:nvSpPr>
+          <p:cNvPr id="40" name="Rectangle : coins arrondis 39">
+            <a:extLst>
+              <a:ext uri="{FF2B5EF4-FFF2-40B4-BE49-F238E27FC236}">
+                <a16:creationId xmlns:a16="http://schemas.microsoft.com/office/drawing/2014/main" id="{6791D102-6603-4CB6-8589-6FEC65C020C8}"/>
               </a:ext>
             </a:extLst>
           </p:cNvPr>
@@ -8899,20 +11261,18 @@
         </p:nvSpPr>
         <p:spPr>
           <a:xfrm>
-            <a:off x="922485" y="2318147"/>
-            <a:ext cx="7774271" cy="3389259"/>
+            <a:off x="10498238" y="251552"/>
+            <a:ext cx="1474687" cy="338758"/>
           </a:xfrm>
           <a:prstGeom prst="roundRect">
-            <a:avLst>
-              <a:gd name="adj" fmla="val 30764"/>
-            </a:avLst>
+            <a:avLst/>
           </a:prstGeom>
-          <a:solidFill>
-            <a:srgbClr val="AB83CA"/>
-          </a:solidFill>
-          <a:ln w="57150">
+          <a:noFill/>
+          <a:ln>
             <a:solidFill>
-              <a:srgbClr val="7030A0"/>
+              <a:schemeClr val="bg2">
+                <a:lumMod val="50000"/>
+              </a:schemeClr>
             </a:solidFill>
           </a:ln>
         </p:spPr>
@@ -8937,6 +11297,348 @@
           <a:lstStyle/>
           <a:p>
             <a:pPr algn="ctr"/>
+            <a:r>
+              <a:rPr lang="fr-FR" sz="1400" dirty="0">
+                <a:solidFill>
+                  <a:schemeClr val="tx1"/>
+                </a:solidFill>
+              </a:rPr>
+              <a:t>Se déconnecter </a:t>
+            </a:r>
+          </a:p>
+        </p:txBody>
+      </p:sp>
+      <p:sp>
+        <p:nvSpPr>
+          <p:cNvPr id="41" name="Rectangle : coins arrondis 40">
+            <a:extLst>
+              <a:ext uri="{FF2B5EF4-FFF2-40B4-BE49-F238E27FC236}">
+                <a16:creationId xmlns:a16="http://schemas.microsoft.com/office/drawing/2014/main" id="{9020435A-C973-4FD3-839C-D88054295299}"/>
+              </a:ext>
+            </a:extLst>
+          </p:cNvPr>
+          <p:cNvSpPr/>
+          <p:nvPr/>
+        </p:nvSpPr>
+        <p:spPr>
+          <a:xfrm>
+            <a:off x="109327" y="1545446"/>
+            <a:ext cx="1656000" cy="45719"/>
+          </a:xfrm>
+          <a:prstGeom prst="roundRect">
+            <a:avLst/>
+          </a:prstGeom>
+          <a:solidFill>
+            <a:srgbClr val="9954CC"/>
+          </a:solidFill>
+          <a:ln>
+            <a:noFill/>
+          </a:ln>
+        </p:spPr>
+        <p:style>
+          <a:lnRef idx="2">
+            <a:schemeClr val="accent1">
+              <a:shade val="50000"/>
+            </a:schemeClr>
+          </a:lnRef>
+          <a:fillRef idx="1">
+            <a:schemeClr val="accent1"/>
+          </a:fillRef>
+          <a:effectRef idx="0">
+            <a:schemeClr val="accent1"/>
+          </a:effectRef>
+          <a:fontRef idx="minor">
+            <a:schemeClr val="lt1"/>
+          </a:fontRef>
+        </p:style>
+        <p:txBody>
+          <a:bodyPr rtlCol="0" anchor="ctr"/>
+          <a:lstStyle/>
+          <a:p>
+            <a:pPr algn="ctr"/>
+            <a:endParaRPr lang="fr-FR"/>
+          </a:p>
+        </p:txBody>
+      </p:sp>
+    </p:spTree>
+    <p:extLst>
+      <p:ext uri="{BB962C8B-B14F-4D97-AF65-F5344CB8AC3E}">
+        <p14:creationId xmlns:p14="http://schemas.microsoft.com/office/powerpoint/2010/main" val="3592533898"/>
+      </p:ext>
+    </p:extLst>
+  </p:cSld>
+  <p:clrMapOvr>
+    <a:masterClrMapping/>
+  </p:clrMapOvr>
+</p:sld>
+</file>
+
+<file path=ppt/slides/slide2.xml><?xml version="1.0" encoding="utf-8"?>
+<p:sld xmlns:a="http://schemas.openxmlformats.org/drawingml/2006/main" xmlns:r="http://schemas.openxmlformats.org/officeDocument/2006/relationships" xmlns:p="http://schemas.openxmlformats.org/presentationml/2006/main">
+  <p:cSld>
+    <p:spTree>
+      <p:nvGrpSpPr>
+        <p:cNvPr id="1" name=""/>
+        <p:cNvGrpSpPr/>
+        <p:nvPr/>
+      </p:nvGrpSpPr>
+      <p:grpSpPr>
+        <a:xfrm>
+          <a:off x="0" y="0"/>
+          <a:ext cx="0" cy="0"/>
+          <a:chOff x="0" y="0"/>
+          <a:chExt cx="0" cy="0"/>
+        </a:xfrm>
+      </p:grpSpPr>
+      <p:sp>
+        <p:nvSpPr>
+          <p:cNvPr id="55" name="Rectangle 54">
+            <a:extLst>
+              <a:ext uri="{FF2B5EF4-FFF2-40B4-BE49-F238E27FC236}">
+                <a16:creationId xmlns:a16="http://schemas.microsoft.com/office/drawing/2014/main" id="{1BCDC49F-67D5-4C89-ADEF-9C7B2E261B35}"/>
+              </a:ext>
+            </a:extLst>
+          </p:cNvPr>
+          <p:cNvSpPr/>
+          <p:nvPr/>
+        </p:nvSpPr>
+        <p:spPr>
+          <a:xfrm>
+            <a:off x="0" y="0"/>
+            <a:ext cx="12192000" cy="6858000"/>
+          </a:xfrm>
+          <a:prstGeom prst="rect">
+            <a:avLst/>
+          </a:prstGeom>
+          <a:solidFill>
+            <a:srgbClr val="AB83CA"/>
+          </a:solidFill>
+          <a:ln>
+            <a:noFill/>
+          </a:ln>
+        </p:spPr>
+        <p:style>
+          <a:lnRef idx="2">
+            <a:schemeClr val="accent1">
+              <a:shade val="50000"/>
+            </a:schemeClr>
+          </a:lnRef>
+          <a:fillRef idx="1">
+            <a:schemeClr val="accent1"/>
+          </a:fillRef>
+          <a:effectRef idx="0">
+            <a:schemeClr val="accent1"/>
+          </a:effectRef>
+          <a:fontRef idx="minor">
+            <a:schemeClr val="lt1"/>
+          </a:fontRef>
+        </p:style>
+        <p:txBody>
+          <a:bodyPr rtlCol="0" anchor="ctr"/>
+          <a:lstStyle/>
+          <a:p>
+            <a:pPr algn="ctr"/>
+            <a:endParaRPr lang="fr-FR" dirty="0">
+              <a:solidFill>
+                <a:schemeClr val="tx1"/>
+              </a:solidFill>
+            </a:endParaRPr>
+          </a:p>
+        </p:txBody>
+      </p:sp>
+      <p:sp>
+        <p:nvSpPr>
+          <p:cNvPr id="24" name="ZoneTexte 23">
+            <a:extLst>
+              <a:ext uri="{FF2B5EF4-FFF2-40B4-BE49-F238E27FC236}">
+                <a16:creationId xmlns:a16="http://schemas.microsoft.com/office/drawing/2014/main" id="{CD502E2C-D1C6-47A0-A6DB-4C5F41B89FAC}"/>
+              </a:ext>
+            </a:extLst>
+          </p:cNvPr>
+          <p:cNvSpPr txBox="1"/>
+          <p:nvPr/>
+        </p:nvSpPr>
+        <p:spPr>
+          <a:xfrm>
+            <a:off x="-9525" y="1249286"/>
+            <a:ext cx="12201525" cy="369332"/>
+          </a:xfrm>
+          <a:prstGeom prst="rect">
+            <a:avLst/>
+          </a:prstGeom>
+          <a:gradFill flip="none" rotWithShape="1">
+            <a:gsLst>
+              <a:gs pos="94000">
+                <a:schemeClr val="accent1">
+                  <a:lumMod val="5000"/>
+                  <a:lumOff val="95000"/>
+                </a:schemeClr>
+              </a:gs>
+              <a:gs pos="16000">
+                <a:srgbClr val="7030A0"/>
+              </a:gs>
+            </a:gsLst>
+            <a:lin ang="8100000" scaled="1"/>
+            <a:tileRect/>
+          </a:gradFill>
+          <a:ln>
+            <a:noFill/>
+          </a:ln>
+        </p:spPr>
+        <p:style>
+          <a:lnRef idx="2">
+            <a:schemeClr val="accent1">
+              <a:shade val="50000"/>
+            </a:schemeClr>
+          </a:lnRef>
+          <a:fillRef idx="1">
+            <a:schemeClr val="accent1"/>
+          </a:fillRef>
+          <a:effectRef idx="0">
+            <a:schemeClr val="accent1"/>
+          </a:effectRef>
+          <a:fontRef idx="minor">
+            <a:schemeClr val="lt1"/>
+          </a:fontRef>
+        </p:style>
+        <p:txBody>
+          <a:bodyPr rtlCol="0" anchor="ctr"/>
+          <a:lstStyle>
+            <a:defPPr>
+              <a:defRPr lang="fr-FR"/>
+            </a:defPPr>
+            <a:lvl1pPr algn="ctr">
+              <a:defRPr>
+                <a:solidFill>
+                  <a:schemeClr val="lt1"/>
+                </a:solidFill>
+              </a:defRPr>
+            </a:lvl1pPr>
+            <a:lvl2pPr>
+              <a:defRPr>
+                <a:solidFill>
+                  <a:schemeClr val="lt1"/>
+                </a:solidFill>
+              </a:defRPr>
+            </a:lvl2pPr>
+            <a:lvl3pPr>
+              <a:defRPr>
+                <a:solidFill>
+                  <a:schemeClr val="lt1"/>
+                </a:solidFill>
+              </a:defRPr>
+            </a:lvl3pPr>
+            <a:lvl4pPr>
+              <a:defRPr>
+                <a:solidFill>
+                  <a:schemeClr val="lt1"/>
+                </a:solidFill>
+              </a:defRPr>
+            </a:lvl4pPr>
+            <a:lvl5pPr>
+              <a:defRPr>
+                <a:solidFill>
+                  <a:schemeClr val="lt1"/>
+                </a:solidFill>
+              </a:defRPr>
+            </a:lvl5pPr>
+            <a:lvl6pPr>
+              <a:defRPr>
+                <a:solidFill>
+                  <a:schemeClr val="lt1"/>
+                </a:solidFill>
+              </a:defRPr>
+            </a:lvl6pPr>
+            <a:lvl7pPr>
+              <a:defRPr>
+                <a:solidFill>
+                  <a:schemeClr val="lt1"/>
+                </a:solidFill>
+              </a:defRPr>
+            </a:lvl7pPr>
+            <a:lvl8pPr>
+              <a:defRPr>
+                <a:solidFill>
+                  <a:schemeClr val="lt1"/>
+                </a:solidFill>
+              </a:defRPr>
+            </a:lvl8pPr>
+            <a:lvl9pPr>
+              <a:defRPr>
+                <a:solidFill>
+                  <a:schemeClr val="lt1"/>
+                </a:solidFill>
+              </a:defRPr>
+            </a:lvl9pPr>
+          </a:lstStyle>
+          <a:p>
+            <a:r>
+              <a:rPr lang="fr-FR" dirty="0"/>
+              <a:t> </a:t>
+            </a:r>
+            <a:r>
+              <a:rPr lang="fr-FR" dirty="0">
+                <a:solidFill>
+                  <a:schemeClr val="tx1"/>
+                </a:solidFill>
+              </a:rPr>
+              <a:t>Accueil    Qui sommes nous?    Nos médiums    Astro             				          Partenaires     Contact</a:t>
+            </a:r>
+          </a:p>
+        </p:txBody>
+      </p:sp>
+      <p:sp>
+        <p:nvSpPr>
+          <p:cNvPr id="21" name="Rectangle : coins arrondis 20">
+            <a:extLst>
+              <a:ext uri="{FF2B5EF4-FFF2-40B4-BE49-F238E27FC236}">
+                <a16:creationId xmlns:a16="http://schemas.microsoft.com/office/drawing/2014/main" id="{89A80424-5BDD-4BE7-9C1E-E439788F0B20}"/>
+              </a:ext>
+            </a:extLst>
+          </p:cNvPr>
+          <p:cNvSpPr/>
+          <p:nvPr/>
+        </p:nvSpPr>
+        <p:spPr>
+          <a:xfrm>
+            <a:off x="922485" y="2318147"/>
+            <a:ext cx="7774271" cy="3389259"/>
+          </a:xfrm>
+          <a:prstGeom prst="roundRect">
+            <a:avLst>
+              <a:gd name="adj" fmla="val 30764"/>
+            </a:avLst>
+          </a:prstGeom>
+          <a:solidFill>
+            <a:srgbClr val="AB83CA"/>
+          </a:solidFill>
+          <a:ln w="57150">
+            <a:solidFill>
+              <a:srgbClr val="7030A0"/>
+            </a:solidFill>
+          </a:ln>
+        </p:spPr>
+        <p:style>
+          <a:lnRef idx="2">
+            <a:schemeClr val="accent1">
+              <a:shade val="50000"/>
+            </a:schemeClr>
+          </a:lnRef>
+          <a:fillRef idx="1">
+            <a:schemeClr val="accent1"/>
+          </a:fillRef>
+          <a:effectRef idx="0">
+            <a:schemeClr val="accent1"/>
+          </a:effectRef>
+          <a:fontRef idx="minor">
+            <a:schemeClr val="lt1"/>
+          </a:fontRef>
+        </p:style>
+        <p:txBody>
+          <a:bodyPr rtlCol="0" anchor="ctr"/>
+          <a:lstStyle/>
+          <a:p>
+            <a:pPr algn="ctr"/>
             <a:endParaRPr lang="fr-FR" dirty="0"/>
           </a:p>
         </p:txBody>
@@ -9031,74 +11733,27 @@
                   </a:schemeClr>
                 </a:solidFill>
               </a:rPr>
-              <a:t> est une entreprise née de la collaboration des médiums les plus prestigieux de la région Lyonnaise. Pour offrir l’expérience la plus pure à leur clients, ces divins exceptionnels se sont réunis autour d’une seule plateforme pour facilité l’accès au savoir et optimiser la puissance de leur </a:t>
+              <a:t> est une entreprise née de la collaboration des médiums les plus prestigieux de la région lyonnaise. Pour offrir l’expérience la plus pure à leur clients, ces divins exceptionnels se sont réunis autour d’une seule plateforme pour faciliter l’accès au savoir et optimiser la puissance de leur yeux-dans-l’au-delà. </a:t>
             </a:r>
+          </a:p>
+          <a:p>
+            <a:pPr algn="just"/>
+            <a:endParaRPr lang="fr-FR" i="1" dirty="0">
+              <a:cs typeface="Times New Roman" panose="02020603050405020304" pitchFamily="18" charset="0"/>
+            </a:endParaRPr>
+          </a:p>
+          <a:p>
+            <a:pPr algn="r"/>
             <a:r>
-              <a:rPr lang="fr-FR" dirty="0" err="1">
+              <a:rPr lang="fr-FR" i="1" dirty="0">
                 <a:solidFill>
                   <a:schemeClr val="bg2">
                     <a:lumMod val="25000"/>
                   </a:schemeClr>
                 </a:solidFill>
               </a:rPr>
-              <a:t>yeus</a:t>
+              <a:t>Predict’if</a:t>
             </a:r>
-            <a:r>
-              <a:rPr lang="fr-FR" dirty="0">
-                <a:solidFill>
-                  <a:schemeClr val="bg2">
-                    <a:lumMod val="25000"/>
-                  </a:schemeClr>
-                </a:solidFill>
-              </a:rPr>
-              <a:t>-</a:t>
-            </a:r>
-            <a:r>
-              <a:rPr lang="fr-FR" dirty="0" err="1">
-                <a:solidFill>
-                  <a:schemeClr val="bg2">
-                    <a:lumMod val="25000"/>
-                  </a:schemeClr>
-                </a:solidFill>
-              </a:rPr>
-              <a:t>dans-l’au-delà</a:t>
-            </a:r>
-            <a:r>
-              <a:rPr lang="fr-FR" dirty="0">
-                <a:solidFill>
-                  <a:schemeClr val="bg2">
-                    <a:lumMod val="25000"/>
-                  </a:schemeClr>
-                </a:solidFill>
-              </a:rPr>
-              <a:t>. </a:t>
-            </a:r>
-          </a:p>
-          <a:p>
-            <a:pPr algn="just"/>
-            <a:endParaRPr lang="fr-FR" i="1" dirty="0">
-              <a:cs typeface="Times New Roman" panose="02020603050405020304" pitchFamily="18" charset="0"/>
-            </a:endParaRPr>
-          </a:p>
-          <a:p>
-            <a:pPr algn="r"/>
-            <a:r>
-              <a:rPr lang="fr-FR" i="1" dirty="0" err="1">
-                <a:solidFill>
-                  <a:schemeClr val="bg2">
-                    <a:lumMod val="25000"/>
-                  </a:schemeClr>
-                </a:solidFill>
-              </a:rPr>
-              <a:t>Prédict’if</a:t>
-            </a:r>
-            <a:endParaRPr lang="fr-FR" i="1" dirty="0">
-              <a:solidFill>
-                <a:schemeClr val="bg2">
-                  <a:lumMod val="25000"/>
-                </a:schemeClr>
-              </a:solidFill>
-            </a:endParaRPr>
           </a:p>
         </p:txBody>
       </p:sp>
@@ -9683,8 +12338,8 @@
         </p:nvSpPr>
         <p:spPr>
           <a:xfrm>
-            <a:off x="1181100" y="1535430"/>
-            <a:ext cx="1764000" cy="46800"/>
+            <a:off x="1190431" y="1535430"/>
+            <a:ext cx="1728000" cy="46800"/>
           </a:xfrm>
           <a:prstGeom prst="roundRect">
             <a:avLst/>
@@ -12196,7 +14851,7 @@
         </p:blipFill>
         <p:spPr>
           <a:xfrm>
-            <a:off x="1244174" y="2554442"/>
+            <a:off x="1253505" y="2554442"/>
             <a:ext cx="980961" cy="1040048"/>
           </a:xfrm>
           <a:prstGeom prst="rect">
@@ -13730,8 +16385,8 @@
         </p:nvSpPr>
         <p:spPr>
           <a:xfrm>
-            <a:off x="4302488" y="2566587"/>
-            <a:ext cx="8113072" cy="461665"/>
+            <a:off x="1389888" y="2466731"/>
+            <a:ext cx="3022043" cy="369332"/>
           </a:xfrm>
           <a:prstGeom prst="rect">
             <a:avLst/>
@@ -13745,7 +16400,7 @@
           <a:lstStyle/>
           <a:p>
             <a:r>
-              <a:rPr lang="fr-FR" sz="2400" dirty="0">
+              <a:rPr lang="fr-FR" dirty="0">
                 <a:solidFill>
                   <a:schemeClr val="bg2">
                     <a:lumMod val="25000"/>
@@ -13810,7 +16465,7 @@
           <p:nvPr/>
         </p:nvPicPr>
         <p:blipFill>
-          <a:blip r:embed="rId3">
+          <a:blip r:embed="rId6">
             <a:extLst>
               <a:ext uri="{28A0092B-C50C-407E-A947-70E740481C1C}">
                 <a14:useLocalDpi xmlns:a14="http://schemas.microsoft.com/office/drawing/2010/main" val="0"/>
@@ -13857,7 +16512,7 @@
           <p:nvPr/>
         </p:nvPicPr>
         <p:blipFill>
-          <a:blip r:embed="rId4">
+          <a:blip r:embed="rId7">
             <a:extLst>
               <a:ext uri="{28A0092B-C50C-407E-A947-70E740481C1C}">
                 <a14:useLocalDpi xmlns:a14="http://schemas.microsoft.com/office/drawing/2010/main" val="0"/>
@@ -13904,7 +16559,7 @@
           <p:nvPr/>
         </p:nvPicPr>
         <p:blipFill>
-          <a:blip r:embed="rId5">
+          <a:blip r:embed="rId8">
             <a:extLst>
               <a:ext uri="{28A0092B-C50C-407E-A947-70E740481C1C}">
                 <a14:useLocalDpi xmlns:a14="http://schemas.microsoft.com/office/drawing/2010/main" val="0"/>
@@ -14094,7 +16749,7 @@
           <p:nvPr/>
         </p:nvPicPr>
         <p:blipFill>
-          <a:blip r:embed="rId6">
+          <a:blip r:embed="rId9">
             <a:clrChange>
               <a:clrFrom>
                 <a:srgbClr val="FFFFFF"/>
@@ -14149,7 +16804,7 @@
           <p:nvPr/>
         </p:nvPicPr>
         <p:blipFill>
-          <a:blip r:embed="rId7">
+          <a:blip r:embed="rId10">
             <a:extLst>
               <a:ext uri="{28A0092B-C50C-407E-A947-70E740481C1C}">
                 <a14:useLocalDpi xmlns:a14="http://schemas.microsoft.com/office/drawing/2010/main" val="0"/>
@@ -14303,15 +16958,15 @@
           </p:nvPr>
         </p:nvPicPr>
         <p:blipFill>
-          <a:blip r:embed="rId8"/>
+          <a:blip r:embed="rId11"/>
           <a:stretch>
             <a:fillRect/>
           </a:stretch>
         </p:blipFill>
         <p:spPr>
           <a:xfrm>
-            <a:off x="3977640" y="3028252"/>
-            <a:ext cx="3939540" cy="2225840"/>
+            <a:off x="1097502" y="2792746"/>
+            <a:ext cx="2953642" cy="1668808"/>
           </a:xfrm>
           <a:prstGeom prst="rect">
             <a:avLst/>
@@ -14454,13 +17109,13 @@
               <p:nvPr/>
             </p:nvPicPr>
             <p:blipFill>
-              <a:blip r:embed="rId9">
+              <a:blip r:embed="rId12">
                 <a:extLst>
                   <a:ext uri="{28A0092B-C50C-407E-A947-70E740481C1C}">
                     <a14:useLocalDpi xmlns:a14="http://schemas.microsoft.com/office/drawing/2010/main" val="0"/>
                   </a:ext>
                   <a:ext uri="{96DAC541-7B7A-43D3-8B79-37D633B846F1}">
-                    <asvg:svgBlip xmlns:asvg="http://schemas.microsoft.com/office/drawing/2016/SVG/main" r:embed="rId10"/>
+                    <asvg:svgBlip xmlns:asvg="http://schemas.microsoft.com/office/drawing/2016/SVG/main" r:embed="rId13"/>
                   </a:ext>
                 </a:extLst>
               </a:blip>
@@ -14554,13 +17209,13 @@
               <p:nvPr/>
             </p:nvPicPr>
             <p:blipFill>
-              <a:blip r:embed="rId9">
+              <a:blip r:embed="rId12">
                 <a:extLst>
                   <a:ext uri="{28A0092B-C50C-407E-A947-70E740481C1C}">
                     <a14:useLocalDpi xmlns:a14="http://schemas.microsoft.com/office/drawing/2010/main" val="0"/>
                   </a:ext>
                   <a:ext uri="{96DAC541-7B7A-43D3-8B79-37D633B846F1}">
-                    <asvg:svgBlip xmlns:asvg="http://schemas.microsoft.com/office/drawing/2016/SVG/main" r:embed="rId10"/>
+                    <asvg:svgBlip xmlns:asvg="http://schemas.microsoft.com/office/drawing/2016/SVG/main" r:embed="rId13"/>
                   </a:ext>
                 </a:extLst>
               </a:blip>
@@ -14648,13 +17303,13 @@
               <p:nvPr/>
             </p:nvPicPr>
             <p:blipFill>
-              <a:blip r:embed="rId9">
+              <a:blip r:embed="rId12">
                 <a:extLst>
                   <a:ext uri="{28A0092B-C50C-407E-A947-70E740481C1C}">
                     <a14:useLocalDpi xmlns:a14="http://schemas.microsoft.com/office/drawing/2010/main" val="0"/>
                   </a:ext>
                   <a:ext uri="{96DAC541-7B7A-43D3-8B79-37D633B846F1}">
-                    <asvg:svgBlip xmlns:asvg="http://schemas.microsoft.com/office/drawing/2016/SVG/main" r:embed="rId10"/>
+                    <asvg:svgBlip xmlns:asvg="http://schemas.microsoft.com/office/drawing/2016/SVG/main" r:embed="rId13"/>
                   </a:ext>
                 </a:extLst>
               </a:blip>
@@ -14743,7 +17398,7 @@
             <p:nvPr/>
           </p:nvPicPr>
           <p:blipFill rotWithShape="1">
-            <a:blip r:embed="rId11">
+            <a:blip r:embed="rId14">
               <a:extLst>
                 <a:ext uri="{28A0092B-C50C-407E-A947-70E740481C1C}">
                   <a14:useLocalDpi xmlns:a14="http://schemas.microsoft.com/office/drawing/2010/main" val="0"/>
@@ -14778,7 +17433,7 @@
             <p:nvPr/>
           </p:nvPicPr>
           <p:blipFill>
-            <a:blip r:embed="rId12">
+            <a:blip r:embed="rId15">
               <a:extLst>
                 <a:ext uri="{28A0092B-C50C-407E-A947-70E740481C1C}">
                   <a14:useLocalDpi xmlns:a14="http://schemas.microsoft.com/office/drawing/2010/main" val="0"/>
@@ -14814,7 +17469,7 @@
             <p:nvPr/>
           </p:nvPicPr>
           <p:blipFill rotWithShape="1">
-            <a:blip r:embed="rId13">
+            <a:blip r:embed="rId16">
               <a:extLst>
                 <a:ext uri="{28A0092B-C50C-407E-A947-70E740481C1C}">
                   <a14:useLocalDpi xmlns:a14="http://schemas.microsoft.com/office/drawing/2010/main" val="0"/>
@@ -14849,7 +17504,7 @@
             <p:nvPr/>
           </p:nvPicPr>
           <p:blipFill rotWithShape="1">
-            <a:blip r:embed="rId14">
+            <a:blip r:embed="rId17">
               <a:clrChange>
                 <a:clrFrom>
                   <a:srgbClr val="FFFFFF"/>
@@ -14901,7 +17556,7 @@
             <p:nvPr/>
           </p:nvPicPr>
           <p:blipFill rotWithShape="1">
-            <a:blip r:embed="rId14">
+            <a:blip r:embed="rId17">
               <a:clrChange>
                 <a:clrFrom>
                   <a:srgbClr val="FFFFFF"/>
@@ -14939,6 +17594,231 @@
           </p:spPr>
         </p:pic>
       </p:grpSp>
+      <p:pic>
+        <p:nvPicPr>
+          <p:cNvPr id="2" name="Média en ligne 1" title="Astrologie chinoise 🎎 Caractéristiques des douze signes astrologiques ☯">
+            <a:hlinkClick r:id="" action="ppaction://media"/>
+            <a:extLst>
+              <a:ext uri="{FF2B5EF4-FFF2-40B4-BE49-F238E27FC236}">
+                <a16:creationId xmlns:a16="http://schemas.microsoft.com/office/drawing/2014/main" id="{28D3440A-7037-4987-8F96-83A4B6BCA1E5}"/>
+              </a:ext>
+            </a:extLst>
+          </p:cNvPr>
+          <p:cNvPicPr>
+            <a:picLocks noRot="1" noChangeAspect="1"/>
+          </p:cNvPicPr>
+          <p:nvPr>
+            <a:videoFile r:link="rId2"/>
+          </p:nvPr>
+        </p:nvPicPr>
+        <p:blipFill>
+          <a:blip r:embed="rId18"/>
+          <a:stretch>
+            <a:fillRect/>
+          </a:stretch>
+        </p:blipFill>
+        <p:spPr>
+          <a:xfrm>
+            <a:off x="5289022" y="2801424"/>
+            <a:ext cx="2956460" cy="1670400"/>
+          </a:xfrm>
+          <a:prstGeom prst="rect">
+            <a:avLst/>
+          </a:prstGeom>
+        </p:spPr>
+      </p:pic>
+      <p:sp>
+        <p:nvSpPr>
+          <p:cNvPr id="48" name="ZoneTexte 47">
+            <a:extLst>
+              <a:ext uri="{FF2B5EF4-FFF2-40B4-BE49-F238E27FC236}">
+                <a16:creationId xmlns:a16="http://schemas.microsoft.com/office/drawing/2014/main" id="{8B024299-492F-4B4D-A669-97BE5B47625A}"/>
+              </a:ext>
+            </a:extLst>
+          </p:cNvPr>
+          <p:cNvSpPr txBox="1"/>
+          <p:nvPr/>
+        </p:nvSpPr>
+        <p:spPr>
+          <a:xfrm>
+            <a:off x="5218555" y="2441842"/>
+            <a:ext cx="3484053" cy="369332"/>
+          </a:xfrm>
+          <a:prstGeom prst="rect">
+            <a:avLst/>
+          </a:prstGeom>
+          <a:noFill/>
+        </p:spPr>
+        <p:txBody>
+          <a:bodyPr wrap="square" rtlCol="0">
+            <a:spAutoFit/>
+          </a:bodyPr>
+          <a:lstStyle/>
+          <a:p>
+            <a:r>
+              <a:rPr lang="fr-FR" dirty="0">
+                <a:solidFill>
+                  <a:schemeClr val="bg2">
+                    <a:lumMod val="25000"/>
+                  </a:schemeClr>
+                </a:solidFill>
+                <a:cs typeface="Vani" panose="020B0502040204020203" pitchFamily="18" charset="0"/>
+              </a:rPr>
+              <a:t>Les signes astrologiques chinois </a:t>
+            </a:r>
+          </a:p>
+        </p:txBody>
+      </p:sp>
+      <p:pic>
+        <p:nvPicPr>
+          <p:cNvPr id="3" name="Média en ligne 2" title="Quel Est Ton Animal Totem ? Un Test de Personnalité">
+            <a:hlinkClick r:id="" action="ppaction://media"/>
+            <a:extLst>
+              <a:ext uri="{FF2B5EF4-FFF2-40B4-BE49-F238E27FC236}">
+                <a16:creationId xmlns:a16="http://schemas.microsoft.com/office/drawing/2014/main" id="{98954431-6C89-47B1-8782-A2BFEB5D3432}"/>
+              </a:ext>
+            </a:extLst>
+          </p:cNvPr>
+          <p:cNvPicPr>
+            <a:picLocks noRot="1" noChangeAspect="1"/>
+          </p:cNvPicPr>
+          <p:nvPr>
+            <a:videoFile r:link="rId3"/>
+          </p:nvPr>
+        </p:nvPicPr>
+        <p:blipFill>
+          <a:blip r:embed="rId19"/>
+          <a:stretch>
+            <a:fillRect/>
+          </a:stretch>
+        </p:blipFill>
+        <p:spPr>
+          <a:xfrm>
+            <a:off x="1093773" y="5003486"/>
+            <a:ext cx="2956460" cy="1670400"/>
+          </a:xfrm>
+          <a:prstGeom prst="rect">
+            <a:avLst/>
+          </a:prstGeom>
+        </p:spPr>
+      </p:pic>
+      <p:sp>
+        <p:nvSpPr>
+          <p:cNvPr id="49" name="ZoneTexte 48">
+            <a:extLst>
+              <a:ext uri="{FF2B5EF4-FFF2-40B4-BE49-F238E27FC236}">
+                <a16:creationId xmlns:a16="http://schemas.microsoft.com/office/drawing/2014/main" id="{9924D3EE-3FF3-4525-B46C-AC9BDDC57834}"/>
+              </a:ext>
+            </a:extLst>
+          </p:cNvPr>
+          <p:cNvSpPr txBox="1"/>
+          <p:nvPr/>
+        </p:nvSpPr>
+        <p:spPr>
+          <a:xfrm>
+            <a:off x="1803535" y="4606560"/>
+            <a:ext cx="1536822" cy="369332"/>
+          </a:xfrm>
+          <a:prstGeom prst="rect">
+            <a:avLst/>
+          </a:prstGeom>
+          <a:noFill/>
+        </p:spPr>
+        <p:txBody>
+          <a:bodyPr wrap="square" rtlCol="0">
+            <a:spAutoFit/>
+          </a:bodyPr>
+          <a:lstStyle/>
+          <a:p>
+            <a:r>
+              <a:rPr lang="fr-FR" dirty="0">
+                <a:solidFill>
+                  <a:schemeClr val="bg2">
+                    <a:lumMod val="25000"/>
+                  </a:schemeClr>
+                </a:solidFill>
+                <a:cs typeface="Vani" panose="020B0502040204020203" pitchFamily="18" charset="0"/>
+              </a:rPr>
+              <a:t>Animal-totem </a:t>
+            </a:r>
+          </a:p>
+        </p:txBody>
+      </p:sp>
+      <p:pic>
+        <p:nvPicPr>
+          <p:cNvPr id="4" name="Média en ligne 3" title="Astrologie : voici votre couleur porte-bonheur d’après votre signe du zodiaque">
+            <a:hlinkClick r:id="" action="ppaction://media"/>
+            <a:extLst>
+              <a:ext uri="{FF2B5EF4-FFF2-40B4-BE49-F238E27FC236}">
+                <a16:creationId xmlns:a16="http://schemas.microsoft.com/office/drawing/2014/main" id="{20DB93DF-5FE0-4FD9-8DB5-83D004649256}"/>
+              </a:ext>
+            </a:extLst>
+          </p:cNvPr>
+          <p:cNvPicPr>
+            <a:picLocks noRot="1" noChangeAspect="1"/>
+          </p:cNvPicPr>
+          <p:nvPr>
+            <a:videoFile r:link="rId4"/>
+          </p:nvPr>
+        </p:nvPicPr>
+        <p:blipFill>
+          <a:blip r:embed="rId20"/>
+          <a:stretch>
+            <a:fillRect/>
+          </a:stretch>
+        </p:blipFill>
+        <p:spPr>
+          <a:xfrm>
+            <a:off x="5309864" y="5003486"/>
+            <a:ext cx="2956460" cy="1670400"/>
+          </a:xfrm>
+          <a:prstGeom prst="rect">
+            <a:avLst/>
+          </a:prstGeom>
+        </p:spPr>
+      </p:pic>
+      <p:sp>
+        <p:nvSpPr>
+          <p:cNvPr id="50" name="ZoneTexte 49">
+            <a:extLst>
+              <a:ext uri="{FF2B5EF4-FFF2-40B4-BE49-F238E27FC236}">
+                <a16:creationId xmlns:a16="http://schemas.microsoft.com/office/drawing/2014/main" id="{A13AC7A2-795D-47BE-B1EE-CDEEF7C76BEA}"/>
+              </a:ext>
+            </a:extLst>
+          </p:cNvPr>
+          <p:cNvSpPr txBox="1"/>
+          <p:nvPr/>
+        </p:nvSpPr>
+        <p:spPr>
+          <a:xfrm>
+            <a:off x="5585554" y="4628320"/>
+            <a:ext cx="2466763" cy="369332"/>
+          </a:xfrm>
+          <a:prstGeom prst="rect">
+            <a:avLst/>
+          </a:prstGeom>
+          <a:noFill/>
+        </p:spPr>
+        <p:txBody>
+          <a:bodyPr wrap="square" rtlCol="0">
+            <a:spAutoFit/>
+          </a:bodyPr>
+          <a:lstStyle/>
+          <a:p>
+            <a:r>
+              <a:rPr lang="fr-FR" dirty="0">
+                <a:solidFill>
+                  <a:schemeClr val="bg2">
+                    <a:lumMod val="25000"/>
+                  </a:schemeClr>
+                </a:solidFill>
+                <a:cs typeface="Vani" panose="020B0502040204020203" pitchFamily="18" charset="0"/>
+              </a:rPr>
+              <a:t>Couleurs porte-bonheur </a:t>
+            </a:r>
+          </a:p>
+        </p:txBody>
+      </p:sp>
     </p:spTree>
     <p:extLst>
       <p:ext uri="{BB962C8B-B14F-4D97-AF65-F5344CB8AC3E}">
@@ -14992,6 +17872,111 @@
                       </p:childTnLst>
                     </p:cTn>
                   </p:par>
+                  <p:par>
+                    <p:cTn id="7" fill="hold">
+                      <p:stCondLst>
+                        <p:cond delay="indefinite"/>
+                      </p:stCondLst>
+                      <p:childTnLst>
+                        <p:par>
+                          <p:cTn id="8" fill="hold">
+                            <p:stCondLst>
+                              <p:cond delay="0"/>
+                            </p:stCondLst>
+                            <p:childTnLst>
+                              <p:par>
+                                <p:cTn id="9" presetID="1" presetClass="mediacall" presetSubtype="0" fill="hold" nodeType="clickEffect">
+                                  <p:stCondLst>
+                                    <p:cond delay="0"/>
+                                  </p:stCondLst>
+                                  <p:childTnLst>
+                                    <p:cmd type="call" cmd="playFrom(0.0)">
+                                      <p:cBhvr>
+                                        <p:cTn id="10" dur="1" fill="hold"/>
+                                        <p:tgtEl>
+                                          <p:spTgt spid="2"/>
+                                        </p:tgtEl>
+                                      </p:cBhvr>
+                                    </p:cmd>
+                                  </p:childTnLst>
+                                </p:cTn>
+                              </p:par>
+                            </p:childTnLst>
+                          </p:cTn>
+                        </p:par>
+                      </p:childTnLst>
+                    </p:cTn>
+                  </p:par>
+                  <p:par>
+                    <p:cTn id="11" fill="hold">
+                      <p:stCondLst>
+                        <p:cond delay="indefinite"/>
+                      </p:stCondLst>
+                      <p:childTnLst>
+                        <p:par>
+                          <p:cTn id="12" fill="hold">
+                            <p:stCondLst>
+                              <p:cond delay="0"/>
+                            </p:stCondLst>
+                            <p:childTnLst>
+                              <p:par>
+                                <p:cTn id="13" presetID="1" presetClass="mediacall" presetSubtype="0" fill="hold" nodeType="clickEffect">
+                                  <p:stCondLst>
+                                    <p:cond delay="0"/>
+                                  </p:stCondLst>
+                                  <p:childTnLst>
+                                    <p:cmd type="call" cmd="playFrom(0.0)">
+                                      <p:cBhvr>
+                                        <p:cTn id="14" dur="1" fill="hold"/>
+                                        <p:tgtEl>
+                                          <p:spTgt spid="3"/>
+                                        </p:tgtEl>
+                                      </p:cBhvr>
+                                    </p:cmd>
+                                  </p:childTnLst>
+                                </p:cTn>
+                              </p:par>
+                            </p:childTnLst>
+                          </p:cTn>
+                        </p:par>
+                      </p:childTnLst>
+                    </p:cTn>
+                  </p:par>
+                  <p:par>
+                    <p:cTn id="15" fill="hold">
+                      <p:stCondLst>
+                        <p:cond delay="indefinite"/>
+                      </p:stCondLst>
+                      <p:childTnLst>
+                        <p:par>
+                          <p:cTn id="16" fill="hold">
+                            <p:stCondLst>
+                              <p:cond delay="0"/>
+                            </p:stCondLst>
+                            <p:childTnLst>
+                              <p:par>
+                                <p:cTn id="17" presetID="1" presetClass="mediacall" presetSubtype="0" fill="hold" nodeType="clickEffect">
+                                  <p:stCondLst>
+                                    <p:cond delay="0"/>
+                                  </p:stCondLst>
+                                  <p:childTnLst>
+                                    <p:cmd type="call" cmd="playFrom(0.0)">
+                                      <p:cBhvr>
+                                        <p:cTn id="18" dur="1" fill="hold"/>
+                                        <p:tgtEl>
+                                          <p:spTgt spid="4"/>
+                                        </p:tgtEl>
+                                      </p:cBhvr>
+                                    </p:cmd>
+                                  </p:childTnLst>
+                                </p:cTn>
+                              </p:par>
+                            </p:childTnLst>
+                          </p:cTn>
+                        </p:par>
+                      </p:childTnLst>
+                    </p:cTn>
+                  </p:par>
                 </p:childTnLst>
               </p:cTn>
               <p:prevCondLst>
@@ -15011,7 +17996,7 @@
             </p:seq>
             <p:video>
               <p:cMediaNode vol="80000">
-                <p:cTn id="7" fill="hold" display="0">
+                <p:cTn id="19" fill="hold" display="0">
                   <p:stCondLst>
                     <p:cond delay="indefinite"/>
                   </p:stCondLst>
@@ -15022,7 +18007,7 @@
               </p:cMediaNode>
             </p:video>
             <p:seq concurrent="1" nextAc="seek">
-              <p:cTn id="8" restart="whenNotActive" fill="hold" evtFilter="cancelBubble" nodeType="interactiveSeq">
+              <p:cTn id="20" restart="whenNotActive" fill="hold" evtFilter="cancelBubble" nodeType="interactiveSeq">
                 <p:stCondLst>
                   <p:cond evt="onClick" delay="0">
                     <p:tgtEl>
@@ -15035,26 +18020,26 @@
                 </p:endSync>
                 <p:childTnLst>
                   <p:par>
-                    <p:cTn id="9" fill="hold">
+                    <p:cTn id="21" fill="hold">
                       <p:stCondLst>
                         <p:cond delay="0"/>
                       </p:stCondLst>
                       <p:childTnLst>
                         <p:par>
-                          <p:cTn id="10" fill="hold">
+                          <p:cTn id="22" fill="hold">
                             <p:stCondLst>
                               <p:cond delay="0"/>
                             </p:stCondLst>
                             <p:childTnLst>
                               <p:par>
-                                <p:cTn id="11" presetID="2" presetClass="mediacall" presetSubtype="0" fill="hold" nodeType="clickEffect">
+                                <p:cTn id="23" presetID="2" presetClass="mediacall" presetSubtype="0" fill="hold" nodeType="clickEffect">
                                   <p:stCondLst>
                                     <p:cond delay="0"/>
                                   </p:stCondLst>
                                   <p:childTnLst>
                                     <p:cmd type="call" cmd="togglePause">
                                       <p:cBhvr>
-                                        <p:cTn id="12" dur="1" fill="hold"/>
+                                        <p:cTn id="24" dur="1" fill="hold"/>
                                         <p:tgtEl>
                                           <p:spTgt spid="6"/>
                                         </p:tgtEl>
@@ -15075,6 +18060,216 @@
                 <p:cond evt="onClick" delay="0">
                   <p:tgtEl>
                     <p:spTgt spid="6"/>
+                  </p:tgtEl>
+                </p:cond>
+              </p:nextCondLst>
+            </p:seq>
+            <p:video>
+              <p:cMediaNode vol="80000">
+                <p:cTn id="25" fill="hold" display="0">
+                  <p:stCondLst>
+                    <p:cond delay="indefinite"/>
+                  </p:stCondLst>
+                </p:cTn>
+                <p:tgtEl>
+                  <p:spTgt spid="2"/>
+                </p:tgtEl>
+              </p:cMediaNode>
+            </p:video>
+            <p:seq concurrent="1" nextAc="seek">
+              <p:cTn id="26" restart="whenNotActive" fill="hold" evtFilter="cancelBubble" nodeType="interactiveSeq">
+                <p:stCondLst>
+                  <p:cond evt="onClick" delay="0">
+                    <p:tgtEl>
+                      <p:spTgt spid="2"/>
+                    </p:tgtEl>
+                  </p:cond>
+                </p:stCondLst>
+                <p:endSync evt="end" delay="0">
+                  <p:rtn val="all"/>
+                </p:endSync>
+                <p:childTnLst>
+                  <p:par>
+                    <p:cTn id="27" fill="hold">
+                      <p:stCondLst>
+                        <p:cond delay="0"/>
+                      </p:stCondLst>
+                      <p:childTnLst>
+                        <p:par>
+                          <p:cTn id="28" fill="hold">
+                            <p:stCondLst>
+                              <p:cond delay="0"/>
+                            </p:stCondLst>
+                            <p:childTnLst>
+                              <p:par>
+                                <p:cTn id="29" presetID="2" presetClass="mediacall" presetSubtype="0" fill="hold" nodeType="clickEffect">
+                                  <p:stCondLst>
+                                    <p:cond delay="0"/>
+                                  </p:stCondLst>
+                                  <p:childTnLst>
+                                    <p:cmd type="call" cmd="togglePause">
+                                      <p:cBhvr>
+                                        <p:cTn id="30" dur="1" fill="hold"/>
+                                        <p:tgtEl>
+                                          <p:spTgt spid="2"/>
+                                        </p:tgtEl>
+                                      </p:cBhvr>
+                                    </p:cmd>
+                                  </p:childTnLst>
+                                </p:cTn>
+                              </p:par>
+                            </p:childTnLst>
+                          </p:cTn>
+                        </p:par>
+                      </p:childTnLst>
+                    </p:cTn>
+                  </p:par>
+                </p:childTnLst>
+              </p:cTn>
+              <p:nextCondLst>
+                <p:cond evt="onClick" delay="0">
+                  <p:tgtEl>
+                    <p:spTgt spid="2"/>
+                  </p:tgtEl>
+                </p:cond>
+              </p:nextCondLst>
+            </p:seq>
+            <p:video>
+              <p:cMediaNode vol="80000">
+                <p:cTn id="31" fill="hold" display="0">
+                  <p:stCondLst>
+                    <p:cond delay="indefinite"/>
+                  </p:stCondLst>
+                </p:cTn>
+                <p:tgtEl>
+                  <p:spTgt spid="3"/>
+                </p:tgtEl>
+              </p:cMediaNode>
+            </p:video>
+            <p:seq concurrent="1" nextAc="seek">
+              <p:cTn id="32" restart="whenNotActive" fill="hold" evtFilter="cancelBubble" nodeType="interactiveSeq">
+                <p:stCondLst>
+                  <p:cond evt="onClick" delay="0">
+                    <p:tgtEl>
+                      <p:spTgt spid="3"/>
+                    </p:tgtEl>
+                  </p:cond>
+                </p:stCondLst>
+                <p:endSync evt="end" delay="0">
+                  <p:rtn val="all"/>
+                </p:endSync>
+                <p:childTnLst>
+                  <p:par>
+                    <p:cTn id="33" fill="hold">
+                      <p:stCondLst>
+                        <p:cond delay="0"/>
+                      </p:stCondLst>
+                      <p:childTnLst>
+                        <p:par>
+                          <p:cTn id="34" fill="hold">
+                            <p:stCondLst>
+                              <p:cond delay="0"/>
+                            </p:stCondLst>
+                            <p:childTnLst>
+                              <p:par>
+                                <p:cTn id="35" presetID="2" presetClass="mediacall" presetSubtype="0" fill="hold" nodeType="clickEffect">
+                                  <p:stCondLst>
+                                    <p:cond delay="0"/>
+                                  </p:stCondLst>
+                                  <p:childTnLst>
+                                    <p:cmd type="call" cmd="togglePause">
+                                      <p:cBhvr>
+                                        <p:cTn id="36" dur="1" fill="hold"/>
+                                        <p:tgtEl>
+                                          <p:spTgt spid="3"/>
+                                        </p:tgtEl>
+                                      </p:cBhvr>
+                                    </p:cmd>
+                                  </p:childTnLst>
+                                </p:cTn>
+                              </p:par>
+                            </p:childTnLst>
+                          </p:cTn>
+                        </p:par>
+                      </p:childTnLst>
+                    </p:cTn>
+                  </p:par>
+                </p:childTnLst>
+              </p:cTn>
+              <p:nextCondLst>
+                <p:cond evt="onClick" delay="0">
+                  <p:tgtEl>
+                    <p:spTgt spid="3"/>
+                  </p:tgtEl>
+                </p:cond>
+              </p:nextCondLst>
+            </p:seq>
+            <p:video>
+              <p:cMediaNode vol="80000">
+                <p:cTn id="37" fill="hold" display="0">
+                  <p:stCondLst>
+                    <p:cond delay="indefinite"/>
+                  </p:stCondLst>
+                </p:cTn>
+                <p:tgtEl>
+                  <p:spTgt spid="4"/>
+                </p:tgtEl>
+              </p:cMediaNode>
+            </p:video>
+            <p:seq concurrent="1" nextAc="seek">
+              <p:cTn id="38" restart="whenNotActive" fill="hold" evtFilter="cancelBubble" nodeType="interactiveSeq">
+                <p:stCondLst>
+                  <p:cond evt="onClick" delay="0">
+                    <p:tgtEl>
+                      <p:spTgt spid="4"/>
+                    </p:tgtEl>
+                  </p:cond>
+                </p:stCondLst>
+                <p:endSync evt="end" delay="0">
+                  <p:rtn val="all"/>
+                </p:endSync>
+                <p:childTnLst>
+                  <p:par>
+                    <p:cTn id="39" fill="hold">
+                      <p:stCondLst>
+                        <p:cond delay="0"/>
+                      </p:stCondLst>
+                      <p:childTnLst>
+                        <p:par>
+                          <p:cTn id="40" fill="hold">
+                            <p:stCondLst>
+                              <p:cond delay="0"/>
+                            </p:stCondLst>
+                            <p:childTnLst>
+                              <p:par>
+                                <p:cTn id="41" presetID="2" presetClass="mediacall" presetSubtype="0" fill="hold" nodeType="clickEffect">
+                                  <p:stCondLst>
+                                    <p:cond delay="0"/>
+                                  </p:stCondLst>
+                                  <p:childTnLst>
+                                    <p:cmd type="call" cmd="togglePause">
+                                      <p:cBhvr>
+                                        <p:cTn id="42" dur="1" fill="hold"/>
+                                        <p:tgtEl>
+                                          <p:spTgt spid="4"/>
+                                        </p:tgtEl>
+                                      </p:cBhvr>
+                                    </p:cmd>
+                                  </p:childTnLst>
+                                </p:cTn>
+                              </p:par>
+                            </p:childTnLst>
+                          </p:cTn>
+                        </p:par>
+                      </p:childTnLst>
+                    </p:cTn>
+                  </p:par>
+                </p:childTnLst>
+              </p:cTn>
+              <p:nextCondLst>
+                <p:cond evt="onClick" delay="0">
+                  <p:tgtEl>
+                    <p:spTgt spid="4"/>
                   </p:tgtEl>
                 </p:cond>
               </p:nextCondLst>
@@ -15339,7 +18534,7 @@
                 <a:latin typeface="Vladimir Script" panose="03050402040407070305" pitchFamily="66" charset="0"/>
                 <a:cs typeface="Vani" panose="020B0502040204020203" pitchFamily="18" charset="0"/>
               </a:rPr>
-              <a:t>Nous contacter </a:t>
+              <a:t>Nos partenaires </a:t>
             </a:r>
           </a:p>
         </p:txBody>
@@ -15833,14 +19028,14 @@
         </p:nvSpPr>
         <p:spPr>
           <a:xfrm>
-            <a:off x="11335447" y="1551394"/>
-            <a:ext cx="561975" cy="45719"/>
+            <a:off x="9906909" y="1536513"/>
+            <a:ext cx="1058271" cy="45719"/>
           </a:xfrm>
           <a:prstGeom prst="roundRect">
             <a:avLst/>
           </a:prstGeom>
           <a:solidFill>
-            <a:srgbClr val="9954CC"/>
+            <a:srgbClr val="7130A2"/>
           </a:solidFill>
           <a:ln>
             <a:noFill/>
@@ -15873,64 +19068,10 @@
       </p:sp>
       <p:sp>
         <p:nvSpPr>
-          <p:cNvPr id="18" name="Rectangle : coins arrondis 17">
-            <a:extLst>
-              <a:ext uri="{FF2B5EF4-FFF2-40B4-BE49-F238E27FC236}">
-                <a16:creationId xmlns:a16="http://schemas.microsoft.com/office/drawing/2014/main" id="{366C7E7B-98D7-48CD-8831-25322FB668EE}"/>
-              </a:ext>
-            </a:extLst>
-          </p:cNvPr>
-          <p:cNvSpPr/>
-          <p:nvPr/>
-        </p:nvSpPr>
-        <p:spPr>
-          <a:xfrm>
-            <a:off x="4139284" y="3008414"/>
-            <a:ext cx="5967095" cy="235275"/>
-          </a:xfrm>
-          <a:prstGeom prst="roundRect">
-            <a:avLst/>
-          </a:prstGeom>
-          <a:solidFill>
-            <a:schemeClr val="bg1">
-              <a:lumMod val="85000"/>
-            </a:schemeClr>
-          </a:solidFill>
-          <a:ln>
-            <a:noFill/>
-          </a:ln>
-        </p:spPr>
-        <p:style>
-          <a:lnRef idx="2">
-            <a:schemeClr val="accent1">
-              <a:shade val="50000"/>
-            </a:schemeClr>
-          </a:lnRef>
-          <a:fillRef idx="1">
-            <a:schemeClr val="accent1"/>
-          </a:fillRef>
-          <a:effectRef idx="0">
-            <a:schemeClr val="accent1"/>
-          </a:effectRef>
-          <a:fontRef idx="minor">
-            <a:schemeClr val="lt1"/>
-          </a:fontRef>
-        </p:style>
-        <p:txBody>
-          <a:bodyPr rtlCol="0" anchor="ctr"/>
-          <a:lstStyle/>
-          <a:p>
-            <a:pPr algn="ctr"/>
-            <a:endParaRPr lang="fr-FR" dirty="0"/>
-          </a:p>
-        </p:txBody>
-      </p:sp>
-      <p:sp>
-        <p:nvSpPr>
-          <p:cNvPr id="30" name="ZoneTexte 29">
-            <a:extLst>
-              <a:ext uri="{FF2B5EF4-FFF2-40B4-BE49-F238E27FC236}">
-                <a16:creationId xmlns:a16="http://schemas.microsoft.com/office/drawing/2014/main" id="{7B1CAE0F-903D-44FE-B65D-64DAB9482288}"/>
+          <p:cNvPr id="26" name="ZoneTexte 25">
+            <a:extLst>
+              <a:ext uri="{FF2B5EF4-FFF2-40B4-BE49-F238E27FC236}">
+                <a16:creationId xmlns:a16="http://schemas.microsoft.com/office/drawing/2014/main" id="{8982BF22-0D66-486E-9FA7-C13A88E656EC}"/>
               </a:ext>
             </a:extLst>
           </p:cNvPr>
@@ -15939,8 +19080,8 @@
         </p:nvSpPr>
         <p:spPr>
           <a:xfrm>
-            <a:off x="1394909" y="2969016"/>
-            <a:ext cx="4526157" cy="2031325"/>
+            <a:off x="3595228" y="3484602"/>
+            <a:ext cx="6099858" cy="369332"/>
           </a:xfrm>
           <a:prstGeom prst="rect">
             <a:avLst/>
@@ -15948,11 +19089,22 @@
           <a:noFill/>
         </p:spPr>
         <p:txBody>
-          <a:bodyPr wrap="square" rtlCol="0">
+          <a:bodyPr wrap="square">
             <a:spAutoFit/>
           </a:bodyPr>
           <a:lstStyle/>
           <a:p>
+            <a:r>
+              <a:rPr lang="fr-FR" dirty="0">
+                <a:solidFill>
+                  <a:schemeClr val="bg2">
+                    <a:lumMod val="25000"/>
+                  </a:schemeClr>
+                </a:solidFill>
+                <a:hlinkClick r:id="rId7"/>
+              </a:rPr>
+              <a:t>https://www.dame-blanche.com/tarots-et-jeux-de-cartes</a:t>
+            </a:r>
             <a:r>
               <a:rPr lang="fr-FR" dirty="0">
                 <a:solidFill>
@@ -15961,10 +19113,162 @@
                   </a:schemeClr>
                 </a:solidFill>
               </a:rPr>
-              <a:t>Votre nom </a:t>
+              <a:t> </a:t>
             </a:r>
           </a:p>
-          <a:p>
+        </p:txBody>
+      </p:sp>
+      <p:pic>
+        <p:nvPicPr>
+          <p:cNvPr id="7" name="Image 6">
+            <a:extLst>
+              <a:ext uri="{FF2B5EF4-FFF2-40B4-BE49-F238E27FC236}">
+                <a16:creationId xmlns:a16="http://schemas.microsoft.com/office/drawing/2014/main" id="{10672F09-491C-4594-A885-C41D1769E2DA}"/>
+              </a:ext>
+            </a:extLst>
+          </p:cNvPr>
+          <p:cNvPicPr>
+            <a:picLocks noChangeAspect="1"/>
+          </p:cNvPicPr>
+          <p:nvPr/>
+        </p:nvPicPr>
+        <p:blipFill>
+          <a:blip r:embed="rId8"/>
+          <a:stretch>
+            <a:fillRect/>
+          </a:stretch>
+        </p:blipFill>
+        <p:spPr>
+          <a:xfrm>
+            <a:off x="807843" y="2785503"/>
+            <a:ext cx="2525666" cy="1652596"/>
+          </a:xfrm>
+          <a:prstGeom prst="rect">
+            <a:avLst/>
+          </a:prstGeom>
+        </p:spPr>
+      </p:pic>
+      <p:sp>
+        <p:nvSpPr>
+          <p:cNvPr id="36" name="ZoneTexte 35">
+            <a:extLst>
+              <a:ext uri="{FF2B5EF4-FFF2-40B4-BE49-F238E27FC236}">
+                <a16:creationId xmlns:a16="http://schemas.microsoft.com/office/drawing/2014/main" id="{7FF831AC-10D5-4590-9F9E-ABB5AD315532}"/>
+              </a:ext>
+            </a:extLst>
+          </p:cNvPr>
+          <p:cNvSpPr txBox="1"/>
+          <p:nvPr/>
+        </p:nvSpPr>
+        <p:spPr>
+          <a:xfrm>
+            <a:off x="3595228" y="2848963"/>
+            <a:ext cx="3294817" cy="646331"/>
+          </a:xfrm>
+          <a:prstGeom prst="rect">
+            <a:avLst/>
+          </a:prstGeom>
+          <a:noFill/>
+        </p:spPr>
+        <p:txBody>
+          <a:bodyPr wrap="square" rtlCol="0">
+            <a:spAutoFit/>
+          </a:bodyPr>
+          <a:lstStyle/>
+          <a:p>
+            <a:r>
+              <a:rPr lang="fr-FR" sz="3600" dirty="0">
+                <a:solidFill>
+                  <a:schemeClr val="bg2">
+                    <a:lumMod val="25000"/>
+                  </a:schemeClr>
+                </a:solidFill>
+              </a:rPr>
+              <a:t>Dame Blanche </a:t>
+            </a:r>
+          </a:p>
+        </p:txBody>
+      </p:sp>
+      <p:sp>
+        <p:nvSpPr>
+          <p:cNvPr id="37" name="ZoneTexte 36">
+            <a:extLst>
+              <a:ext uri="{FF2B5EF4-FFF2-40B4-BE49-F238E27FC236}">
+                <a16:creationId xmlns:a16="http://schemas.microsoft.com/office/drawing/2014/main" id="{DFC03BDA-A43B-4214-ADC4-556F3E18AAAB}"/>
+              </a:ext>
+            </a:extLst>
+          </p:cNvPr>
+          <p:cNvSpPr txBox="1"/>
+          <p:nvPr/>
+        </p:nvSpPr>
+        <p:spPr>
+          <a:xfrm>
+            <a:off x="3595225" y="3807767"/>
+            <a:ext cx="5352005" cy="400110"/>
+          </a:xfrm>
+          <a:prstGeom prst="rect">
+            <a:avLst/>
+          </a:prstGeom>
+          <a:noFill/>
+        </p:spPr>
+        <p:txBody>
+          <a:bodyPr wrap="square" rtlCol="0">
+            <a:spAutoFit/>
+          </a:bodyPr>
+          <a:lstStyle/>
+          <a:p>
+            <a:r>
+              <a:rPr lang="fr-FR" sz="2000" dirty="0">
+                <a:solidFill>
+                  <a:schemeClr val="bg2">
+                    <a:lumMod val="25000"/>
+                  </a:schemeClr>
+                </a:solidFill>
+              </a:rPr>
+              <a:t>Vente de cartes talismans dodécaèdre  </a:t>
+            </a:r>
+          </a:p>
+        </p:txBody>
+      </p:sp>
+      <p:sp>
+        <p:nvSpPr>
+          <p:cNvPr id="38" name="ZoneTexte 37">
+            <a:extLst>
+              <a:ext uri="{FF2B5EF4-FFF2-40B4-BE49-F238E27FC236}">
+                <a16:creationId xmlns:a16="http://schemas.microsoft.com/office/drawing/2014/main" id="{3375B39E-C9C7-4ED3-80C2-E294E713AA91}"/>
+              </a:ext>
+            </a:extLst>
+          </p:cNvPr>
+          <p:cNvSpPr txBox="1"/>
+          <p:nvPr/>
+        </p:nvSpPr>
+        <p:spPr>
+          <a:xfrm>
+            <a:off x="3595228" y="5499073"/>
+            <a:ext cx="6099858" cy="369332"/>
+          </a:xfrm>
+          <a:prstGeom prst="rect">
+            <a:avLst/>
+          </a:prstGeom>
+          <a:noFill/>
+        </p:spPr>
+        <p:txBody>
+          <a:bodyPr wrap="square">
+            <a:spAutoFit/>
+          </a:bodyPr>
+          <a:lstStyle/>
+          <a:p>
+            <a:r>
+              <a:rPr lang="fr-FR" dirty="0">
+                <a:solidFill>
+                  <a:schemeClr val="bg2">
+                    <a:lumMod val="25000"/>
+                  </a:schemeClr>
+                </a:solidFill>
+                <a:hlinkClick r:id="rId7"/>
+              </a:rPr>
+              <a:t>https://www.dame-blanche.com/tarots-et-jeux-de-cartes</a:t>
+            </a:r>
             <a:r>
               <a:rPr lang="fr-FR" dirty="0">
                 <a:solidFill>
@@ -15973,408 +19277,127 @@
                   </a:schemeClr>
                 </a:solidFill>
               </a:rPr>
-              <a:t>Votre mail</a:t>
+              <a:t> </a:t>
             </a:r>
           </a:p>
+        </p:txBody>
+      </p:sp>
+      <p:pic>
+        <p:nvPicPr>
+          <p:cNvPr id="39" name="Image 38">
+            <a:extLst>
+              <a:ext uri="{FF2B5EF4-FFF2-40B4-BE49-F238E27FC236}">
+                <a16:creationId xmlns:a16="http://schemas.microsoft.com/office/drawing/2014/main" id="{21503BEC-97E3-4068-A978-37EA93C3BB5E}"/>
+              </a:ext>
+            </a:extLst>
+          </p:cNvPr>
+          <p:cNvPicPr>
+            <a:picLocks noChangeAspect="1"/>
+          </p:cNvPicPr>
+          <p:nvPr/>
+        </p:nvPicPr>
+        <p:blipFill>
+          <a:blip r:embed="rId8"/>
+          <a:stretch>
+            <a:fillRect/>
+          </a:stretch>
+        </p:blipFill>
+        <p:spPr>
+          <a:xfrm>
+            <a:off x="807843" y="4799974"/>
+            <a:ext cx="2525666" cy="1652596"/>
+          </a:xfrm>
+          <a:prstGeom prst="rect">
+            <a:avLst/>
+          </a:prstGeom>
+        </p:spPr>
+      </p:pic>
+      <p:sp>
+        <p:nvSpPr>
+          <p:cNvPr id="40" name="ZoneTexte 39">
+            <a:extLst>
+              <a:ext uri="{FF2B5EF4-FFF2-40B4-BE49-F238E27FC236}">
+                <a16:creationId xmlns:a16="http://schemas.microsoft.com/office/drawing/2014/main" id="{AF1C2C2A-59C9-40BB-9ECD-A3C1C1490997}"/>
+              </a:ext>
+            </a:extLst>
+          </p:cNvPr>
+          <p:cNvSpPr txBox="1"/>
+          <p:nvPr/>
+        </p:nvSpPr>
+        <p:spPr>
+          <a:xfrm>
+            <a:off x="3595228" y="4863434"/>
+            <a:ext cx="3294817" cy="646331"/>
+          </a:xfrm>
+          <a:prstGeom prst="rect">
+            <a:avLst/>
+          </a:prstGeom>
+          <a:noFill/>
+        </p:spPr>
+        <p:txBody>
+          <a:bodyPr wrap="square" rtlCol="0">
+            <a:spAutoFit/>
+          </a:bodyPr>
+          <a:lstStyle/>
           <a:p>
             <a:r>
-              <a:rPr lang="fr-FR" dirty="0">
+              <a:rPr lang="fr-FR" sz="3600" dirty="0">
                 <a:solidFill>
                   <a:schemeClr val="bg2">
                     <a:lumMod val="25000"/>
                   </a:schemeClr>
                 </a:solidFill>
               </a:rPr>
-              <a:t>Votre numéro de téléphone </a:t>
+              <a:t>Dame Blanche </a:t>
             </a:r>
           </a:p>
+        </p:txBody>
+      </p:sp>
+      <p:sp>
+        <p:nvSpPr>
+          <p:cNvPr id="41" name="ZoneTexte 40">
+            <a:extLst>
+              <a:ext uri="{FF2B5EF4-FFF2-40B4-BE49-F238E27FC236}">
+                <a16:creationId xmlns:a16="http://schemas.microsoft.com/office/drawing/2014/main" id="{EE1D3E9E-4FBC-4B6C-9086-7D0CA78C8D51}"/>
+              </a:ext>
+            </a:extLst>
+          </p:cNvPr>
+          <p:cNvSpPr txBox="1"/>
+          <p:nvPr/>
+        </p:nvSpPr>
+        <p:spPr>
+          <a:xfrm>
+            <a:off x="3595225" y="5822238"/>
+            <a:ext cx="5352005" cy="400110"/>
+          </a:xfrm>
+          <a:prstGeom prst="rect">
+            <a:avLst/>
+          </a:prstGeom>
+          <a:noFill/>
+        </p:spPr>
+        <p:txBody>
+          <a:bodyPr wrap="square" rtlCol="0">
+            <a:spAutoFit/>
+          </a:bodyPr>
+          <a:lstStyle/>
           <a:p>
             <a:r>
-              <a:rPr lang="fr-FR" dirty="0">
+              <a:rPr lang="fr-FR" sz="2000" dirty="0">
                 <a:solidFill>
                   <a:schemeClr val="bg2">
                     <a:lumMod val="25000"/>
                   </a:schemeClr>
                 </a:solidFill>
               </a:rPr>
-              <a:t>Votre motif </a:t>
+              <a:t>Vente de cartes talismans dodécaèdre  </a:t>
             </a:r>
-          </a:p>
-          <a:p>
-            <a:r>
-              <a:rPr lang="fr-FR" dirty="0">
-                <a:solidFill>
-                  <a:schemeClr val="bg2">
-                    <a:lumMod val="25000"/>
-                  </a:schemeClr>
-                </a:solidFill>
-              </a:rPr>
-              <a:t>Votre message </a:t>
-            </a:r>
-          </a:p>
-          <a:p>
-            <a:endParaRPr lang="fr-FR" dirty="0"/>
-          </a:p>
-          <a:p>
-            <a:r>
-              <a:rPr lang="fr-FR" dirty="0"/>
-              <a:t>     	</a:t>
-            </a:r>
-            <a:endParaRPr lang="fr-FR" dirty="0">
-              <a:solidFill>
-                <a:schemeClr val="bg2">
-                  <a:lumMod val="25000"/>
-                </a:schemeClr>
-              </a:solidFill>
-            </a:endParaRPr>
-          </a:p>
-        </p:txBody>
-      </p:sp>
-      <p:sp>
-        <p:nvSpPr>
-          <p:cNvPr id="34" name="Rectangle : coins arrondis 33">
-            <a:extLst>
-              <a:ext uri="{FF2B5EF4-FFF2-40B4-BE49-F238E27FC236}">
-                <a16:creationId xmlns:a16="http://schemas.microsoft.com/office/drawing/2014/main" id="{189F4698-C90E-473C-9A83-DABCACC35372}"/>
-              </a:ext>
-            </a:extLst>
-          </p:cNvPr>
-          <p:cNvSpPr/>
-          <p:nvPr/>
-        </p:nvSpPr>
-        <p:spPr>
-          <a:xfrm>
-            <a:off x="4139285" y="3911129"/>
-            <a:ext cx="5697215" cy="240266"/>
-          </a:xfrm>
-          <a:prstGeom prst="roundRect">
-            <a:avLst/>
-          </a:prstGeom>
-          <a:solidFill>
-            <a:schemeClr val="bg1">
-              <a:lumMod val="85000"/>
-            </a:schemeClr>
-          </a:solidFill>
-          <a:ln>
-            <a:noFill/>
-          </a:ln>
-        </p:spPr>
-        <p:style>
-          <a:lnRef idx="2">
-            <a:schemeClr val="accent1">
-              <a:shade val="50000"/>
-            </a:schemeClr>
-          </a:lnRef>
-          <a:fillRef idx="1">
-            <a:schemeClr val="accent1"/>
-          </a:fillRef>
-          <a:effectRef idx="0">
-            <a:schemeClr val="accent1"/>
-          </a:effectRef>
-          <a:fontRef idx="minor">
-            <a:schemeClr val="lt1"/>
-          </a:fontRef>
-        </p:style>
-        <p:txBody>
-          <a:bodyPr rtlCol="0" anchor="ctr"/>
-          <a:lstStyle/>
-          <a:p>
-            <a:pPr algn="ctr"/>
-            <a:endParaRPr lang="fr-FR"/>
-          </a:p>
-        </p:txBody>
-      </p:sp>
-      <p:grpSp>
-        <p:nvGrpSpPr>
-          <p:cNvPr id="4" name="Groupe 3">
-            <a:extLst>
-              <a:ext uri="{FF2B5EF4-FFF2-40B4-BE49-F238E27FC236}">
-                <a16:creationId xmlns:a16="http://schemas.microsoft.com/office/drawing/2014/main" id="{76CA2F0D-1FDD-46A2-BC75-B277D48D9D80}"/>
-              </a:ext>
-            </a:extLst>
-          </p:cNvPr>
-          <p:cNvGrpSpPr/>
-          <p:nvPr/>
-        </p:nvGrpSpPr>
-        <p:grpSpPr>
-          <a:xfrm>
-            <a:off x="9836504" y="3918380"/>
-            <a:ext cx="269875" cy="240266"/>
-            <a:chOff x="4919345" y="3881120"/>
-            <a:chExt cx="269875" cy="240266"/>
-          </a:xfrm>
-        </p:grpSpPr>
-        <p:sp>
-          <p:nvSpPr>
-            <p:cNvPr id="2" name="Rectangle : coins arrondis 1">
-              <a:extLst>
-                <a:ext uri="{FF2B5EF4-FFF2-40B4-BE49-F238E27FC236}">
-                  <a16:creationId xmlns:a16="http://schemas.microsoft.com/office/drawing/2014/main" id="{14FCF062-6C79-41FF-A122-A009FE67A6C4}"/>
-                </a:ext>
-              </a:extLst>
-            </p:cNvPr>
-            <p:cNvSpPr/>
-            <p:nvPr/>
-          </p:nvSpPr>
-          <p:spPr>
-            <a:xfrm>
-              <a:off x="4919345" y="3881120"/>
-              <a:ext cx="269875" cy="240266"/>
-            </a:xfrm>
-            <a:prstGeom prst="roundRect">
-              <a:avLst/>
-            </a:prstGeom>
-            <a:solidFill>
-              <a:srgbClr val="D9D9D9"/>
-            </a:solidFill>
-            <a:ln>
-              <a:noFill/>
-            </a:ln>
-          </p:spPr>
-          <p:style>
-            <a:lnRef idx="2">
-              <a:schemeClr val="accent1">
-                <a:shade val="50000"/>
-              </a:schemeClr>
-            </a:lnRef>
-            <a:fillRef idx="1">
-              <a:schemeClr val="accent1"/>
-            </a:fillRef>
-            <a:effectRef idx="0">
-              <a:schemeClr val="accent1"/>
-            </a:effectRef>
-            <a:fontRef idx="minor">
-              <a:schemeClr val="lt1"/>
-            </a:fontRef>
-          </p:style>
-          <p:txBody>
-            <a:bodyPr rtlCol="0" anchor="ctr"/>
-            <a:lstStyle/>
-            <a:p>
-              <a:pPr algn="ctr"/>
-              <a:endParaRPr lang="fr-FR"/>
-            </a:p>
-          </p:txBody>
-        </p:sp>
-        <p:sp>
-          <p:nvSpPr>
-            <p:cNvPr id="3" name="Triangle isocèle 2">
-              <a:extLst>
-                <a:ext uri="{FF2B5EF4-FFF2-40B4-BE49-F238E27FC236}">
-                  <a16:creationId xmlns:a16="http://schemas.microsoft.com/office/drawing/2014/main" id="{0479BF80-A314-4144-9E5F-3799582CDD6A}"/>
-                </a:ext>
-              </a:extLst>
-            </p:cNvPr>
-            <p:cNvSpPr/>
-            <p:nvPr/>
-          </p:nvSpPr>
-          <p:spPr>
-            <a:xfrm rot="10800000">
-              <a:off x="4964836" y="3921637"/>
-              <a:ext cx="178891" cy="152812"/>
-            </a:xfrm>
-            <a:prstGeom prst="triangle">
-              <a:avLst/>
-            </a:prstGeom>
-            <a:solidFill>
-              <a:srgbClr val="7130A2"/>
-            </a:solidFill>
-            <a:ln>
-              <a:noFill/>
-            </a:ln>
-          </p:spPr>
-          <p:style>
-            <a:lnRef idx="2">
-              <a:schemeClr val="accent1">
-                <a:shade val="50000"/>
-              </a:schemeClr>
-            </a:lnRef>
-            <a:fillRef idx="1">
-              <a:schemeClr val="accent1"/>
-            </a:fillRef>
-            <a:effectRef idx="0">
-              <a:schemeClr val="accent1"/>
-            </a:effectRef>
-            <a:fontRef idx="minor">
-              <a:schemeClr val="lt1"/>
-            </a:fontRef>
-          </p:style>
-          <p:txBody>
-            <a:bodyPr rtlCol="0" anchor="ctr"/>
-            <a:lstStyle/>
-            <a:p>
-              <a:pPr algn="ctr"/>
-              <a:endParaRPr lang="fr-FR"/>
-            </a:p>
-          </p:txBody>
-        </p:sp>
-      </p:grpSp>
-      <p:sp>
-        <p:nvSpPr>
-          <p:cNvPr id="35" name="Rectangle : coins arrondis 34">
-            <a:extLst>
-              <a:ext uri="{FF2B5EF4-FFF2-40B4-BE49-F238E27FC236}">
-                <a16:creationId xmlns:a16="http://schemas.microsoft.com/office/drawing/2014/main" id="{9F02BAD8-30F5-48C8-9580-287BDBDDBF9C}"/>
-              </a:ext>
-            </a:extLst>
-          </p:cNvPr>
-          <p:cNvSpPr/>
-          <p:nvPr/>
-        </p:nvSpPr>
-        <p:spPr>
-          <a:xfrm>
-            <a:off x="4139285" y="4233613"/>
-            <a:ext cx="5967095" cy="1507012"/>
-          </a:xfrm>
-          <a:prstGeom prst="roundRect">
-            <a:avLst/>
-          </a:prstGeom>
-          <a:solidFill>
-            <a:schemeClr val="bg1">
-              <a:lumMod val="85000"/>
-            </a:schemeClr>
-          </a:solidFill>
-          <a:ln>
-            <a:noFill/>
-          </a:ln>
-        </p:spPr>
-        <p:style>
-          <a:lnRef idx="2">
-            <a:schemeClr val="accent1">
-              <a:shade val="50000"/>
-            </a:schemeClr>
-          </a:lnRef>
-          <a:fillRef idx="1">
-            <a:schemeClr val="accent1"/>
-          </a:fillRef>
-          <a:effectRef idx="0">
-            <a:schemeClr val="accent1"/>
-          </a:effectRef>
-          <a:fontRef idx="minor">
-            <a:schemeClr val="lt1"/>
-          </a:fontRef>
-        </p:style>
-        <p:txBody>
-          <a:bodyPr rtlCol="0" anchor="ctr"/>
-          <a:lstStyle/>
-          <a:p>
-            <a:pPr algn="ctr"/>
-            <a:endParaRPr lang="fr-FR"/>
-          </a:p>
-        </p:txBody>
-      </p:sp>
-      <p:sp>
-        <p:nvSpPr>
-          <p:cNvPr id="50" name="Rectangle : coins arrondis 49">
-            <a:extLst>
-              <a:ext uri="{FF2B5EF4-FFF2-40B4-BE49-F238E27FC236}">
-                <a16:creationId xmlns:a16="http://schemas.microsoft.com/office/drawing/2014/main" id="{586BFF79-B8E2-4B46-9821-D7FB1C1B437A}"/>
-              </a:ext>
-            </a:extLst>
-          </p:cNvPr>
-          <p:cNvSpPr/>
-          <p:nvPr/>
-        </p:nvSpPr>
-        <p:spPr>
-          <a:xfrm>
-            <a:off x="4139284" y="3313158"/>
-            <a:ext cx="5967095" cy="235275"/>
-          </a:xfrm>
-          <a:prstGeom prst="roundRect">
-            <a:avLst/>
-          </a:prstGeom>
-          <a:solidFill>
-            <a:schemeClr val="bg1">
-              <a:lumMod val="85000"/>
-            </a:schemeClr>
-          </a:solidFill>
-          <a:ln>
-            <a:noFill/>
-          </a:ln>
-        </p:spPr>
-        <p:style>
-          <a:lnRef idx="2">
-            <a:schemeClr val="accent1">
-              <a:shade val="50000"/>
-            </a:schemeClr>
-          </a:lnRef>
-          <a:fillRef idx="1">
-            <a:schemeClr val="accent1"/>
-          </a:fillRef>
-          <a:effectRef idx="0">
-            <a:schemeClr val="accent1"/>
-          </a:effectRef>
-          <a:fontRef idx="minor">
-            <a:schemeClr val="lt1"/>
-          </a:fontRef>
-        </p:style>
-        <p:txBody>
-          <a:bodyPr rtlCol="0" anchor="ctr"/>
-          <a:lstStyle/>
-          <a:p>
-            <a:pPr algn="ctr"/>
-            <a:endParaRPr lang="fr-FR" dirty="0"/>
-          </a:p>
-        </p:txBody>
-      </p:sp>
-      <p:sp>
-        <p:nvSpPr>
-          <p:cNvPr id="51" name="Rectangle : coins arrondis 50">
-            <a:extLst>
-              <a:ext uri="{FF2B5EF4-FFF2-40B4-BE49-F238E27FC236}">
-                <a16:creationId xmlns:a16="http://schemas.microsoft.com/office/drawing/2014/main" id="{A81261D1-12A3-4370-B28E-AAA799DCEE5B}"/>
-              </a:ext>
-            </a:extLst>
-          </p:cNvPr>
-          <p:cNvSpPr/>
-          <p:nvPr/>
-        </p:nvSpPr>
-        <p:spPr>
-          <a:xfrm>
-            <a:off x="4139284" y="3608139"/>
-            <a:ext cx="5967095" cy="235275"/>
-          </a:xfrm>
-          <a:prstGeom prst="roundRect">
-            <a:avLst/>
-          </a:prstGeom>
-          <a:solidFill>
-            <a:schemeClr val="bg1">
-              <a:lumMod val="85000"/>
-            </a:schemeClr>
-          </a:solidFill>
-          <a:ln>
-            <a:noFill/>
-          </a:ln>
-        </p:spPr>
-        <p:style>
-          <a:lnRef idx="2">
-            <a:schemeClr val="accent1">
-              <a:shade val="50000"/>
-            </a:schemeClr>
-          </a:lnRef>
-          <a:fillRef idx="1">
-            <a:schemeClr val="accent1"/>
-          </a:fillRef>
-          <a:effectRef idx="0">
-            <a:schemeClr val="accent1"/>
-          </a:effectRef>
-          <a:fontRef idx="minor">
-            <a:schemeClr val="lt1"/>
-          </a:fontRef>
-        </p:style>
-        <p:txBody>
-          <a:bodyPr rtlCol="0" anchor="ctr"/>
-          <a:lstStyle/>
-          <a:p>
-            <a:pPr algn="ctr"/>
-            <a:endParaRPr lang="fr-FR" dirty="0"/>
           </a:p>
         </p:txBody>
       </p:sp>
     </p:spTree>
     <p:extLst>
       <p:ext uri="{BB962C8B-B14F-4D97-AF65-F5344CB8AC3E}">
-        <p14:creationId xmlns:p14="http://schemas.microsoft.com/office/powerpoint/2010/main" val="271433224"/>
+        <p14:creationId xmlns:p14="http://schemas.microsoft.com/office/powerpoint/2010/main" val="657876395"/>
       </p:ext>
     </p:extLst>
   </p:cSld>
@@ -16636,7 +19659,7 @@
                 <a:latin typeface="Vladimir Script" panose="03050402040407070305" pitchFamily="66" charset="0"/>
                 <a:cs typeface="Vani" panose="020B0502040204020203" pitchFamily="18" charset="0"/>
               </a:rPr>
-              <a:t>Nos partenaires </a:t>
+              <a:t>Nous contacter </a:t>
             </a:r>
           </a:p>
         </p:txBody>
@@ -17130,14 +20153,14 @@
         </p:nvSpPr>
         <p:spPr>
           <a:xfrm>
-            <a:off x="9906909" y="1536513"/>
-            <a:ext cx="1058271" cy="45719"/>
+            <a:off x="11237126" y="1551394"/>
+            <a:ext cx="720000" cy="45719"/>
           </a:xfrm>
           <a:prstGeom prst="roundRect">
             <a:avLst/>
           </a:prstGeom>
           <a:solidFill>
-            <a:srgbClr val="9954CC"/>
+            <a:srgbClr val="7130A2"/>
           </a:solidFill>
           <a:ln>
             <a:noFill/>
@@ -17170,10 +20193,64 @@
       </p:sp>
       <p:sp>
         <p:nvSpPr>
-          <p:cNvPr id="26" name="ZoneTexte 25">
-            <a:extLst>
-              <a:ext uri="{FF2B5EF4-FFF2-40B4-BE49-F238E27FC236}">
-                <a16:creationId xmlns:a16="http://schemas.microsoft.com/office/drawing/2014/main" id="{8982BF22-0D66-486E-9FA7-C13A88E656EC}"/>
+          <p:cNvPr id="18" name="Rectangle : coins arrondis 17">
+            <a:extLst>
+              <a:ext uri="{FF2B5EF4-FFF2-40B4-BE49-F238E27FC236}">
+                <a16:creationId xmlns:a16="http://schemas.microsoft.com/office/drawing/2014/main" id="{366C7E7B-98D7-48CD-8831-25322FB668EE}"/>
+              </a:ext>
+            </a:extLst>
+          </p:cNvPr>
+          <p:cNvSpPr/>
+          <p:nvPr/>
+        </p:nvSpPr>
+        <p:spPr>
+          <a:xfrm>
+            <a:off x="4139284" y="3008414"/>
+            <a:ext cx="5967095" cy="235275"/>
+          </a:xfrm>
+          <a:prstGeom prst="roundRect">
+            <a:avLst/>
+          </a:prstGeom>
+          <a:solidFill>
+            <a:schemeClr val="bg1">
+              <a:lumMod val="85000"/>
+            </a:schemeClr>
+          </a:solidFill>
+          <a:ln>
+            <a:noFill/>
+          </a:ln>
+        </p:spPr>
+        <p:style>
+          <a:lnRef idx="2">
+            <a:schemeClr val="accent1">
+              <a:shade val="50000"/>
+            </a:schemeClr>
+          </a:lnRef>
+          <a:fillRef idx="1">
+            <a:schemeClr val="accent1"/>
+          </a:fillRef>
+          <a:effectRef idx="0">
+            <a:schemeClr val="accent1"/>
+          </a:effectRef>
+          <a:fontRef idx="minor">
+            <a:schemeClr val="lt1"/>
+          </a:fontRef>
+        </p:style>
+        <p:txBody>
+          <a:bodyPr rtlCol="0" anchor="ctr"/>
+          <a:lstStyle/>
+          <a:p>
+            <a:pPr algn="ctr"/>
+            <a:endParaRPr lang="fr-FR" dirty="0"/>
+          </a:p>
+        </p:txBody>
+      </p:sp>
+      <p:sp>
+        <p:nvSpPr>
+          <p:cNvPr id="30" name="ZoneTexte 29">
+            <a:extLst>
+              <a:ext uri="{FF2B5EF4-FFF2-40B4-BE49-F238E27FC236}">
+                <a16:creationId xmlns:a16="http://schemas.microsoft.com/office/drawing/2014/main" id="{7B1CAE0F-903D-44FE-B65D-64DAB9482288}"/>
               </a:ext>
             </a:extLst>
           </p:cNvPr>
@@ -17182,8 +20259,8 @@
         </p:nvSpPr>
         <p:spPr>
           <a:xfrm>
-            <a:off x="3595228" y="3484602"/>
-            <a:ext cx="6099858" cy="369332"/>
+            <a:off x="1394909" y="2969016"/>
+            <a:ext cx="4526157" cy="2031325"/>
           </a:xfrm>
           <a:prstGeom prst="rect">
             <a:avLst/>
@@ -17191,22 +20268,11 @@
           <a:noFill/>
         </p:spPr>
         <p:txBody>
-          <a:bodyPr wrap="square">
+          <a:bodyPr wrap="square" rtlCol="0">
             <a:spAutoFit/>
           </a:bodyPr>
           <a:lstStyle/>
           <a:p>
-            <a:r>
-              <a:rPr lang="fr-FR" dirty="0">
-                <a:solidFill>
-                  <a:schemeClr val="bg2">
-                    <a:lumMod val="25000"/>
-                  </a:schemeClr>
-                </a:solidFill>
-                <a:hlinkClick r:id="rId7"/>
-              </a:rPr>
-              <a:t>https://www.dame-blanche.com/tarots-et-jeux-de-cartes</a:t>
-            </a:r>
             <a:r>
               <a:rPr lang="fr-FR" dirty="0">
                 <a:solidFill>
@@ -17215,162 +20281,10 @@
                   </a:schemeClr>
                 </a:solidFill>
               </a:rPr>
-              <a:t> </a:t>
+              <a:t>Votre nom </a:t>
             </a:r>
           </a:p>
-        </p:txBody>
-      </p:sp>
-      <p:pic>
-        <p:nvPicPr>
-          <p:cNvPr id="7" name="Image 6">
-            <a:extLst>
-              <a:ext uri="{FF2B5EF4-FFF2-40B4-BE49-F238E27FC236}">
-                <a16:creationId xmlns:a16="http://schemas.microsoft.com/office/drawing/2014/main" id="{10672F09-491C-4594-A885-C41D1769E2DA}"/>
-              </a:ext>
-            </a:extLst>
-          </p:cNvPr>
-          <p:cNvPicPr>
-            <a:picLocks noChangeAspect="1"/>
-          </p:cNvPicPr>
-          <p:nvPr/>
-        </p:nvPicPr>
-        <p:blipFill>
-          <a:blip r:embed="rId8"/>
-          <a:stretch>
-            <a:fillRect/>
-          </a:stretch>
-        </p:blipFill>
-        <p:spPr>
-          <a:xfrm>
-            <a:off x="807843" y="2785503"/>
-            <a:ext cx="2525666" cy="1652596"/>
-          </a:xfrm>
-          <a:prstGeom prst="rect">
-            <a:avLst/>
-          </a:prstGeom>
-        </p:spPr>
-      </p:pic>
-      <p:sp>
-        <p:nvSpPr>
-          <p:cNvPr id="36" name="ZoneTexte 35">
-            <a:extLst>
-              <a:ext uri="{FF2B5EF4-FFF2-40B4-BE49-F238E27FC236}">
-                <a16:creationId xmlns:a16="http://schemas.microsoft.com/office/drawing/2014/main" id="{7FF831AC-10D5-4590-9F9E-ABB5AD315532}"/>
-              </a:ext>
-            </a:extLst>
-          </p:cNvPr>
-          <p:cNvSpPr txBox="1"/>
-          <p:nvPr/>
-        </p:nvSpPr>
-        <p:spPr>
-          <a:xfrm>
-            <a:off x="3595228" y="2848963"/>
-            <a:ext cx="3294817" cy="646331"/>
-          </a:xfrm>
-          <a:prstGeom prst="rect">
-            <a:avLst/>
-          </a:prstGeom>
-          <a:noFill/>
-        </p:spPr>
-        <p:txBody>
-          <a:bodyPr wrap="square" rtlCol="0">
-            <a:spAutoFit/>
-          </a:bodyPr>
-          <a:lstStyle/>
-          <a:p>
-            <a:r>
-              <a:rPr lang="fr-FR" sz="3600" dirty="0">
-                <a:solidFill>
-                  <a:schemeClr val="bg2">
-                    <a:lumMod val="25000"/>
-                  </a:schemeClr>
-                </a:solidFill>
-              </a:rPr>
-              <a:t>Dame Blanche </a:t>
-            </a:r>
-          </a:p>
-        </p:txBody>
-      </p:sp>
-      <p:sp>
-        <p:nvSpPr>
-          <p:cNvPr id="37" name="ZoneTexte 36">
-            <a:extLst>
-              <a:ext uri="{FF2B5EF4-FFF2-40B4-BE49-F238E27FC236}">
-                <a16:creationId xmlns:a16="http://schemas.microsoft.com/office/drawing/2014/main" id="{DFC03BDA-A43B-4214-ADC4-556F3E18AAAB}"/>
-              </a:ext>
-            </a:extLst>
-          </p:cNvPr>
-          <p:cNvSpPr txBox="1"/>
-          <p:nvPr/>
-        </p:nvSpPr>
-        <p:spPr>
-          <a:xfrm>
-            <a:off x="3595225" y="3807767"/>
-            <a:ext cx="5352005" cy="400110"/>
-          </a:xfrm>
-          <a:prstGeom prst="rect">
-            <a:avLst/>
-          </a:prstGeom>
-          <a:noFill/>
-        </p:spPr>
-        <p:txBody>
-          <a:bodyPr wrap="square" rtlCol="0">
-            <a:spAutoFit/>
-          </a:bodyPr>
-          <a:lstStyle/>
-          <a:p>
-            <a:r>
-              <a:rPr lang="fr-FR" sz="2000" dirty="0">
-                <a:solidFill>
-                  <a:schemeClr val="bg2">
-                    <a:lumMod val="25000"/>
-                  </a:schemeClr>
-                </a:solidFill>
-              </a:rPr>
-              <a:t>Vente de cartes talismans dodécaèdre  </a:t>
-            </a:r>
-          </a:p>
-        </p:txBody>
-      </p:sp>
-      <p:sp>
-        <p:nvSpPr>
-          <p:cNvPr id="38" name="ZoneTexte 37">
-            <a:extLst>
-              <a:ext uri="{FF2B5EF4-FFF2-40B4-BE49-F238E27FC236}">
-                <a16:creationId xmlns:a16="http://schemas.microsoft.com/office/drawing/2014/main" id="{3375B39E-C9C7-4ED3-80C2-E294E713AA91}"/>
-              </a:ext>
-            </a:extLst>
-          </p:cNvPr>
-          <p:cNvSpPr txBox="1"/>
-          <p:nvPr/>
-        </p:nvSpPr>
-        <p:spPr>
-          <a:xfrm>
-            <a:off x="3595228" y="5499073"/>
-            <a:ext cx="6099858" cy="369332"/>
-          </a:xfrm>
-          <a:prstGeom prst="rect">
-            <a:avLst/>
-          </a:prstGeom>
-          <a:noFill/>
-        </p:spPr>
-        <p:txBody>
-          <a:bodyPr wrap="square">
-            <a:spAutoFit/>
-          </a:bodyPr>
-          <a:lstStyle/>
-          <a:p>
-            <a:r>
-              <a:rPr lang="fr-FR" dirty="0">
-                <a:solidFill>
-                  <a:schemeClr val="bg2">
-                    <a:lumMod val="25000"/>
-                  </a:schemeClr>
-                </a:solidFill>
-                <a:hlinkClick r:id="rId7"/>
-              </a:rPr>
-              <a:t>https://www.dame-blanche.com/tarots-et-jeux-de-cartes</a:t>
-            </a:r>
+          <a:p>
             <a:r>
               <a:rPr lang="fr-FR" dirty="0">
                 <a:solidFill>
@@ -17379,127 +20293,408 @@
                   </a:schemeClr>
                 </a:solidFill>
               </a:rPr>
-              <a:t> </a:t>
+              <a:t>Votre mail</a:t>
             </a:r>
           </a:p>
-        </p:txBody>
-      </p:sp>
-      <p:pic>
-        <p:nvPicPr>
-          <p:cNvPr id="39" name="Image 38">
-            <a:extLst>
-              <a:ext uri="{FF2B5EF4-FFF2-40B4-BE49-F238E27FC236}">
-                <a16:creationId xmlns:a16="http://schemas.microsoft.com/office/drawing/2014/main" id="{21503BEC-97E3-4068-A978-37EA93C3BB5E}"/>
-              </a:ext>
-            </a:extLst>
-          </p:cNvPr>
-          <p:cNvPicPr>
-            <a:picLocks noChangeAspect="1"/>
-          </p:cNvPicPr>
-          <p:nvPr/>
-        </p:nvPicPr>
-        <p:blipFill>
-          <a:blip r:embed="rId8"/>
-          <a:stretch>
-            <a:fillRect/>
-          </a:stretch>
-        </p:blipFill>
-        <p:spPr>
-          <a:xfrm>
-            <a:off x="807843" y="4799974"/>
-            <a:ext cx="2525666" cy="1652596"/>
-          </a:xfrm>
-          <a:prstGeom prst="rect">
-            <a:avLst/>
-          </a:prstGeom>
-        </p:spPr>
-      </p:pic>
-      <p:sp>
-        <p:nvSpPr>
-          <p:cNvPr id="40" name="ZoneTexte 39">
-            <a:extLst>
-              <a:ext uri="{FF2B5EF4-FFF2-40B4-BE49-F238E27FC236}">
-                <a16:creationId xmlns:a16="http://schemas.microsoft.com/office/drawing/2014/main" id="{AF1C2C2A-59C9-40BB-9ECD-A3C1C1490997}"/>
-              </a:ext>
-            </a:extLst>
-          </p:cNvPr>
-          <p:cNvSpPr txBox="1"/>
-          <p:nvPr/>
-        </p:nvSpPr>
-        <p:spPr>
-          <a:xfrm>
-            <a:off x="3595228" y="4863434"/>
-            <a:ext cx="3294817" cy="646331"/>
-          </a:xfrm>
-          <a:prstGeom prst="rect">
-            <a:avLst/>
-          </a:prstGeom>
-          <a:noFill/>
-        </p:spPr>
-        <p:txBody>
-          <a:bodyPr wrap="square" rtlCol="0">
-            <a:spAutoFit/>
-          </a:bodyPr>
-          <a:lstStyle/>
           <a:p>
             <a:r>
-              <a:rPr lang="fr-FR" sz="3600" dirty="0">
+              <a:rPr lang="fr-FR" dirty="0">
                 <a:solidFill>
                   <a:schemeClr val="bg2">
                     <a:lumMod val="25000"/>
                   </a:schemeClr>
                 </a:solidFill>
               </a:rPr>
-              <a:t>Dame Blanche </a:t>
+              <a:t>Votre numéro de téléphone </a:t>
             </a:r>
           </a:p>
-        </p:txBody>
-      </p:sp>
-      <p:sp>
-        <p:nvSpPr>
-          <p:cNvPr id="41" name="ZoneTexte 40">
-            <a:extLst>
-              <a:ext uri="{FF2B5EF4-FFF2-40B4-BE49-F238E27FC236}">
-                <a16:creationId xmlns:a16="http://schemas.microsoft.com/office/drawing/2014/main" id="{EE1D3E9E-4FBC-4B6C-9086-7D0CA78C8D51}"/>
-              </a:ext>
-            </a:extLst>
-          </p:cNvPr>
-          <p:cNvSpPr txBox="1"/>
-          <p:nvPr/>
-        </p:nvSpPr>
-        <p:spPr>
-          <a:xfrm>
-            <a:off x="3595225" y="5822238"/>
-            <a:ext cx="5352005" cy="400110"/>
-          </a:xfrm>
-          <a:prstGeom prst="rect">
-            <a:avLst/>
-          </a:prstGeom>
-          <a:noFill/>
-        </p:spPr>
-        <p:txBody>
-          <a:bodyPr wrap="square" rtlCol="0">
-            <a:spAutoFit/>
-          </a:bodyPr>
-          <a:lstStyle/>
           <a:p>
             <a:r>
-              <a:rPr lang="fr-FR" sz="2000" dirty="0">
+              <a:rPr lang="fr-FR" dirty="0">
                 <a:solidFill>
                   <a:schemeClr val="bg2">
                     <a:lumMod val="25000"/>
                   </a:schemeClr>
                 </a:solidFill>
               </a:rPr>
-              <a:t>Vente de cartes talismans dodécaèdre  </a:t>
+              <a:t>Votre motif </a:t>
             </a:r>
+          </a:p>
+          <a:p>
+            <a:r>
+              <a:rPr lang="fr-FR" dirty="0">
+                <a:solidFill>
+                  <a:schemeClr val="bg2">
+                    <a:lumMod val="25000"/>
+                  </a:schemeClr>
+                </a:solidFill>
+              </a:rPr>
+              <a:t>Votre message </a:t>
+            </a:r>
+          </a:p>
+          <a:p>
+            <a:endParaRPr lang="fr-FR" dirty="0"/>
+          </a:p>
+          <a:p>
+            <a:r>
+              <a:rPr lang="fr-FR" dirty="0"/>
+              <a:t>     	</a:t>
+            </a:r>
+            <a:endParaRPr lang="fr-FR" dirty="0">
+              <a:solidFill>
+                <a:schemeClr val="bg2">
+                  <a:lumMod val="25000"/>
+                </a:schemeClr>
+              </a:solidFill>
+            </a:endParaRPr>
+          </a:p>
+        </p:txBody>
+      </p:sp>
+      <p:sp>
+        <p:nvSpPr>
+          <p:cNvPr id="34" name="Rectangle : coins arrondis 33">
+            <a:extLst>
+              <a:ext uri="{FF2B5EF4-FFF2-40B4-BE49-F238E27FC236}">
+                <a16:creationId xmlns:a16="http://schemas.microsoft.com/office/drawing/2014/main" id="{189F4698-C90E-473C-9A83-DABCACC35372}"/>
+              </a:ext>
+            </a:extLst>
+          </p:cNvPr>
+          <p:cNvSpPr/>
+          <p:nvPr/>
+        </p:nvSpPr>
+        <p:spPr>
+          <a:xfrm>
+            <a:off x="4139285" y="3911129"/>
+            <a:ext cx="5697215" cy="240266"/>
+          </a:xfrm>
+          <a:prstGeom prst="roundRect">
+            <a:avLst/>
+          </a:prstGeom>
+          <a:solidFill>
+            <a:schemeClr val="bg1">
+              <a:lumMod val="85000"/>
+            </a:schemeClr>
+          </a:solidFill>
+          <a:ln>
+            <a:noFill/>
+          </a:ln>
+        </p:spPr>
+        <p:style>
+          <a:lnRef idx="2">
+            <a:schemeClr val="accent1">
+              <a:shade val="50000"/>
+            </a:schemeClr>
+          </a:lnRef>
+          <a:fillRef idx="1">
+            <a:schemeClr val="accent1"/>
+          </a:fillRef>
+          <a:effectRef idx="0">
+            <a:schemeClr val="accent1"/>
+          </a:effectRef>
+          <a:fontRef idx="minor">
+            <a:schemeClr val="lt1"/>
+          </a:fontRef>
+        </p:style>
+        <p:txBody>
+          <a:bodyPr rtlCol="0" anchor="ctr"/>
+          <a:lstStyle/>
+          <a:p>
+            <a:pPr algn="ctr"/>
+            <a:endParaRPr lang="fr-FR"/>
+          </a:p>
+        </p:txBody>
+      </p:sp>
+      <p:grpSp>
+        <p:nvGrpSpPr>
+          <p:cNvPr id="4" name="Groupe 3">
+            <a:extLst>
+              <a:ext uri="{FF2B5EF4-FFF2-40B4-BE49-F238E27FC236}">
+                <a16:creationId xmlns:a16="http://schemas.microsoft.com/office/drawing/2014/main" id="{76CA2F0D-1FDD-46A2-BC75-B277D48D9D80}"/>
+              </a:ext>
+            </a:extLst>
+          </p:cNvPr>
+          <p:cNvGrpSpPr/>
+          <p:nvPr/>
+        </p:nvGrpSpPr>
+        <p:grpSpPr>
+          <a:xfrm>
+            <a:off x="9836504" y="3918380"/>
+            <a:ext cx="269875" cy="240266"/>
+            <a:chOff x="4919345" y="3881120"/>
+            <a:chExt cx="269875" cy="240266"/>
+          </a:xfrm>
+        </p:grpSpPr>
+        <p:sp>
+          <p:nvSpPr>
+            <p:cNvPr id="2" name="Rectangle : coins arrondis 1">
+              <a:extLst>
+                <a:ext uri="{FF2B5EF4-FFF2-40B4-BE49-F238E27FC236}">
+                  <a16:creationId xmlns:a16="http://schemas.microsoft.com/office/drawing/2014/main" id="{14FCF062-6C79-41FF-A122-A009FE67A6C4}"/>
+                </a:ext>
+              </a:extLst>
+            </p:cNvPr>
+            <p:cNvSpPr/>
+            <p:nvPr/>
+          </p:nvSpPr>
+          <p:spPr>
+            <a:xfrm>
+              <a:off x="4919345" y="3881120"/>
+              <a:ext cx="269875" cy="240266"/>
+            </a:xfrm>
+            <a:prstGeom prst="roundRect">
+              <a:avLst/>
+            </a:prstGeom>
+            <a:solidFill>
+              <a:srgbClr val="D9D9D9"/>
+            </a:solidFill>
+            <a:ln>
+              <a:noFill/>
+            </a:ln>
+          </p:spPr>
+          <p:style>
+            <a:lnRef idx="2">
+              <a:schemeClr val="accent1">
+                <a:shade val="50000"/>
+              </a:schemeClr>
+            </a:lnRef>
+            <a:fillRef idx="1">
+              <a:schemeClr val="accent1"/>
+            </a:fillRef>
+            <a:effectRef idx="0">
+              <a:schemeClr val="accent1"/>
+            </a:effectRef>
+            <a:fontRef idx="minor">
+              <a:schemeClr val="lt1"/>
+            </a:fontRef>
+          </p:style>
+          <p:txBody>
+            <a:bodyPr rtlCol="0" anchor="ctr"/>
+            <a:lstStyle/>
+            <a:p>
+              <a:pPr algn="ctr"/>
+              <a:endParaRPr lang="fr-FR"/>
+            </a:p>
+          </p:txBody>
+        </p:sp>
+        <p:sp>
+          <p:nvSpPr>
+            <p:cNvPr id="3" name="Triangle isocèle 2">
+              <a:extLst>
+                <a:ext uri="{FF2B5EF4-FFF2-40B4-BE49-F238E27FC236}">
+                  <a16:creationId xmlns:a16="http://schemas.microsoft.com/office/drawing/2014/main" id="{0479BF80-A314-4144-9E5F-3799582CDD6A}"/>
+                </a:ext>
+              </a:extLst>
+            </p:cNvPr>
+            <p:cNvSpPr/>
+            <p:nvPr/>
+          </p:nvSpPr>
+          <p:spPr>
+            <a:xfrm rot="10800000">
+              <a:off x="4953555" y="3934135"/>
+              <a:ext cx="216000" cy="180000"/>
+            </a:xfrm>
+            <a:prstGeom prst="triangle">
+              <a:avLst/>
+            </a:prstGeom>
+            <a:solidFill>
+              <a:srgbClr val="7130A2"/>
+            </a:solidFill>
+            <a:ln>
+              <a:noFill/>
+            </a:ln>
+          </p:spPr>
+          <p:style>
+            <a:lnRef idx="2">
+              <a:schemeClr val="accent1">
+                <a:shade val="50000"/>
+              </a:schemeClr>
+            </a:lnRef>
+            <a:fillRef idx="1">
+              <a:schemeClr val="accent1"/>
+            </a:fillRef>
+            <a:effectRef idx="0">
+              <a:schemeClr val="accent1"/>
+            </a:effectRef>
+            <a:fontRef idx="minor">
+              <a:schemeClr val="lt1"/>
+            </a:fontRef>
+          </p:style>
+          <p:txBody>
+            <a:bodyPr rtlCol="0" anchor="ctr"/>
+            <a:lstStyle/>
+            <a:p>
+              <a:pPr algn="ctr"/>
+              <a:endParaRPr lang="fr-FR" dirty="0"/>
+            </a:p>
+          </p:txBody>
+        </p:sp>
+      </p:grpSp>
+      <p:sp>
+        <p:nvSpPr>
+          <p:cNvPr id="35" name="Rectangle : coins arrondis 34">
+            <a:extLst>
+              <a:ext uri="{FF2B5EF4-FFF2-40B4-BE49-F238E27FC236}">
+                <a16:creationId xmlns:a16="http://schemas.microsoft.com/office/drawing/2014/main" id="{9F02BAD8-30F5-48C8-9580-287BDBDDBF9C}"/>
+              </a:ext>
+            </a:extLst>
+          </p:cNvPr>
+          <p:cNvSpPr/>
+          <p:nvPr/>
+        </p:nvSpPr>
+        <p:spPr>
+          <a:xfrm>
+            <a:off x="4139285" y="4233613"/>
+            <a:ext cx="5967095" cy="1507012"/>
+          </a:xfrm>
+          <a:prstGeom prst="roundRect">
+            <a:avLst/>
+          </a:prstGeom>
+          <a:solidFill>
+            <a:schemeClr val="bg1">
+              <a:lumMod val="85000"/>
+            </a:schemeClr>
+          </a:solidFill>
+          <a:ln>
+            <a:noFill/>
+          </a:ln>
+        </p:spPr>
+        <p:style>
+          <a:lnRef idx="2">
+            <a:schemeClr val="accent1">
+              <a:shade val="50000"/>
+            </a:schemeClr>
+          </a:lnRef>
+          <a:fillRef idx="1">
+            <a:schemeClr val="accent1"/>
+          </a:fillRef>
+          <a:effectRef idx="0">
+            <a:schemeClr val="accent1"/>
+          </a:effectRef>
+          <a:fontRef idx="minor">
+            <a:schemeClr val="lt1"/>
+          </a:fontRef>
+        </p:style>
+        <p:txBody>
+          <a:bodyPr rtlCol="0" anchor="ctr"/>
+          <a:lstStyle/>
+          <a:p>
+            <a:pPr algn="ctr"/>
+            <a:endParaRPr lang="fr-FR"/>
+          </a:p>
+        </p:txBody>
+      </p:sp>
+      <p:sp>
+        <p:nvSpPr>
+          <p:cNvPr id="50" name="Rectangle : coins arrondis 49">
+            <a:extLst>
+              <a:ext uri="{FF2B5EF4-FFF2-40B4-BE49-F238E27FC236}">
+                <a16:creationId xmlns:a16="http://schemas.microsoft.com/office/drawing/2014/main" id="{586BFF79-B8E2-4B46-9821-D7FB1C1B437A}"/>
+              </a:ext>
+            </a:extLst>
+          </p:cNvPr>
+          <p:cNvSpPr/>
+          <p:nvPr/>
+        </p:nvSpPr>
+        <p:spPr>
+          <a:xfrm>
+            <a:off x="4139284" y="3313158"/>
+            <a:ext cx="5967095" cy="235275"/>
+          </a:xfrm>
+          <a:prstGeom prst="roundRect">
+            <a:avLst/>
+          </a:prstGeom>
+          <a:solidFill>
+            <a:schemeClr val="bg1">
+              <a:lumMod val="85000"/>
+            </a:schemeClr>
+          </a:solidFill>
+          <a:ln>
+            <a:noFill/>
+          </a:ln>
+        </p:spPr>
+        <p:style>
+          <a:lnRef idx="2">
+            <a:schemeClr val="accent1">
+              <a:shade val="50000"/>
+            </a:schemeClr>
+          </a:lnRef>
+          <a:fillRef idx="1">
+            <a:schemeClr val="accent1"/>
+          </a:fillRef>
+          <a:effectRef idx="0">
+            <a:schemeClr val="accent1"/>
+          </a:effectRef>
+          <a:fontRef idx="minor">
+            <a:schemeClr val="lt1"/>
+          </a:fontRef>
+        </p:style>
+        <p:txBody>
+          <a:bodyPr rtlCol="0" anchor="ctr"/>
+          <a:lstStyle/>
+          <a:p>
+            <a:pPr algn="ctr"/>
+            <a:endParaRPr lang="fr-FR" dirty="0"/>
+          </a:p>
+        </p:txBody>
+      </p:sp>
+      <p:sp>
+        <p:nvSpPr>
+          <p:cNvPr id="51" name="Rectangle : coins arrondis 50">
+            <a:extLst>
+              <a:ext uri="{FF2B5EF4-FFF2-40B4-BE49-F238E27FC236}">
+                <a16:creationId xmlns:a16="http://schemas.microsoft.com/office/drawing/2014/main" id="{A81261D1-12A3-4370-B28E-AAA799DCEE5B}"/>
+              </a:ext>
+            </a:extLst>
+          </p:cNvPr>
+          <p:cNvSpPr/>
+          <p:nvPr/>
+        </p:nvSpPr>
+        <p:spPr>
+          <a:xfrm>
+            <a:off x="4139284" y="3608139"/>
+            <a:ext cx="5967095" cy="235275"/>
+          </a:xfrm>
+          <a:prstGeom prst="roundRect">
+            <a:avLst/>
+          </a:prstGeom>
+          <a:solidFill>
+            <a:schemeClr val="bg1">
+              <a:lumMod val="85000"/>
+            </a:schemeClr>
+          </a:solidFill>
+          <a:ln>
+            <a:noFill/>
+          </a:ln>
+        </p:spPr>
+        <p:style>
+          <a:lnRef idx="2">
+            <a:schemeClr val="accent1">
+              <a:shade val="50000"/>
+            </a:schemeClr>
+          </a:lnRef>
+          <a:fillRef idx="1">
+            <a:schemeClr val="accent1"/>
+          </a:fillRef>
+          <a:effectRef idx="0">
+            <a:schemeClr val="accent1"/>
+          </a:effectRef>
+          <a:fontRef idx="minor">
+            <a:schemeClr val="lt1"/>
+          </a:fontRef>
+        </p:style>
+        <p:txBody>
+          <a:bodyPr rtlCol="0" anchor="ctr"/>
+          <a:lstStyle/>
+          <a:p>
+            <a:pPr algn="ctr"/>
+            <a:endParaRPr lang="fr-FR" dirty="0"/>
           </a:p>
         </p:txBody>
       </p:sp>
     </p:spTree>
     <p:extLst>
       <p:ext uri="{BB962C8B-B14F-4D97-AF65-F5344CB8AC3E}">
-        <p14:creationId xmlns:p14="http://schemas.microsoft.com/office/powerpoint/2010/main" val="657876395"/>
+        <p14:creationId xmlns:p14="http://schemas.microsoft.com/office/powerpoint/2010/main" val="271433224"/>
       </p:ext>
     </p:extLst>
   </p:cSld>
